--- a/sabang_20190326.pptx
+++ b/sabang_20190326.pptx
@@ -14,8 +14,10 @@
     <p:sldId id="269" r:id="rId8"/>
     <p:sldId id="271" r:id="rId9"/>
     <p:sldId id="273" r:id="rId10"/>
-    <p:sldId id="264" r:id="rId11"/>
-    <p:sldId id="259" r:id="rId12"/>
+    <p:sldId id="274" r:id="rId11"/>
+    <p:sldId id="275" r:id="rId12"/>
+    <p:sldId id="264" r:id="rId13"/>
+    <p:sldId id="259" r:id="rId14"/>
   </p:sldIdLst>
   <p:sldSz cx="9144000" cy="6858000" type="screen4x3"/>
   <p:notesSz cx="6858000" cy="9144000"/>
@@ -299,7 +301,7 @@
             <a:fld id="{6CAC7663-7B7A-480C-B9C4-87C7C8CFBEE8}" type="datetimeFigureOut">
               <a:rPr lang="ko-KR" altLang="en-US" smtClean="0"/>
               <a:pPr/>
-              <a:t>2019-03-26</a:t>
+              <a:t>2019-03-28</a:t>
             </a:fld>
             <a:endParaRPr lang="ko-KR" altLang="en-US"/>
           </a:p>
@@ -466,7 +468,7 @@
             <a:fld id="{6CAC7663-7B7A-480C-B9C4-87C7C8CFBEE8}" type="datetimeFigureOut">
               <a:rPr lang="ko-KR" altLang="en-US" smtClean="0"/>
               <a:pPr/>
-              <a:t>2019-03-26</a:t>
+              <a:t>2019-03-28</a:t>
             </a:fld>
             <a:endParaRPr lang="ko-KR" altLang="en-US"/>
           </a:p>
@@ -643,7 +645,7 @@
             <a:fld id="{6CAC7663-7B7A-480C-B9C4-87C7C8CFBEE8}" type="datetimeFigureOut">
               <a:rPr lang="ko-KR" altLang="en-US" smtClean="0"/>
               <a:pPr/>
-              <a:t>2019-03-26</a:t>
+              <a:t>2019-03-28</a:t>
             </a:fld>
             <a:endParaRPr lang="ko-KR" altLang="en-US"/>
           </a:p>
@@ -810,7 +812,7 @@
             <a:fld id="{6CAC7663-7B7A-480C-B9C4-87C7C8CFBEE8}" type="datetimeFigureOut">
               <a:rPr lang="ko-KR" altLang="en-US" smtClean="0"/>
               <a:pPr/>
-              <a:t>2019-03-26</a:t>
+              <a:t>2019-03-28</a:t>
             </a:fld>
             <a:endParaRPr lang="ko-KR" altLang="en-US"/>
           </a:p>
@@ -1053,7 +1055,7 @@
             <a:fld id="{6CAC7663-7B7A-480C-B9C4-87C7C8CFBEE8}" type="datetimeFigureOut">
               <a:rPr lang="ko-KR" altLang="en-US" smtClean="0"/>
               <a:pPr/>
-              <a:t>2019-03-26</a:t>
+              <a:t>2019-03-28</a:t>
             </a:fld>
             <a:endParaRPr lang="ko-KR" altLang="en-US"/>
           </a:p>
@@ -1338,7 +1340,7 @@
             <a:fld id="{6CAC7663-7B7A-480C-B9C4-87C7C8CFBEE8}" type="datetimeFigureOut">
               <a:rPr lang="ko-KR" altLang="en-US" smtClean="0"/>
               <a:pPr/>
-              <a:t>2019-03-26</a:t>
+              <a:t>2019-03-28</a:t>
             </a:fld>
             <a:endParaRPr lang="ko-KR" altLang="en-US"/>
           </a:p>
@@ -1757,7 +1759,7 @@
             <a:fld id="{6CAC7663-7B7A-480C-B9C4-87C7C8CFBEE8}" type="datetimeFigureOut">
               <a:rPr lang="ko-KR" altLang="en-US" smtClean="0"/>
               <a:pPr/>
-              <a:t>2019-03-26</a:t>
+              <a:t>2019-03-28</a:t>
             </a:fld>
             <a:endParaRPr lang="ko-KR" altLang="en-US"/>
           </a:p>
@@ -1872,7 +1874,7 @@
             <a:fld id="{6CAC7663-7B7A-480C-B9C4-87C7C8CFBEE8}" type="datetimeFigureOut">
               <a:rPr lang="ko-KR" altLang="en-US" smtClean="0"/>
               <a:pPr/>
-              <a:t>2019-03-26</a:t>
+              <a:t>2019-03-28</a:t>
             </a:fld>
             <a:endParaRPr lang="ko-KR" altLang="en-US"/>
           </a:p>
@@ -1964,7 +1966,7 @@
             <a:fld id="{6CAC7663-7B7A-480C-B9C4-87C7C8CFBEE8}" type="datetimeFigureOut">
               <a:rPr lang="ko-KR" altLang="en-US" smtClean="0"/>
               <a:pPr/>
-              <a:t>2019-03-26</a:t>
+              <a:t>2019-03-28</a:t>
             </a:fld>
             <a:endParaRPr lang="ko-KR" altLang="en-US"/>
           </a:p>
@@ -2238,7 +2240,7 @@
             <a:fld id="{6CAC7663-7B7A-480C-B9C4-87C7C8CFBEE8}" type="datetimeFigureOut">
               <a:rPr lang="ko-KR" altLang="en-US" smtClean="0"/>
               <a:pPr/>
-              <a:t>2019-03-26</a:t>
+              <a:t>2019-03-28</a:t>
             </a:fld>
             <a:endParaRPr lang="ko-KR" altLang="en-US"/>
           </a:p>
@@ -2488,7 +2490,7 @@
             <a:fld id="{6CAC7663-7B7A-480C-B9C4-87C7C8CFBEE8}" type="datetimeFigureOut">
               <a:rPr lang="ko-KR" altLang="en-US" smtClean="0"/>
               <a:pPr/>
-              <a:t>2019-03-26</a:t>
+              <a:t>2019-03-28</a:t>
             </a:fld>
             <a:endParaRPr lang="ko-KR" altLang="en-US"/>
           </a:p>
@@ -2698,7 +2700,7 @@
             <a:fld id="{6CAC7663-7B7A-480C-B9C4-87C7C8CFBEE8}" type="datetimeFigureOut">
               <a:rPr lang="ko-KR" altLang="en-US" smtClean="0"/>
               <a:pPr/>
-              <a:t>2019-03-26</a:t>
+              <a:t>2019-03-28</a:t>
             </a:fld>
             <a:endParaRPr lang="ko-KR" altLang="en-US"/>
           </a:p>
@@ -3053,7 +3055,7 @@
 </file>
 
 <file path=ppt/slides/slide1.xml><?xml version="1.0" encoding="utf-8"?>
-<p:sld xmlns:a="http://schemas.openxmlformats.org/drawingml/2006/main" xmlns:r="http://schemas.openxmlformats.org/officeDocument/2006/relationships" xmlns:p="http://schemas.openxmlformats.org/presentationml/2006/main">
+<p:sld xmlns:a="http://schemas.openxmlformats.org/drawingml/2006/main" xmlns:r="http://schemas.openxmlformats.org/officeDocument/2006/relationships" xmlns:p="http://schemas.openxmlformats.org/presentationml/2006/main" show="0">
   <p:cSld>
     <p:spTree>
       <p:nvGrpSpPr>
@@ -3098,6 +3100,7 @@
   <p:clrMapOvr>
     <a:masterClrMapping/>
   </p:clrMapOvr>
+  <p:transition/>
   <p:timing>
     <p:tnLst>
       <p:par>
@@ -3109,6 +3112,4445 @@
 </file>
 
 <file path=ppt/slides/slide10.xml><?xml version="1.0" encoding="utf-8"?>
+<p:sld xmlns:a="http://schemas.openxmlformats.org/drawingml/2006/main" xmlns:r="http://schemas.openxmlformats.org/officeDocument/2006/relationships" xmlns:p="http://schemas.openxmlformats.org/presentationml/2006/main">
+  <p:cSld>
+    <p:spTree>
+      <p:nvGrpSpPr>
+        <p:cNvPr id="1" name=""/>
+        <p:cNvGrpSpPr/>
+        <p:nvPr/>
+      </p:nvGrpSpPr>
+      <p:grpSpPr>
+        <a:xfrm>
+          <a:off x="0" y="0"/>
+          <a:ext cx="0" cy="0"/>
+          <a:chOff x="0" y="0"/>
+          <a:chExt cx="0" cy="0"/>
+        </a:xfrm>
+      </p:grpSpPr>
+      <p:pic>
+        <p:nvPicPr>
+          <p:cNvPr id="1027" name="Picture 3"/>
+          <p:cNvPicPr>
+            <a:picLocks noChangeAspect="1" noChangeArrowheads="1"/>
+          </p:cNvPicPr>
+          <p:nvPr/>
+        </p:nvPicPr>
+        <p:blipFill>
+          <a:blip r:embed="rId2" cstate="print"/>
+          <a:srcRect/>
+          <a:stretch>
+            <a:fillRect/>
+          </a:stretch>
+        </p:blipFill>
+        <p:spPr bwMode="auto">
+          <a:xfrm>
+            <a:off x="0" y="0"/>
+            <a:ext cx="9144000" cy="685800"/>
+          </a:xfrm>
+          <a:prstGeom prst="rect">
+            <a:avLst/>
+          </a:prstGeom>
+          <a:noFill/>
+          <a:ln w="9525">
+            <a:noFill/>
+            <a:miter lim="800000"/>
+            <a:headEnd/>
+            <a:tailEnd/>
+          </a:ln>
+        </p:spPr>
+      </p:pic>
+      <p:pic>
+        <p:nvPicPr>
+          <p:cNvPr id="1028" name="Picture 4"/>
+          <p:cNvPicPr>
+            <a:picLocks noChangeAspect="1" noChangeArrowheads="1"/>
+          </p:cNvPicPr>
+          <p:nvPr/>
+        </p:nvPicPr>
+        <p:blipFill>
+          <a:blip r:embed="rId3" cstate="print"/>
+          <a:srcRect/>
+          <a:stretch>
+            <a:fillRect/>
+          </a:stretch>
+        </p:blipFill>
+        <p:spPr bwMode="auto">
+          <a:xfrm>
+            <a:off x="0" y="6351984"/>
+            <a:ext cx="9144000" cy="533400"/>
+          </a:xfrm>
+          <a:prstGeom prst="rect">
+            <a:avLst/>
+          </a:prstGeom>
+          <a:noFill/>
+          <a:ln w="9525">
+            <a:noFill/>
+            <a:miter lim="800000"/>
+            <a:headEnd/>
+            <a:tailEnd/>
+          </a:ln>
+        </p:spPr>
+      </p:pic>
+      <p:sp>
+        <p:nvSpPr>
+          <p:cNvPr id="6" name="직사각형 5"/>
+          <p:cNvSpPr/>
+          <p:nvPr/>
+        </p:nvSpPr>
+        <p:spPr>
+          <a:xfrm>
+            <a:off x="281963" y="260648"/>
+            <a:ext cx="1440160" cy="338554"/>
+          </a:xfrm>
+          <a:prstGeom prst="rect">
+            <a:avLst/>
+          </a:prstGeom>
+        </p:spPr>
+        <p:txBody>
+          <a:bodyPr wrap="square">
+            <a:spAutoFit/>
+          </a:bodyPr>
+          <a:lstStyle/>
+          <a:p>
+            <a:r>
+              <a:rPr lang="ko-KR" altLang="en-US" sz="1600" b="1" dirty="0" smtClean="0">
+                <a:solidFill>
+                  <a:schemeClr val="bg1"/>
+                </a:solidFill>
+                <a:latin typeface="나눔바른고딕" panose="020B0603020101020101" pitchFamily="50" charset="-127"/>
+                <a:ea typeface="나눔바른고딕" panose="020B0603020101020101" pitchFamily="50" charset="-127"/>
+              </a:rPr>
+              <a:t>주제 및 목적</a:t>
+            </a:r>
+            <a:endParaRPr lang="ko-KR" altLang="en-US" sz="1600" b="1" dirty="0">
+              <a:solidFill>
+                <a:schemeClr val="bg1"/>
+              </a:solidFill>
+            </a:endParaRPr>
+          </a:p>
+        </p:txBody>
+      </p:sp>
+      <p:sp>
+        <p:nvSpPr>
+          <p:cNvPr id="8" name="직사각형 7"/>
+          <p:cNvSpPr/>
+          <p:nvPr/>
+        </p:nvSpPr>
+        <p:spPr>
+          <a:xfrm>
+            <a:off x="1763688" y="260648"/>
+            <a:ext cx="1296144" cy="338554"/>
+          </a:xfrm>
+          <a:prstGeom prst="rect">
+            <a:avLst/>
+          </a:prstGeom>
+        </p:spPr>
+        <p:txBody>
+          <a:bodyPr wrap="square">
+            <a:spAutoFit/>
+          </a:bodyPr>
+          <a:lstStyle/>
+          <a:p>
+            <a:r>
+              <a:rPr lang="ko-KR" altLang="en-US" sz="1600" b="1" dirty="0" smtClean="0">
+                <a:solidFill>
+                  <a:schemeClr val="bg1"/>
+                </a:solidFill>
+                <a:latin typeface="나눔바른고딕" panose="020B0603020101020101" pitchFamily="50" charset="-127"/>
+                <a:ea typeface="나눔바른고딕" panose="020B0603020101020101" pitchFamily="50" charset="-127"/>
+              </a:rPr>
+              <a:t>개발환경</a:t>
+            </a:r>
+          </a:p>
+        </p:txBody>
+      </p:sp>
+      <p:sp>
+        <p:nvSpPr>
+          <p:cNvPr id="9" name="직사각형 8"/>
+          <p:cNvSpPr/>
+          <p:nvPr/>
+        </p:nvSpPr>
+        <p:spPr>
+          <a:xfrm>
+            <a:off x="2987824" y="260648"/>
+            <a:ext cx="1463862" cy="338554"/>
+          </a:xfrm>
+          <a:prstGeom prst="rect">
+            <a:avLst/>
+          </a:prstGeom>
+        </p:spPr>
+        <p:txBody>
+          <a:bodyPr wrap="none">
+            <a:spAutoFit/>
+          </a:bodyPr>
+          <a:lstStyle/>
+          <a:p>
+            <a:r>
+              <a:rPr lang="ko-KR" altLang="en-US" sz="1600" b="1" dirty="0" smtClean="0">
+                <a:solidFill>
+                  <a:schemeClr val="bg1"/>
+                </a:solidFill>
+                <a:latin typeface="나눔바른고딕" panose="020B0603020101020101" pitchFamily="50" charset="-127"/>
+                <a:ea typeface="나눔바른고딕" panose="020B0603020101020101" pitchFamily="50" charset="-127"/>
+              </a:rPr>
+              <a:t>요구사항 분석</a:t>
+            </a:r>
+            <a:endParaRPr lang="ko-KR" altLang="en-US" sz="1600" b="1" dirty="0">
+              <a:solidFill>
+                <a:schemeClr val="bg1"/>
+              </a:solidFill>
+            </a:endParaRPr>
+          </a:p>
+        </p:txBody>
+      </p:sp>
+      <p:sp>
+        <p:nvSpPr>
+          <p:cNvPr id="10" name="직사각형 9"/>
+          <p:cNvSpPr/>
+          <p:nvPr/>
+        </p:nvSpPr>
+        <p:spPr>
+          <a:xfrm>
+            <a:off x="4716016" y="260648"/>
+            <a:ext cx="992579" cy="338554"/>
+          </a:xfrm>
+          <a:prstGeom prst="rect">
+            <a:avLst/>
+          </a:prstGeom>
+        </p:spPr>
+        <p:txBody>
+          <a:bodyPr wrap="none">
+            <a:spAutoFit/>
+          </a:bodyPr>
+          <a:lstStyle/>
+          <a:p>
+            <a:r>
+              <a:rPr lang="ko-KR" altLang="en-US" sz="1600" b="1" dirty="0" smtClean="0">
+                <a:solidFill>
+                  <a:schemeClr val="bg1"/>
+                </a:solidFill>
+                <a:latin typeface="나눔바른고딕" panose="020B0603020101020101" pitchFamily="50" charset="-127"/>
+                <a:ea typeface="나눔바른고딕" panose="020B0603020101020101" pitchFamily="50" charset="-127"/>
+              </a:rPr>
+              <a:t>업무분담</a:t>
+            </a:r>
+            <a:endParaRPr lang="ko-KR" altLang="en-US" sz="1600" b="1" dirty="0">
+              <a:solidFill>
+                <a:schemeClr val="bg1"/>
+              </a:solidFill>
+            </a:endParaRPr>
+          </a:p>
+        </p:txBody>
+      </p:sp>
+      <p:sp>
+        <p:nvSpPr>
+          <p:cNvPr id="11" name="직사각형 10"/>
+          <p:cNvSpPr/>
+          <p:nvPr/>
+        </p:nvSpPr>
+        <p:spPr>
+          <a:xfrm>
+            <a:off x="6012160" y="260648"/>
+            <a:ext cx="1867819" cy="338554"/>
+          </a:xfrm>
+          <a:prstGeom prst="rect">
+            <a:avLst/>
+          </a:prstGeom>
+        </p:spPr>
+        <p:txBody>
+          <a:bodyPr wrap="none">
+            <a:spAutoFit/>
+          </a:bodyPr>
+          <a:lstStyle/>
+          <a:p>
+            <a:r>
+              <a:rPr lang="ko-KR" altLang="en-US" sz="1600" b="1" dirty="0" smtClean="0">
+                <a:solidFill>
+                  <a:schemeClr val="bg1"/>
+                </a:solidFill>
+                <a:latin typeface="나눔바른고딕" panose="020B0603020101020101" pitchFamily="50" charset="-127"/>
+                <a:ea typeface="나눔바른고딕" panose="020B0603020101020101" pitchFamily="50" charset="-127"/>
+              </a:rPr>
+              <a:t>프로젝트 일정계획</a:t>
+            </a:r>
+            <a:endParaRPr lang="ko-KR" altLang="en-US" sz="1600" b="1" dirty="0">
+              <a:solidFill>
+                <a:schemeClr val="bg1"/>
+              </a:solidFill>
+            </a:endParaRPr>
+          </a:p>
+        </p:txBody>
+      </p:sp>
+      <p:pic>
+        <p:nvPicPr>
+          <p:cNvPr id="19" name="Picture 2"/>
+          <p:cNvPicPr>
+            <a:picLocks noChangeAspect="1" noChangeArrowheads="1"/>
+          </p:cNvPicPr>
+          <p:nvPr/>
+        </p:nvPicPr>
+        <p:blipFill>
+          <a:blip r:embed="rId4" cstate="print"/>
+          <a:srcRect/>
+          <a:stretch>
+            <a:fillRect/>
+          </a:stretch>
+        </p:blipFill>
+        <p:spPr bwMode="auto">
+          <a:xfrm>
+            <a:off x="7969076" y="188640"/>
+            <a:ext cx="864096" cy="504825"/>
+          </a:xfrm>
+          <a:prstGeom prst="rect">
+            <a:avLst/>
+          </a:prstGeom>
+          <a:noFill/>
+          <a:ln w="9525">
+            <a:noFill/>
+            <a:miter lim="800000"/>
+            <a:headEnd/>
+            <a:tailEnd/>
+          </a:ln>
+        </p:spPr>
+      </p:pic>
+      <p:sp>
+        <p:nvSpPr>
+          <p:cNvPr id="12" name="직사각형 11"/>
+          <p:cNvSpPr/>
+          <p:nvPr/>
+        </p:nvSpPr>
+        <p:spPr>
+          <a:xfrm>
+            <a:off x="8100392" y="260648"/>
+            <a:ext cx="588623" cy="338554"/>
+          </a:xfrm>
+          <a:prstGeom prst="rect">
+            <a:avLst/>
+          </a:prstGeom>
+        </p:spPr>
+        <p:txBody>
+          <a:bodyPr wrap="none">
+            <a:spAutoFit/>
+          </a:bodyPr>
+          <a:lstStyle/>
+          <a:p>
+            <a:r>
+              <a:rPr lang="ko-KR" altLang="en-US" sz="1600" b="1" dirty="0" smtClean="0">
+                <a:latin typeface="나눔바른고딕" panose="020B0603020101020101" pitchFamily="50" charset="-127"/>
+                <a:ea typeface="나눔바른고딕" panose="020B0603020101020101" pitchFamily="50" charset="-127"/>
+              </a:rPr>
+              <a:t>시연</a:t>
+            </a:r>
+            <a:endParaRPr lang="ko-KR" altLang="en-US" sz="1600" b="1" dirty="0"/>
+          </a:p>
+        </p:txBody>
+      </p:sp>
+      <p:grpSp>
+        <p:nvGrpSpPr>
+          <p:cNvPr id="112" name="그룹 111"/>
+          <p:cNvGrpSpPr/>
+          <p:nvPr/>
+        </p:nvGrpSpPr>
+        <p:grpSpPr>
+          <a:xfrm>
+            <a:off x="340420" y="1708944"/>
+            <a:ext cx="8352928" cy="724272"/>
+            <a:chOff x="251520" y="980728"/>
+            <a:chExt cx="8352928" cy="724272"/>
+          </a:xfrm>
+        </p:grpSpPr>
+        <p:grpSp>
+          <p:nvGrpSpPr>
+            <p:cNvPr id="84" name="그룹 83"/>
+            <p:cNvGrpSpPr/>
+            <p:nvPr/>
+          </p:nvGrpSpPr>
+          <p:grpSpPr>
+            <a:xfrm>
+              <a:off x="251520" y="980728"/>
+              <a:ext cx="8352928" cy="360040"/>
+              <a:chOff x="323528" y="2204864"/>
+              <a:chExt cx="8352928" cy="360040"/>
+            </a:xfrm>
+          </p:grpSpPr>
+          <p:grpSp>
+            <p:nvGrpSpPr>
+              <p:cNvPr id="39" name="그룹 38"/>
+              <p:cNvGrpSpPr/>
+              <p:nvPr/>
+            </p:nvGrpSpPr>
+            <p:grpSpPr>
+              <a:xfrm>
+                <a:off x="323528" y="2204864"/>
+                <a:ext cx="8352928" cy="360040"/>
+                <a:chOff x="453688" y="1844824"/>
+                <a:chExt cx="11067633" cy="514343"/>
+              </a:xfrm>
+            </p:grpSpPr>
+            <p:grpSp>
+              <p:nvGrpSpPr>
+                <p:cNvPr id="40" name="그룹 30"/>
+                <p:cNvGrpSpPr/>
+                <p:nvPr/>
+              </p:nvGrpSpPr>
+              <p:grpSpPr>
+                <a:xfrm>
+                  <a:off x="453688" y="1844824"/>
+                  <a:ext cx="11067633" cy="514343"/>
+                  <a:chOff x="453688" y="1844824"/>
+                  <a:chExt cx="11067633" cy="514343"/>
+                </a:xfrm>
+              </p:grpSpPr>
+              <p:sp>
+                <p:nvSpPr>
+                  <p:cNvPr id="42" name="직사각형 41"/>
+                  <p:cNvSpPr/>
+                  <p:nvPr/>
+                </p:nvSpPr>
+                <p:spPr>
+                  <a:xfrm>
+                    <a:off x="1161069" y="1844824"/>
+                    <a:ext cx="10360252" cy="514343"/>
+                  </a:xfrm>
+                  <a:prstGeom prst="rect">
+                    <a:avLst/>
+                  </a:prstGeom>
+                  <a:solidFill>
+                    <a:schemeClr val="accent5">
+                      <a:lumMod val="20000"/>
+                      <a:lumOff val="80000"/>
+                    </a:schemeClr>
+                  </a:solidFill>
+                  <a:ln w="3175">
+                    <a:noFill/>
+                  </a:ln>
+                </p:spPr>
+                <p:style>
+                  <a:lnRef idx="2">
+                    <a:schemeClr val="accent1">
+                      <a:shade val="50000"/>
+                    </a:schemeClr>
+                  </a:lnRef>
+                  <a:fillRef idx="1">
+                    <a:schemeClr val="accent1"/>
+                  </a:fillRef>
+                  <a:effectRef idx="0">
+                    <a:schemeClr val="accent1"/>
+                  </a:effectRef>
+                  <a:fontRef idx="minor">
+                    <a:schemeClr val="lt1"/>
+                  </a:fontRef>
+                </p:style>
+                <p:txBody>
+                  <a:bodyPr rtlCol="0" anchor="ctr"/>
+                  <a:lstStyle/>
+                  <a:p>
+                    <a:pPr algn="ctr"/>
+                    <a:endParaRPr lang="ko-KR" altLang="en-US"/>
+                  </a:p>
+                </p:txBody>
+              </p:sp>
+              <p:pic>
+                <p:nvPicPr>
+                  <p:cNvPr id="43" name="Picture 3"/>
+                  <p:cNvPicPr>
+                    <a:picLocks noChangeAspect="1" noChangeArrowheads="1"/>
+                  </p:cNvPicPr>
+                  <p:nvPr/>
+                </p:nvPicPr>
+                <p:blipFill>
+                  <a:blip r:embed="rId5" cstate="print"/>
+                  <a:srcRect/>
+                  <a:stretch>
+                    <a:fillRect/>
+                  </a:stretch>
+                </p:blipFill>
+                <p:spPr bwMode="auto">
+                  <a:xfrm>
+                    <a:off x="453688" y="1844824"/>
+                    <a:ext cx="2385266" cy="514343"/>
+                  </a:xfrm>
+                  <a:prstGeom prst="rect">
+                    <a:avLst/>
+                  </a:prstGeom>
+                  <a:noFill/>
+                  <a:ln w="9525">
+                    <a:noFill/>
+                    <a:miter lim="800000"/>
+                    <a:headEnd/>
+                    <a:tailEnd/>
+                  </a:ln>
+                </p:spPr>
+              </p:pic>
+            </p:grpSp>
+            <p:sp>
+              <p:nvSpPr>
+                <p:cNvPr id="41" name="직사각형 40"/>
+                <p:cNvSpPr/>
+                <p:nvPr/>
+              </p:nvSpPr>
+              <p:spPr>
+                <a:xfrm>
+                  <a:off x="509889" y="1881110"/>
+                  <a:ext cx="2806118" cy="439682"/>
+                </a:xfrm>
+                <a:prstGeom prst="rect">
+                  <a:avLst/>
+                </a:prstGeom>
+              </p:spPr>
+              <p:txBody>
+                <a:bodyPr wrap="square">
+                  <a:spAutoFit/>
+                </a:bodyPr>
+                <a:lstStyle/>
+                <a:p>
+                  <a:r>
+                    <a:rPr lang="en-US" altLang="ko-KR" sz="1400" b="1" dirty="0" smtClean="0">
+                      <a:solidFill>
+                        <a:schemeClr val="bg1"/>
+                      </a:solidFill>
+                    </a:rPr>
+                    <a:t>1. </a:t>
+                  </a:r>
+                  <a:r>
+                    <a:rPr lang="ko-KR" altLang="en-US" sz="1400" b="1" dirty="0" smtClean="0">
+                      <a:solidFill>
+                        <a:schemeClr val="bg1"/>
+                      </a:solidFill>
+                    </a:rPr>
+                    <a:t>로그인 로그아웃</a:t>
+                  </a:r>
+                  <a:endParaRPr lang="ko-KR" altLang="en-US" sz="1400" b="1" dirty="0">
+                    <a:solidFill>
+                      <a:schemeClr val="bg1"/>
+                    </a:solidFill>
+                  </a:endParaRPr>
+                </a:p>
+              </p:txBody>
+            </p:sp>
+          </p:grpSp>
+          <p:sp>
+            <p:nvSpPr>
+              <p:cNvPr id="62" name="직사각형 61"/>
+              <p:cNvSpPr/>
+              <p:nvPr/>
+            </p:nvSpPr>
+            <p:spPr>
+              <a:xfrm>
+                <a:off x="2195736" y="2257127"/>
+                <a:ext cx="2160240" cy="276999"/>
+              </a:xfrm>
+              <a:prstGeom prst="rect">
+                <a:avLst/>
+              </a:prstGeom>
+            </p:spPr>
+            <p:txBody>
+              <a:bodyPr wrap="square">
+                <a:spAutoFit/>
+              </a:bodyPr>
+              <a:lstStyle/>
+              <a:p>
+                <a:r>
+                  <a:rPr lang="en-US" altLang="ko-KR" sz="1200" b="1" dirty="0" smtClean="0"/>
+                  <a:t>URL :  </a:t>
+                </a:r>
+                <a:endParaRPr lang="ko-KR" altLang="en-US" sz="1200" b="1" dirty="0"/>
+              </a:p>
+            </p:txBody>
+          </p:sp>
+        </p:grpSp>
+        <p:sp>
+          <p:nvSpPr>
+            <p:cNvPr id="85" name="직사각형 84"/>
+            <p:cNvSpPr/>
+            <p:nvPr/>
+          </p:nvSpPr>
+          <p:spPr>
+            <a:xfrm>
+              <a:off x="755576" y="1340768"/>
+              <a:ext cx="7848872" cy="364232"/>
+            </a:xfrm>
+            <a:prstGeom prst="rect">
+              <a:avLst/>
+            </a:prstGeom>
+            <a:solidFill>
+              <a:schemeClr val="accent5">
+                <a:lumMod val="20000"/>
+                <a:lumOff val="80000"/>
+              </a:schemeClr>
+            </a:solidFill>
+            <a:ln w="3175">
+              <a:noFill/>
+            </a:ln>
+          </p:spPr>
+          <p:style>
+            <a:lnRef idx="2">
+              <a:schemeClr val="accent1">
+                <a:shade val="50000"/>
+              </a:schemeClr>
+            </a:lnRef>
+            <a:fillRef idx="1">
+              <a:schemeClr val="accent1"/>
+            </a:fillRef>
+            <a:effectRef idx="0">
+              <a:schemeClr val="accent1"/>
+            </a:effectRef>
+            <a:fontRef idx="minor">
+              <a:schemeClr val="lt1"/>
+            </a:fontRef>
+          </p:style>
+          <p:txBody>
+            <a:bodyPr rtlCol="0" anchor="ctr"/>
+            <a:lstStyle/>
+            <a:p>
+              <a:pPr algn="ctr"/>
+              <a:endParaRPr lang="ko-KR" altLang="en-US"/>
+            </a:p>
+          </p:txBody>
+        </p:sp>
+        <p:pic>
+          <p:nvPicPr>
+            <p:cNvPr id="4" name="Picture 3"/>
+            <p:cNvPicPr>
+              <a:picLocks noChangeAspect="1" noChangeArrowheads="1"/>
+            </p:cNvPicPr>
+            <p:nvPr/>
+          </p:nvPicPr>
+          <p:blipFill>
+            <a:blip r:embed="rId6" cstate="print"/>
+            <a:srcRect/>
+            <a:stretch>
+              <a:fillRect/>
+            </a:stretch>
+          </p:blipFill>
+          <p:spPr bwMode="auto">
+            <a:xfrm>
+              <a:off x="683567" y="1340768"/>
+              <a:ext cx="1368153" cy="360040"/>
+            </a:xfrm>
+            <a:prstGeom prst="rect">
+              <a:avLst/>
+            </a:prstGeom>
+            <a:noFill/>
+            <a:ln w="9525">
+              <a:noFill/>
+              <a:miter lim="800000"/>
+              <a:headEnd/>
+              <a:tailEnd/>
+            </a:ln>
+          </p:spPr>
+        </p:pic>
+        <p:sp>
+          <p:nvSpPr>
+            <p:cNvPr id="87" name="직사각형 86"/>
+            <p:cNvSpPr/>
+            <p:nvPr/>
+          </p:nvSpPr>
+          <p:spPr>
+            <a:xfrm>
+              <a:off x="755576" y="1367190"/>
+              <a:ext cx="1576024" cy="307777"/>
+            </a:xfrm>
+            <a:prstGeom prst="rect">
+              <a:avLst/>
+            </a:prstGeom>
+          </p:spPr>
+          <p:txBody>
+            <a:bodyPr wrap="square">
+              <a:spAutoFit/>
+            </a:bodyPr>
+            <a:lstStyle/>
+            <a:p>
+              <a:r>
+                <a:rPr lang="ko-KR" altLang="en-US" sz="1400" b="1" dirty="0" smtClean="0">
+                  <a:solidFill>
+                    <a:schemeClr val="bg1"/>
+                  </a:solidFill>
+                </a:rPr>
+                <a:t>핵심기</a:t>
+              </a:r>
+              <a:r>
+                <a:rPr lang="ko-KR" altLang="en-US" sz="1400" b="1" dirty="0" smtClean="0">
+                  <a:solidFill>
+                    <a:schemeClr val="bg1"/>
+                  </a:solidFill>
+                </a:rPr>
+                <a:t>능</a:t>
+              </a:r>
+              <a:endParaRPr lang="ko-KR" altLang="en-US" sz="1400" b="1" dirty="0">
+                <a:solidFill>
+                  <a:schemeClr val="bg1"/>
+                </a:solidFill>
+              </a:endParaRPr>
+            </a:p>
+          </p:txBody>
+        </p:sp>
+        <p:sp>
+          <p:nvSpPr>
+            <p:cNvPr id="99" name="직사각형 98"/>
+            <p:cNvSpPr/>
+            <p:nvPr/>
+          </p:nvSpPr>
+          <p:spPr>
+            <a:xfrm>
+              <a:off x="2267744" y="1340768"/>
+              <a:ext cx="3528392" cy="307777"/>
+            </a:xfrm>
+            <a:prstGeom prst="rect">
+              <a:avLst/>
+            </a:prstGeom>
+          </p:spPr>
+          <p:txBody>
+            <a:bodyPr wrap="square">
+              <a:spAutoFit/>
+            </a:bodyPr>
+            <a:lstStyle/>
+            <a:p>
+              <a:pPr>
+                <a:buFont typeface="Wingdings" pitchFamily="2" charset="2"/>
+                <a:buChar char="ü"/>
+              </a:pPr>
+              <a:r>
+                <a:rPr lang="en-US" altLang="ko-KR" sz="1400" b="1" dirty="0" smtClean="0"/>
+                <a:t> </a:t>
+              </a:r>
+              <a:r>
+                <a:rPr lang="en-US" altLang="ko-KR" sz="1400" b="1" u="sng" dirty="0" err="1" smtClean="0">
+                  <a:effectLst>
+                    <a:outerShdw blurRad="38100" dist="38100" dir="2700000" algn="tl">
+                      <a:srgbClr val="000000">
+                        <a:alpha val="43137"/>
+                      </a:srgbClr>
+                    </a:outerShdw>
+                  </a:effectLst>
+                </a:rPr>
+                <a:t>OAuth</a:t>
+              </a:r>
+              <a:r>
+                <a:rPr lang="en-US" altLang="ko-KR" sz="1400" b="1" u="sng" dirty="0" smtClean="0">
+                  <a:effectLst>
+                    <a:outerShdw blurRad="38100" dist="38100" dir="2700000" algn="tl">
+                      <a:srgbClr val="000000">
+                        <a:alpha val="43137"/>
+                      </a:srgbClr>
+                    </a:outerShdw>
+                  </a:effectLst>
+                </a:rPr>
+                <a:t> </a:t>
+              </a:r>
+              <a:r>
+                <a:rPr lang="en-US" altLang="ko-KR" sz="1400" dirty="0" smtClean="0"/>
+                <a:t>NAVER SNS </a:t>
+              </a:r>
+              <a:r>
+                <a:rPr lang="ko-KR" altLang="en-US" sz="1400" dirty="0" smtClean="0"/>
+                <a:t>로그인 </a:t>
+              </a:r>
+              <a:r>
+                <a:rPr lang="en-US" altLang="ko-KR" sz="1400" dirty="0" smtClean="0"/>
+                <a:t>API</a:t>
+              </a:r>
+              <a:endParaRPr lang="ko-KR" altLang="en-US" sz="1400" dirty="0"/>
+            </a:p>
+          </p:txBody>
+        </p:sp>
+      </p:grpSp>
+      <p:grpSp>
+        <p:nvGrpSpPr>
+          <p:cNvPr id="113" name="그룹 112"/>
+          <p:cNvGrpSpPr/>
+          <p:nvPr/>
+        </p:nvGrpSpPr>
+        <p:grpSpPr>
+          <a:xfrm>
+            <a:off x="357436" y="2429024"/>
+            <a:ext cx="8352928" cy="936104"/>
+            <a:chOff x="251520" y="980729"/>
+            <a:chExt cx="8352928" cy="936104"/>
+          </a:xfrm>
+        </p:grpSpPr>
+        <p:grpSp>
+          <p:nvGrpSpPr>
+            <p:cNvPr id="114" name="그룹 83"/>
+            <p:cNvGrpSpPr/>
+            <p:nvPr/>
+          </p:nvGrpSpPr>
+          <p:grpSpPr>
+            <a:xfrm>
+              <a:off x="251520" y="980729"/>
+              <a:ext cx="8352928" cy="360041"/>
+              <a:chOff x="323528" y="2204865"/>
+              <a:chExt cx="8352928" cy="360041"/>
+            </a:xfrm>
+          </p:grpSpPr>
+          <p:grpSp>
+            <p:nvGrpSpPr>
+              <p:cNvPr id="119" name="그룹 38"/>
+              <p:cNvGrpSpPr/>
+              <p:nvPr/>
+            </p:nvGrpSpPr>
+            <p:grpSpPr>
+              <a:xfrm>
+                <a:off x="323528" y="2204865"/>
+                <a:ext cx="8352928" cy="360041"/>
+                <a:chOff x="453688" y="1844823"/>
+                <a:chExt cx="11067633" cy="514344"/>
+              </a:xfrm>
+            </p:grpSpPr>
+            <p:grpSp>
+              <p:nvGrpSpPr>
+                <p:cNvPr id="121" name="그룹 30"/>
+                <p:cNvGrpSpPr/>
+                <p:nvPr/>
+              </p:nvGrpSpPr>
+              <p:grpSpPr>
+                <a:xfrm>
+                  <a:off x="453688" y="1844823"/>
+                  <a:ext cx="11067633" cy="514344"/>
+                  <a:chOff x="453688" y="1844823"/>
+                  <a:chExt cx="11067633" cy="514344"/>
+                </a:xfrm>
+              </p:grpSpPr>
+              <p:sp>
+                <p:nvSpPr>
+                  <p:cNvPr id="123" name="직사각형 122"/>
+                  <p:cNvSpPr/>
+                  <p:nvPr/>
+                </p:nvSpPr>
+                <p:spPr>
+                  <a:xfrm>
+                    <a:off x="1161069" y="1844823"/>
+                    <a:ext cx="10360252" cy="514343"/>
+                  </a:xfrm>
+                  <a:prstGeom prst="rect">
+                    <a:avLst/>
+                  </a:prstGeom>
+                  <a:solidFill>
+                    <a:schemeClr val="accent5">
+                      <a:lumMod val="20000"/>
+                      <a:lumOff val="80000"/>
+                    </a:schemeClr>
+                  </a:solidFill>
+                  <a:ln w="3175">
+                    <a:noFill/>
+                  </a:ln>
+                </p:spPr>
+                <p:style>
+                  <a:lnRef idx="2">
+                    <a:schemeClr val="accent1">
+                      <a:shade val="50000"/>
+                    </a:schemeClr>
+                  </a:lnRef>
+                  <a:fillRef idx="1">
+                    <a:schemeClr val="accent1"/>
+                  </a:fillRef>
+                  <a:effectRef idx="0">
+                    <a:schemeClr val="accent1"/>
+                  </a:effectRef>
+                  <a:fontRef idx="minor">
+                    <a:schemeClr val="lt1"/>
+                  </a:fontRef>
+                </p:style>
+                <p:txBody>
+                  <a:bodyPr rtlCol="0" anchor="ctr"/>
+                  <a:lstStyle/>
+                  <a:p>
+                    <a:pPr algn="ctr"/>
+                    <a:endParaRPr lang="ko-KR" altLang="en-US"/>
+                  </a:p>
+                </p:txBody>
+              </p:sp>
+              <p:pic>
+                <p:nvPicPr>
+                  <p:cNvPr id="124" name="Picture 3"/>
+                  <p:cNvPicPr>
+                    <a:picLocks noChangeAspect="1" noChangeArrowheads="1"/>
+                  </p:cNvPicPr>
+                  <p:nvPr/>
+                </p:nvPicPr>
+                <p:blipFill>
+                  <a:blip r:embed="rId5" cstate="print"/>
+                  <a:srcRect/>
+                  <a:stretch>
+                    <a:fillRect/>
+                  </a:stretch>
+                </p:blipFill>
+                <p:spPr bwMode="auto">
+                  <a:xfrm>
+                    <a:off x="453688" y="1844824"/>
+                    <a:ext cx="2362720" cy="514343"/>
+                  </a:xfrm>
+                  <a:prstGeom prst="rect">
+                    <a:avLst/>
+                  </a:prstGeom>
+                  <a:noFill/>
+                  <a:ln w="9525">
+                    <a:noFill/>
+                    <a:miter lim="800000"/>
+                    <a:headEnd/>
+                    <a:tailEnd/>
+                  </a:ln>
+                </p:spPr>
+              </p:pic>
+            </p:grpSp>
+            <p:sp>
+              <p:nvSpPr>
+                <p:cNvPr id="122" name="직사각형 121"/>
+                <p:cNvSpPr/>
+                <p:nvPr/>
+              </p:nvSpPr>
+              <p:spPr>
+                <a:xfrm>
+                  <a:off x="509889" y="1881110"/>
+                  <a:ext cx="2615296" cy="439682"/>
+                </a:xfrm>
+                <a:prstGeom prst="rect">
+                  <a:avLst/>
+                </a:prstGeom>
+              </p:spPr>
+              <p:txBody>
+                <a:bodyPr wrap="square">
+                  <a:spAutoFit/>
+                </a:bodyPr>
+                <a:lstStyle/>
+                <a:p>
+                  <a:r>
+                    <a:rPr lang="en-US" altLang="ko-KR" sz="1400" b="1" dirty="0" smtClean="0">
+                      <a:solidFill>
+                        <a:schemeClr val="bg1"/>
+                      </a:solidFill>
+                    </a:rPr>
+                    <a:t>2. </a:t>
+                  </a:r>
+                  <a:r>
+                    <a:rPr lang="ko-KR" altLang="en-US" sz="1400" b="1" dirty="0" smtClean="0">
+                      <a:solidFill>
+                        <a:schemeClr val="bg1"/>
+                      </a:solidFill>
+                    </a:rPr>
+                    <a:t>회원가입 및 탈퇴</a:t>
+                  </a:r>
+                  <a:endParaRPr lang="ko-KR" altLang="en-US" sz="1400" b="1" dirty="0">
+                    <a:solidFill>
+                      <a:schemeClr val="bg1"/>
+                    </a:solidFill>
+                  </a:endParaRPr>
+                </a:p>
+              </p:txBody>
+            </p:sp>
+          </p:grpSp>
+          <p:sp>
+            <p:nvSpPr>
+              <p:cNvPr id="120" name="직사각형 119"/>
+              <p:cNvSpPr/>
+              <p:nvPr/>
+            </p:nvSpPr>
+            <p:spPr>
+              <a:xfrm>
+                <a:off x="2178720" y="2264173"/>
+                <a:ext cx="2160240" cy="276999"/>
+              </a:xfrm>
+              <a:prstGeom prst="rect">
+                <a:avLst/>
+              </a:prstGeom>
+            </p:spPr>
+            <p:txBody>
+              <a:bodyPr wrap="square">
+                <a:spAutoFit/>
+              </a:bodyPr>
+              <a:lstStyle/>
+              <a:p>
+                <a:r>
+                  <a:rPr lang="en-US" altLang="ko-KR" sz="1200" b="1" dirty="0" smtClean="0"/>
+                  <a:t>URL : </a:t>
+                </a:r>
+                <a:endParaRPr lang="ko-KR" altLang="en-US" sz="1200" b="1" dirty="0"/>
+              </a:p>
+            </p:txBody>
+          </p:sp>
+        </p:grpSp>
+        <p:sp>
+          <p:nvSpPr>
+            <p:cNvPr id="115" name="직사각형 114"/>
+            <p:cNvSpPr/>
+            <p:nvPr/>
+          </p:nvSpPr>
+          <p:spPr>
+            <a:xfrm>
+              <a:off x="755576" y="1340767"/>
+              <a:ext cx="7848872" cy="576066"/>
+            </a:xfrm>
+            <a:prstGeom prst="rect">
+              <a:avLst/>
+            </a:prstGeom>
+            <a:solidFill>
+              <a:schemeClr val="accent5">
+                <a:lumMod val="20000"/>
+                <a:lumOff val="80000"/>
+              </a:schemeClr>
+            </a:solidFill>
+            <a:ln w="3175">
+              <a:noFill/>
+            </a:ln>
+          </p:spPr>
+          <p:style>
+            <a:lnRef idx="2">
+              <a:schemeClr val="accent1">
+                <a:shade val="50000"/>
+              </a:schemeClr>
+            </a:lnRef>
+            <a:fillRef idx="1">
+              <a:schemeClr val="accent1"/>
+            </a:fillRef>
+            <a:effectRef idx="0">
+              <a:schemeClr val="accent1"/>
+            </a:effectRef>
+            <a:fontRef idx="minor">
+              <a:schemeClr val="lt1"/>
+            </a:fontRef>
+          </p:style>
+          <p:txBody>
+            <a:bodyPr rtlCol="0" anchor="ctr"/>
+            <a:lstStyle/>
+            <a:p>
+              <a:pPr algn="ctr"/>
+              <a:endParaRPr lang="ko-KR" altLang="en-US"/>
+            </a:p>
+          </p:txBody>
+        </p:sp>
+        <p:pic>
+          <p:nvPicPr>
+            <p:cNvPr id="116" name="Picture 3"/>
+            <p:cNvPicPr>
+              <a:picLocks noChangeAspect="1" noChangeArrowheads="1"/>
+            </p:cNvPicPr>
+            <p:nvPr/>
+          </p:nvPicPr>
+          <p:blipFill>
+            <a:blip r:embed="rId6" cstate="print"/>
+            <a:srcRect/>
+            <a:stretch>
+              <a:fillRect/>
+            </a:stretch>
+          </p:blipFill>
+          <p:spPr bwMode="auto">
+            <a:xfrm>
+              <a:off x="683567" y="1340768"/>
+              <a:ext cx="1351137" cy="360040"/>
+            </a:xfrm>
+            <a:prstGeom prst="rect">
+              <a:avLst/>
+            </a:prstGeom>
+            <a:noFill/>
+            <a:ln w="9525">
+              <a:noFill/>
+              <a:miter lim="800000"/>
+              <a:headEnd/>
+              <a:tailEnd/>
+            </a:ln>
+          </p:spPr>
+        </p:pic>
+        <p:sp>
+          <p:nvSpPr>
+            <p:cNvPr id="117" name="직사각형 116"/>
+            <p:cNvSpPr/>
+            <p:nvPr/>
+          </p:nvSpPr>
+          <p:spPr>
+            <a:xfrm>
+              <a:off x="755576" y="1367190"/>
+              <a:ext cx="1576024" cy="307777"/>
+            </a:xfrm>
+            <a:prstGeom prst="rect">
+              <a:avLst/>
+            </a:prstGeom>
+          </p:spPr>
+          <p:txBody>
+            <a:bodyPr wrap="square">
+              <a:spAutoFit/>
+            </a:bodyPr>
+            <a:lstStyle/>
+            <a:p>
+              <a:r>
+                <a:rPr lang="ko-KR" altLang="en-US" sz="1400" b="1" dirty="0" smtClean="0">
+                  <a:solidFill>
+                    <a:schemeClr val="bg1"/>
+                  </a:solidFill>
+                </a:rPr>
+                <a:t>핵심기</a:t>
+              </a:r>
+              <a:r>
+                <a:rPr lang="ko-KR" altLang="en-US" sz="1400" b="1" dirty="0" smtClean="0">
+                  <a:solidFill>
+                    <a:schemeClr val="bg1"/>
+                  </a:solidFill>
+                </a:rPr>
+                <a:t>능</a:t>
+              </a:r>
+              <a:endParaRPr lang="ko-KR" altLang="en-US" sz="1400" b="1" dirty="0">
+                <a:solidFill>
+                  <a:schemeClr val="bg1"/>
+                </a:solidFill>
+              </a:endParaRPr>
+            </a:p>
+          </p:txBody>
+        </p:sp>
+        <p:sp>
+          <p:nvSpPr>
+            <p:cNvPr id="118" name="직사각형 117"/>
+            <p:cNvSpPr/>
+            <p:nvPr/>
+          </p:nvSpPr>
+          <p:spPr>
+            <a:xfrm>
+              <a:off x="2339752" y="1328068"/>
+              <a:ext cx="4752528" cy="523220"/>
+            </a:xfrm>
+            <a:prstGeom prst="rect">
+              <a:avLst/>
+            </a:prstGeom>
+          </p:spPr>
+          <p:txBody>
+            <a:bodyPr wrap="square">
+              <a:spAutoFit/>
+            </a:bodyPr>
+            <a:lstStyle/>
+            <a:p>
+              <a:pPr>
+                <a:buFont typeface="Wingdings" pitchFamily="2" charset="2"/>
+                <a:buChar char="ü"/>
+              </a:pPr>
+              <a:r>
+                <a:rPr lang="ko-KR" altLang="en-US" sz="1400" b="1" dirty="0" smtClean="0"/>
+                <a:t> </a:t>
+              </a:r>
+              <a:r>
+                <a:rPr lang="en-US" altLang="ko-KR" sz="1400" b="1" u="sng" dirty="0" err="1" smtClean="0">
+                  <a:effectLst>
+                    <a:outerShdw blurRad="38100" dist="38100" dir="2700000" algn="tl">
+                      <a:srgbClr val="000000">
+                        <a:alpha val="43137"/>
+                      </a:srgbClr>
+                    </a:outerShdw>
+                  </a:effectLst>
+                </a:rPr>
+                <a:t>Naver</a:t>
+              </a:r>
+              <a:r>
+                <a:rPr lang="en-US" altLang="ko-KR" sz="1400" b="1" u="sng" dirty="0" smtClean="0">
+                  <a:effectLst>
+                    <a:outerShdw blurRad="38100" dist="38100" dir="2700000" algn="tl">
+                      <a:srgbClr val="000000">
+                        <a:alpha val="43137"/>
+                      </a:srgbClr>
+                    </a:outerShdw>
+                  </a:effectLst>
+                </a:rPr>
+                <a:t> </a:t>
+              </a:r>
+              <a:r>
+                <a:rPr lang="ko-KR" altLang="en-US" sz="1400" b="1" u="sng" dirty="0" err="1" smtClean="0">
+                  <a:effectLst>
+                    <a:outerShdw blurRad="38100" dist="38100" dir="2700000" algn="tl">
+                      <a:srgbClr val="000000">
+                        <a:alpha val="43137"/>
+                      </a:srgbClr>
+                    </a:outerShdw>
+                  </a:effectLst>
+                </a:rPr>
+                <a:t>캡차</a:t>
+              </a:r>
+              <a:r>
+                <a:rPr lang="ko-KR" altLang="en-US" sz="1400" b="1" u="sng" dirty="0" smtClean="0">
+                  <a:effectLst>
+                    <a:outerShdw blurRad="38100" dist="38100" dir="2700000" algn="tl">
+                      <a:srgbClr val="000000">
+                        <a:alpha val="43137"/>
+                      </a:srgbClr>
+                    </a:outerShdw>
+                  </a:effectLst>
+                </a:rPr>
+                <a:t> </a:t>
+              </a:r>
+              <a:r>
+                <a:rPr lang="en-US" altLang="ko-KR" sz="1400" b="1" u="sng" dirty="0" smtClean="0">
+                  <a:effectLst>
+                    <a:outerShdw blurRad="38100" dist="38100" dir="2700000" algn="tl">
+                      <a:srgbClr val="000000">
+                        <a:alpha val="43137"/>
+                      </a:srgbClr>
+                    </a:outerShdw>
+                  </a:effectLst>
+                </a:rPr>
+                <a:t>API</a:t>
+              </a:r>
+              <a:endParaRPr lang="en-US" altLang="ko-KR" sz="1400" dirty="0" smtClean="0"/>
+            </a:p>
+            <a:p>
+              <a:pPr>
+                <a:buFont typeface="Wingdings" pitchFamily="2" charset="2"/>
+                <a:buChar char="ü"/>
+              </a:pPr>
+              <a:r>
+                <a:rPr lang="ko-KR" altLang="en-US" sz="1400" dirty="0" smtClean="0"/>
+                <a:t>회원탈퇴 </a:t>
+              </a:r>
+              <a:r>
+                <a:rPr lang="ko-KR" altLang="en-US" sz="1400" dirty="0" smtClean="0"/>
+                <a:t>후 </a:t>
+              </a:r>
+              <a:r>
+                <a:rPr lang="en-US" altLang="ko-KR" sz="1400" b="1" u="sng" dirty="0" smtClean="0">
+                  <a:effectLst>
+                    <a:outerShdw blurRad="38100" dist="38100" dir="2700000" algn="tl">
+                      <a:srgbClr val="000000">
+                        <a:alpha val="43137"/>
+                      </a:srgbClr>
+                    </a:outerShdw>
+                  </a:effectLst>
+                </a:rPr>
+                <a:t>24</a:t>
+              </a:r>
+              <a:r>
+                <a:rPr lang="ko-KR" altLang="en-US" sz="1400" b="1" u="sng" dirty="0" smtClean="0">
+                  <a:effectLst>
+                    <a:outerShdw blurRad="38100" dist="38100" dir="2700000" algn="tl">
+                      <a:srgbClr val="000000">
+                        <a:alpha val="43137"/>
+                      </a:srgbClr>
+                    </a:outerShdw>
+                  </a:effectLst>
+                </a:rPr>
+                <a:t>시간 이내 재가입 제한</a:t>
+              </a:r>
+              <a:endParaRPr lang="ko-KR" altLang="en-US" sz="1400" b="1" u="sng" dirty="0">
+                <a:effectLst>
+                  <a:outerShdw blurRad="38100" dist="38100" dir="2700000" algn="tl">
+                    <a:srgbClr val="000000">
+                      <a:alpha val="43137"/>
+                    </a:srgbClr>
+                  </a:outerShdw>
+                </a:effectLst>
+              </a:endParaRPr>
+            </a:p>
+          </p:txBody>
+        </p:sp>
+      </p:grpSp>
+      <p:pic>
+        <p:nvPicPr>
+          <p:cNvPr id="5" name="Picture 4"/>
+          <p:cNvPicPr>
+            <a:picLocks noChangeAspect="1" noChangeArrowheads="1"/>
+          </p:cNvPicPr>
+          <p:nvPr/>
+        </p:nvPicPr>
+        <p:blipFill>
+          <a:blip r:embed="rId7" cstate="print"/>
+          <a:srcRect/>
+          <a:stretch>
+            <a:fillRect/>
+          </a:stretch>
+        </p:blipFill>
+        <p:spPr bwMode="auto">
+          <a:xfrm>
+            <a:off x="738560" y="4390132"/>
+            <a:ext cx="1296144" cy="432048"/>
+          </a:xfrm>
+          <a:prstGeom prst="rect">
+            <a:avLst/>
+          </a:prstGeom>
+          <a:noFill/>
+          <a:ln w="9525">
+            <a:noFill/>
+            <a:miter lim="800000"/>
+            <a:headEnd/>
+            <a:tailEnd/>
+          </a:ln>
+        </p:spPr>
+      </p:pic>
+      <p:grpSp>
+        <p:nvGrpSpPr>
+          <p:cNvPr id="146" name="그룹 124"/>
+          <p:cNvGrpSpPr/>
+          <p:nvPr/>
+        </p:nvGrpSpPr>
+        <p:grpSpPr>
+          <a:xfrm>
+            <a:off x="374328" y="4809480"/>
+            <a:ext cx="8833172" cy="1351260"/>
+            <a:chOff x="238820" y="980728"/>
+            <a:chExt cx="8833172" cy="1351260"/>
+          </a:xfrm>
+        </p:grpSpPr>
+        <p:sp>
+          <p:nvSpPr>
+            <p:cNvPr id="149" name="직사각형 148"/>
+            <p:cNvSpPr/>
+            <p:nvPr/>
+          </p:nvSpPr>
+          <p:spPr>
+            <a:xfrm>
+              <a:off x="755576" y="1340768"/>
+              <a:ext cx="7848872" cy="991220"/>
+            </a:xfrm>
+            <a:prstGeom prst="rect">
+              <a:avLst/>
+            </a:prstGeom>
+            <a:solidFill>
+              <a:schemeClr val="accent5">
+                <a:lumMod val="20000"/>
+                <a:lumOff val="80000"/>
+              </a:schemeClr>
+            </a:solidFill>
+            <a:ln w="3175">
+              <a:noFill/>
+            </a:ln>
+          </p:spPr>
+          <p:style>
+            <a:lnRef idx="2">
+              <a:schemeClr val="accent1">
+                <a:shade val="50000"/>
+              </a:schemeClr>
+            </a:lnRef>
+            <a:fillRef idx="1">
+              <a:schemeClr val="accent1"/>
+            </a:fillRef>
+            <a:effectRef idx="0">
+              <a:schemeClr val="accent1"/>
+            </a:effectRef>
+            <a:fontRef idx="minor">
+              <a:schemeClr val="lt1"/>
+            </a:fontRef>
+          </p:style>
+          <p:txBody>
+            <a:bodyPr rtlCol="0" anchor="ctr"/>
+            <a:lstStyle/>
+            <a:p>
+              <a:pPr algn="ctr"/>
+              <a:endParaRPr lang="ko-KR" altLang="en-US"/>
+            </a:p>
+          </p:txBody>
+        </p:sp>
+        <p:grpSp>
+          <p:nvGrpSpPr>
+            <p:cNvPr id="148" name="그룹 83"/>
+            <p:cNvGrpSpPr/>
+            <p:nvPr/>
+          </p:nvGrpSpPr>
+          <p:grpSpPr>
+            <a:xfrm>
+              <a:off x="238820" y="980728"/>
+              <a:ext cx="8365628" cy="360040"/>
+              <a:chOff x="310828" y="2204864"/>
+              <a:chExt cx="8365628" cy="360040"/>
+            </a:xfrm>
+          </p:grpSpPr>
+          <p:grpSp>
+            <p:nvGrpSpPr>
+              <p:cNvPr id="153" name="그룹 38"/>
+              <p:cNvGrpSpPr/>
+              <p:nvPr/>
+            </p:nvGrpSpPr>
+            <p:grpSpPr>
+              <a:xfrm>
+                <a:off x="310828" y="2204864"/>
+                <a:ext cx="8365628" cy="360040"/>
+                <a:chOff x="436860" y="1844824"/>
+                <a:chExt cx="11084461" cy="514343"/>
+              </a:xfrm>
+            </p:grpSpPr>
+            <p:grpSp>
+              <p:nvGrpSpPr>
+                <p:cNvPr id="155" name="그룹 30"/>
+                <p:cNvGrpSpPr/>
+                <p:nvPr/>
+              </p:nvGrpSpPr>
+              <p:grpSpPr>
+                <a:xfrm>
+                  <a:off x="436860" y="1844824"/>
+                  <a:ext cx="11084461" cy="514343"/>
+                  <a:chOff x="436860" y="1844824"/>
+                  <a:chExt cx="11084461" cy="514343"/>
+                </a:xfrm>
+              </p:grpSpPr>
+              <p:sp>
+                <p:nvSpPr>
+                  <p:cNvPr id="157" name="직사각형 156"/>
+                  <p:cNvSpPr/>
+                  <p:nvPr/>
+                </p:nvSpPr>
+                <p:spPr>
+                  <a:xfrm>
+                    <a:off x="1161069" y="1844824"/>
+                    <a:ext cx="10360252" cy="514343"/>
+                  </a:xfrm>
+                  <a:prstGeom prst="rect">
+                    <a:avLst/>
+                  </a:prstGeom>
+                  <a:solidFill>
+                    <a:schemeClr val="accent5">
+                      <a:lumMod val="20000"/>
+                      <a:lumOff val="80000"/>
+                    </a:schemeClr>
+                  </a:solidFill>
+                  <a:ln w="3175">
+                    <a:noFill/>
+                  </a:ln>
+                </p:spPr>
+                <p:style>
+                  <a:lnRef idx="2">
+                    <a:schemeClr val="accent1">
+                      <a:shade val="50000"/>
+                    </a:schemeClr>
+                  </a:lnRef>
+                  <a:fillRef idx="1">
+                    <a:schemeClr val="accent1"/>
+                  </a:fillRef>
+                  <a:effectRef idx="0">
+                    <a:schemeClr val="accent1"/>
+                  </a:effectRef>
+                  <a:fontRef idx="minor">
+                    <a:schemeClr val="lt1"/>
+                  </a:fontRef>
+                </p:style>
+                <p:txBody>
+                  <a:bodyPr rtlCol="0" anchor="ctr"/>
+                  <a:lstStyle/>
+                  <a:p>
+                    <a:pPr algn="ctr"/>
+                    <a:endParaRPr lang="ko-KR" altLang="en-US" dirty="0"/>
+                  </a:p>
+                </p:txBody>
+              </p:sp>
+              <p:pic>
+                <p:nvPicPr>
+                  <p:cNvPr id="158" name="Picture 3"/>
+                  <p:cNvPicPr>
+                    <a:picLocks noChangeAspect="1" noChangeArrowheads="1"/>
+                  </p:cNvPicPr>
+                  <p:nvPr/>
+                </p:nvPicPr>
+                <p:blipFill>
+                  <a:blip r:embed="rId5" cstate="print"/>
+                  <a:srcRect/>
+                  <a:stretch>
+                    <a:fillRect/>
+                  </a:stretch>
+                </p:blipFill>
+                <p:spPr bwMode="auto">
+                  <a:xfrm>
+                    <a:off x="436860" y="1844824"/>
+                    <a:ext cx="2337301" cy="498132"/>
+                  </a:xfrm>
+                  <a:prstGeom prst="rect">
+                    <a:avLst/>
+                  </a:prstGeom>
+                  <a:noFill/>
+                  <a:ln w="9525">
+                    <a:noFill/>
+                    <a:miter lim="800000"/>
+                    <a:headEnd/>
+                    <a:tailEnd/>
+                  </a:ln>
+                </p:spPr>
+              </p:pic>
+            </p:grpSp>
+            <p:sp>
+              <p:nvSpPr>
+                <p:cNvPr id="156" name="직사각형 155"/>
+                <p:cNvSpPr/>
+                <p:nvPr/>
+              </p:nvSpPr>
+              <p:spPr>
+                <a:xfrm>
+                  <a:off x="509889" y="1881110"/>
+                  <a:ext cx="2615296" cy="439682"/>
+                </a:xfrm>
+                <a:prstGeom prst="rect">
+                  <a:avLst/>
+                </a:prstGeom>
+              </p:spPr>
+              <p:txBody>
+                <a:bodyPr wrap="square">
+                  <a:spAutoFit/>
+                </a:bodyPr>
+                <a:lstStyle/>
+                <a:p>
+                  <a:r>
+                    <a:rPr lang="en-US" altLang="ko-KR" sz="1400" b="1" dirty="0" smtClean="0">
+                      <a:solidFill>
+                        <a:schemeClr val="bg1"/>
+                      </a:solidFill>
+                    </a:rPr>
+                    <a:t>4. </a:t>
+                  </a:r>
+                  <a:r>
+                    <a:rPr lang="ko-KR" altLang="en-US" sz="1400" b="1" dirty="0" smtClean="0">
+                      <a:solidFill>
+                        <a:schemeClr val="bg1"/>
+                      </a:solidFill>
+                    </a:rPr>
+                    <a:t>매물 </a:t>
+                  </a:r>
+                  <a:r>
+                    <a:rPr lang="en-US" altLang="ko-KR" sz="1400" b="1" dirty="0" smtClean="0">
+                      <a:solidFill>
+                        <a:schemeClr val="bg1"/>
+                      </a:solidFill>
+                    </a:rPr>
+                    <a:t>Overview</a:t>
+                  </a:r>
+                  <a:endParaRPr lang="ko-KR" altLang="en-US" sz="1400" b="1" dirty="0">
+                    <a:solidFill>
+                      <a:schemeClr val="bg1"/>
+                    </a:solidFill>
+                  </a:endParaRPr>
+                </a:p>
+              </p:txBody>
+            </p:sp>
+          </p:grpSp>
+          <p:sp>
+            <p:nvSpPr>
+              <p:cNvPr id="154" name="직사각형 153"/>
+              <p:cNvSpPr/>
+              <p:nvPr/>
+            </p:nvSpPr>
+            <p:spPr>
+              <a:xfrm>
+                <a:off x="2204244" y="2276872"/>
+                <a:ext cx="2160240" cy="276999"/>
+              </a:xfrm>
+              <a:prstGeom prst="rect">
+                <a:avLst/>
+              </a:prstGeom>
+            </p:spPr>
+            <p:txBody>
+              <a:bodyPr wrap="square">
+                <a:spAutoFit/>
+              </a:bodyPr>
+              <a:lstStyle/>
+              <a:p>
+                <a:r>
+                  <a:rPr lang="en-US" altLang="ko-KR" sz="1200" b="1" dirty="0" smtClean="0"/>
+                  <a:t>URL : </a:t>
+                </a:r>
+                <a:endParaRPr lang="ko-KR" altLang="en-US" sz="1200" b="1" dirty="0"/>
+              </a:p>
+            </p:txBody>
+          </p:sp>
+        </p:grpSp>
+        <p:pic>
+          <p:nvPicPr>
+            <p:cNvPr id="150" name="Picture 3"/>
+            <p:cNvPicPr>
+              <a:picLocks noChangeAspect="1" noChangeArrowheads="1"/>
+            </p:cNvPicPr>
+            <p:nvPr/>
+          </p:nvPicPr>
+          <p:blipFill>
+            <a:blip r:embed="rId6" cstate="print"/>
+            <a:srcRect/>
+            <a:stretch>
+              <a:fillRect/>
+            </a:stretch>
+          </p:blipFill>
+          <p:spPr bwMode="auto">
+            <a:xfrm>
+              <a:off x="678487" y="1328068"/>
+              <a:ext cx="1317353" cy="360040"/>
+            </a:xfrm>
+            <a:prstGeom prst="rect">
+              <a:avLst/>
+            </a:prstGeom>
+            <a:noFill/>
+            <a:ln w="9525">
+              <a:noFill/>
+              <a:miter lim="800000"/>
+              <a:headEnd/>
+              <a:tailEnd/>
+            </a:ln>
+          </p:spPr>
+        </p:pic>
+        <p:sp>
+          <p:nvSpPr>
+            <p:cNvPr id="151" name="직사각형 150"/>
+            <p:cNvSpPr/>
+            <p:nvPr/>
+          </p:nvSpPr>
+          <p:spPr>
+            <a:xfrm>
+              <a:off x="755576" y="1354490"/>
+              <a:ext cx="1576024" cy="307777"/>
+            </a:xfrm>
+            <a:prstGeom prst="rect">
+              <a:avLst/>
+            </a:prstGeom>
+          </p:spPr>
+          <p:txBody>
+            <a:bodyPr wrap="square">
+              <a:spAutoFit/>
+            </a:bodyPr>
+            <a:lstStyle/>
+            <a:p>
+              <a:r>
+                <a:rPr lang="ko-KR" altLang="en-US" sz="1400" b="1" dirty="0" smtClean="0">
+                  <a:solidFill>
+                    <a:schemeClr val="bg1"/>
+                  </a:solidFill>
+                </a:rPr>
+                <a:t>핵심기</a:t>
+              </a:r>
+              <a:r>
+                <a:rPr lang="ko-KR" altLang="en-US" sz="1400" b="1" dirty="0" smtClean="0">
+                  <a:solidFill>
+                    <a:schemeClr val="bg1"/>
+                  </a:solidFill>
+                </a:rPr>
+                <a:t>능</a:t>
+              </a:r>
+              <a:endParaRPr lang="ko-KR" altLang="en-US" sz="1400" b="1" dirty="0">
+                <a:solidFill>
+                  <a:schemeClr val="bg1"/>
+                </a:solidFill>
+              </a:endParaRPr>
+            </a:p>
+          </p:txBody>
+        </p:sp>
+        <p:sp>
+          <p:nvSpPr>
+            <p:cNvPr id="152" name="직사각형 151"/>
+            <p:cNvSpPr/>
+            <p:nvPr/>
+          </p:nvSpPr>
+          <p:spPr>
+            <a:xfrm>
+              <a:off x="2267744" y="1340768"/>
+              <a:ext cx="6804248" cy="954107"/>
+            </a:xfrm>
+            <a:prstGeom prst="rect">
+              <a:avLst/>
+            </a:prstGeom>
+          </p:spPr>
+          <p:txBody>
+            <a:bodyPr wrap="square">
+              <a:spAutoFit/>
+            </a:bodyPr>
+            <a:lstStyle/>
+            <a:p>
+              <a:pPr>
+                <a:buFont typeface="Wingdings" pitchFamily="2" charset="2"/>
+                <a:buChar char="ü"/>
+              </a:pPr>
+              <a:r>
+                <a:rPr lang="en-US" altLang="ko-KR" sz="1400" b="1" dirty="0" smtClean="0"/>
+                <a:t> </a:t>
+              </a:r>
+              <a:r>
+                <a:rPr lang="ko-KR" altLang="en-US" sz="1400" dirty="0" smtClean="0"/>
+                <a:t>가장 최근 등록된 매물부터 과거 </a:t>
+              </a:r>
+              <a:r>
+                <a:rPr lang="en-US" altLang="ko-KR" sz="1400" dirty="0" smtClean="0"/>
+                <a:t>7</a:t>
+              </a:r>
+              <a:r>
+                <a:rPr lang="ko-KR" altLang="en-US" sz="1400" dirty="0" smtClean="0"/>
+                <a:t>일간 올라온 </a:t>
+              </a:r>
+              <a:r>
+                <a:rPr lang="ko-KR" altLang="en-US" sz="1400" b="1" u="sng" dirty="0" err="1" smtClean="0">
+                  <a:effectLst>
+                    <a:outerShdw blurRad="38100" dist="38100" dir="2700000" algn="tl">
+                      <a:srgbClr val="000000">
+                        <a:alpha val="43137"/>
+                      </a:srgbClr>
+                    </a:outerShdw>
+                  </a:effectLst>
+                </a:rPr>
+                <a:t>신매물</a:t>
+              </a:r>
+              <a:r>
+                <a:rPr lang="ko-KR" altLang="en-US" sz="1400" b="1" u="sng" dirty="0" smtClean="0">
+                  <a:effectLst>
+                    <a:outerShdw blurRad="38100" dist="38100" dir="2700000" algn="tl">
+                      <a:srgbClr val="000000">
+                        <a:alpha val="43137"/>
+                      </a:srgbClr>
+                    </a:outerShdw>
+                  </a:effectLst>
+                </a:rPr>
+                <a:t> 리스트</a:t>
+              </a:r>
+              <a:endParaRPr lang="en-US" altLang="ko-KR" sz="1400" b="1" u="sng" dirty="0" smtClean="0">
+                <a:effectLst>
+                  <a:outerShdw blurRad="38100" dist="38100" dir="2700000" algn="tl">
+                    <a:srgbClr val="000000">
+                      <a:alpha val="43137"/>
+                    </a:srgbClr>
+                  </a:outerShdw>
+                </a:effectLst>
+              </a:endParaRPr>
+            </a:p>
+            <a:p>
+              <a:pPr>
+                <a:buFont typeface="Wingdings" pitchFamily="2" charset="2"/>
+                <a:buChar char="ü"/>
+              </a:pPr>
+              <a:r>
+                <a:rPr lang="en-US" altLang="ko-KR" sz="1400" dirty="0" smtClean="0"/>
+                <a:t> </a:t>
+              </a:r>
+              <a:r>
+                <a:rPr lang="ko-KR" altLang="en-US" sz="1400" dirty="0" smtClean="0"/>
+                <a:t>총</a:t>
+              </a:r>
+              <a:r>
+                <a:rPr lang="ko-KR" altLang="en-US" sz="1400" dirty="0" smtClean="0"/>
+                <a:t> 매물들의 평균 찜 숫자보다 많은 찜을 받은 </a:t>
+              </a:r>
+              <a:r>
+                <a:rPr lang="ko-KR" altLang="en-US" sz="1400" b="1" u="sng" dirty="0" err="1" smtClean="0">
+                  <a:effectLst>
+                    <a:outerShdw blurRad="38100" dist="38100" dir="2700000" algn="tl">
+                      <a:srgbClr val="000000">
+                        <a:alpha val="43137"/>
+                      </a:srgbClr>
+                    </a:outerShdw>
+                  </a:effectLst>
+                </a:rPr>
+                <a:t>핫매물</a:t>
+              </a:r>
+              <a:r>
+                <a:rPr lang="ko-KR" altLang="en-US" sz="1400" b="1" u="sng" dirty="0" smtClean="0">
+                  <a:effectLst>
+                    <a:outerShdw blurRad="38100" dist="38100" dir="2700000" algn="tl">
+                      <a:srgbClr val="000000">
+                        <a:alpha val="43137"/>
+                      </a:srgbClr>
+                    </a:outerShdw>
+                  </a:effectLst>
+                </a:rPr>
+                <a:t> 리스트</a:t>
+              </a:r>
+              <a:endParaRPr lang="en-US" altLang="ko-KR" sz="1400" b="1" u="sng" dirty="0" smtClean="0">
+                <a:effectLst>
+                  <a:outerShdw blurRad="38100" dist="38100" dir="2700000" algn="tl">
+                    <a:srgbClr val="000000">
+                      <a:alpha val="43137"/>
+                    </a:srgbClr>
+                  </a:outerShdw>
+                </a:effectLst>
+              </a:endParaRPr>
+            </a:p>
+            <a:p>
+              <a:pPr>
+                <a:buFont typeface="Wingdings" pitchFamily="2" charset="2"/>
+                <a:buChar char="ü"/>
+              </a:pPr>
+              <a:r>
+                <a:rPr lang="en-US" altLang="ko-KR" sz="1400" dirty="0" smtClean="0"/>
+                <a:t> </a:t>
+              </a:r>
+              <a:r>
+                <a:rPr lang="en-US" altLang="ko-KR" sz="1400" b="1" u="sng" dirty="0" smtClean="0">
+                  <a:effectLst>
+                    <a:outerShdw blurRad="38100" dist="38100" dir="2700000" algn="tl">
+                      <a:srgbClr val="000000">
+                        <a:alpha val="43137"/>
+                      </a:srgbClr>
+                    </a:outerShdw>
+                  </a:effectLst>
+                </a:rPr>
+                <a:t>DAUM </a:t>
+              </a:r>
+              <a:r>
+                <a:rPr lang="ko-KR" altLang="en-US" sz="1400" b="1" u="sng" dirty="0" smtClean="0">
+                  <a:effectLst>
+                    <a:outerShdw blurRad="38100" dist="38100" dir="2700000" algn="tl">
+                      <a:srgbClr val="000000">
+                        <a:alpha val="43137"/>
+                      </a:srgbClr>
+                    </a:outerShdw>
+                  </a:effectLst>
+                </a:rPr>
+                <a:t>지도 </a:t>
+              </a:r>
+              <a:r>
+                <a:rPr lang="en-US" altLang="ko-KR" sz="1400" b="1" u="sng" dirty="0" smtClean="0">
+                  <a:effectLst>
+                    <a:outerShdw blurRad="38100" dist="38100" dir="2700000" algn="tl">
+                      <a:srgbClr val="000000">
+                        <a:alpha val="43137"/>
+                      </a:srgbClr>
+                    </a:outerShdw>
+                  </a:effectLst>
+                </a:rPr>
+                <a:t>API</a:t>
+              </a:r>
+              <a:r>
+                <a:rPr lang="ko-KR" altLang="en-US" sz="1400" b="1" u="sng" dirty="0" smtClean="0">
+                  <a:effectLst>
+                    <a:outerShdw blurRad="38100" dist="38100" dir="2700000" algn="tl">
+                      <a:srgbClr val="000000">
+                        <a:alpha val="43137"/>
+                      </a:srgbClr>
+                    </a:outerShdw>
+                  </a:effectLst>
+                </a:rPr>
+                <a:t> </a:t>
+              </a:r>
+              <a:r>
+                <a:rPr lang="en-US" altLang="ko-KR" sz="1400" dirty="0" smtClean="0"/>
+                <a:t>(</a:t>
+              </a:r>
+              <a:r>
+                <a:rPr lang="ko-KR" altLang="en-US" sz="1400" dirty="0" smtClean="0"/>
+                <a:t>도서관</a:t>
+              </a:r>
+              <a:r>
+                <a:rPr lang="en-US" altLang="ko-KR" sz="1400" dirty="0" smtClean="0"/>
+                <a:t>, </a:t>
+              </a:r>
+              <a:r>
+                <a:rPr lang="ko-KR" altLang="en-US" sz="1400" dirty="0" smtClean="0"/>
+                <a:t>카페</a:t>
+              </a:r>
+              <a:r>
+                <a:rPr lang="en-US" altLang="ko-KR" sz="1400" dirty="0" smtClean="0"/>
+                <a:t>, </a:t>
+              </a:r>
+              <a:r>
+                <a:rPr lang="ko-KR" altLang="en-US" sz="1400" dirty="0" smtClean="0"/>
+                <a:t>편의점</a:t>
+              </a:r>
+              <a:r>
+                <a:rPr lang="en-US" altLang="ko-KR" sz="1400" dirty="0" smtClean="0"/>
+                <a:t>, </a:t>
+              </a:r>
+              <a:r>
+                <a:rPr lang="ko-KR" altLang="en-US" sz="1400" dirty="0" err="1" smtClean="0"/>
+                <a:t>신매물</a:t>
+              </a:r>
+              <a:r>
+                <a:rPr lang="en-US" altLang="ko-KR" sz="1400" dirty="0" smtClean="0"/>
+                <a:t>, </a:t>
+              </a:r>
+              <a:r>
+                <a:rPr lang="ko-KR" altLang="en-US" sz="1400" dirty="0" err="1" smtClean="0"/>
+                <a:t>핫매물</a:t>
+              </a:r>
+              <a:r>
+                <a:rPr lang="en-US" altLang="ko-KR" sz="1400" dirty="0" smtClean="0"/>
+                <a:t>, </a:t>
+              </a:r>
+              <a:r>
+                <a:rPr lang="ko-KR" altLang="en-US" sz="1400" dirty="0" smtClean="0"/>
+                <a:t>전체매물 좌표</a:t>
+              </a:r>
+              <a:r>
+                <a:rPr lang="en-US" altLang="ko-KR" sz="1400" dirty="0" smtClean="0"/>
+                <a:t>)</a:t>
+              </a:r>
+            </a:p>
+            <a:p>
+              <a:pPr>
+                <a:buFont typeface="Wingdings" pitchFamily="2" charset="2"/>
+                <a:buChar char="ü"/>
+              </a:pPr>
+              <a:r>
+                <a:rPr lang="en-US" altLang="ko-KR" sz="1400" dirty="0" smtClean="0"/>
+                <a:t> </a:t>
+              </a:r>
+              <a:r>
+                <a:rPr lang="ko-KR" altLang="en-US" sz="1400" dirty="0" smtClean="0"/>
+                <a:t>매물 </a:t>
+              </a:r>
+              <a:r>
+                <a:rPr lang="ko-KR" altLang="en-US" sz="1400" b="1" u="sng" dirty="0" smtClean="0">
+                  <a:effectLst>
+                    <a:outerShdw blurRad="38100" dist="38100" dir="2700000" algn="tl">
+                      <a:srgbClr val="000000">
+                        <a:alpha val="43137"/>
+                      </a:srgbClr>
+                    </a:outerShdw>
+                  </a:effectLst>
+                </a:rPr>
+                <a:t>검색 및 </a:t>
+              </a:r>
+              <a:r>
+                <a:rPr lang="ko-KR" altLang="en-US" sz="1400" b="1" u="sng" dirty="0" err="1" smtClean="0">
+                  <a:effectLst>
+                    <a:outerShdw blurRad="38100" dist="38100" dir="2700000" algn="tl">
+                      <a:srgbClr val="000000">
+                        <a:alpha val="43137"/>
+                      </a:srgbClr>
+                    </a:outerShdw>
+                  </a:effectLst>
+                </a:rPr>
+                <a:t>필터링</a:t>
+              </a:r>
+              <a:endParaRPr lang="ko-KR" altLang="en-US" sz="1400" b="1" u="sng" dirty="0">
+                <a:effectLst>
+                  <a:outerShdw blurRad="38100" dist="38100" dir="2700000" algn="tl">
+                    <a:srgbClr val="000000">
+                      <a:alpha val="43137"/>
+                    </a:srgbClr>
+                  </a:outerShdw>
+                </a:effectLst>
+              </a:endParaRPr>
+            </a:p>
+          </p:txBody>
+        </p:sp>
+      </p:grpSp>
+      <p:cxnSp>
+        <p:nvCxnSpPr>
+          <p:cNvPr id="140" name="직선 연결선 139"/>
+          <p:cNvCxnSpPr/>
+          <p:nvPr/>
+        </p:nvCxnSpPr>
+        <p:spPr>
+          <a:xfrm>
+            <a:off x="2140620" y="2416324"/>
+            <a:ext cx="6552728" cy="0"/>
+          </a:xfrm>
+          <a:prstGeom prst="line">
+            <a:avLst/>
+          </a:prstGeom>
+          <a:ln>
+            <a:solidFill>
+              <a:schemeClr val="accent4">
+                <a:lumMod val="20000"/>
+                <a:lumOff val="80000"/>
+              </a:schemeClr>
+            </a:solidFill>
+          </a:ln>
+        </p:spPr>
+        <p:style>
+          <a:lnRef idx="2">
+            <a:schemeClr val="accent4"/>
+          </a:lnRef>
+          <a:fillRef idx="0">
+            <a:schemeClr val="accent4"/>
+          </a:fillRef>
+          <a:effectRef idx="1">
+            <a:schemeClr val="accent4"/>
+          </a:effectRef>
+          <a:fontRef idx="minor">
+            <a:schemeClr val="tx1"/>
+          </a:fontRef>
+        </p:style>
+      </p:cxnSp>
+      <p:pic>
+        <p:nvPicPr>
+          <p:cNvPr id="160" name="Picture 5"/>
+          <p:cNvPicPr>
+            <a:picLocks noChangeAspect="1" noChangeArrowheads="1"/>
+          </p:cNvPicPr>
+          <p:nvPr/>
+        </p:nvPicPr>
+        <p:blipFill>
+          <a:blip r:embed="rId7" cstate="print"/>
+          <a:srcRect/>
+          <a:stretch>
+            <a:fillRect/>
+          </a:stretch>
+        </p:blipFill>
+        <p:spPr bwMode="auto">
+          <a:xfrm>
+            <a:off x="734368" y="5517232"/>
+            <a:ext cx="1368152" cy="707132"/>
+          </a:xfrm>
+          <a:prstGeom prst="rect">
+            <a:avLst/>
+          </a:prstGeom>
+          <a:noFill/>
+          <a:ln w="9525">
+            <a:noFill/>
+            <a:miter lim="800000"/>
+            <a:headEnd/>
+            <a:tailEnd/>
+          </a:ln>
+        </p:spPr>
+      </p:pic>
+      <p:pic>
+        <p:nvPicPr>
+          <p:cNvPr id="176" name="Picture 5"/>
+          <p:cNvPicPr>
+            <a:picLocks noChangeAspect="1" noChangeArrowheads="1"/>
+          </p:cNvPicPr>
+          <p:nvPr/>
+        </p:nvPicPr>
+        <p:blipFill>
+          <a:blip r:embed="rId7" cstate="print"/>
+          <a:srcRect/>
+          <a:stretch>
+            <a:fillRect/>
+          </a:stretch>
+        </p:blipFill>
+        <p:spPr bwMode="auto">
+          <a:xfrm>
+            <a:off x="772468" y="3589660"/>
+            <a:ext cx="1266348" cy="432048"/>
+          </a:xfrm>
+          <a:prstGeom prst="rect">
+            <a:avLst/>
+          </a:prstGeom>
+          <a:noFill/>
+          <a:ln w="9525">
+            <a:noFill/>
+            <a:miter lim="800000"/>
+            <a:headEnd/>
+            <a:tailEnd/>
+          </a:ln>
+        </p:spPr>
+      </p:pic>
+      <p:pic>
+        <p:nvPicPr>
+          <p:cNvPr id="204" name="Picture 5"/>
+          <p:cNvPicPr>
+            <a:picLocks noChangeAspect="1" noChangeArrowheads="1"/>
+          </p:cNvPicPr>
+          <p:nvPr/>
+        </p:nvPicPr>
+        <p:blipFill>
+          <a:blip r:embed="rId7" cstate="print"/>
+          <a:srcRect/>
+          <a:stretch>
+            <a:fillRect/>
+          </a:stretch>
+        </p:blipFill>
+        <p:spPr bwMode="auto">
+          <a:xfrm>
+            <a:off x="844476" y="3149104"/>
+            <a:ext cx="1296144" cy="432048"/>
+          </a:xfrm>
+          <a:prstGeom prst="rect">
+            <a:avLst/>
+          </a:prstGeom>
+          <a:noFill/>
+          <a:ln w="9525">
+            <a:noFill/>
+            <a:miter lim="800000"/>
+            <a:headEnd/>
+            <a:tailEnd/>
+          </a:ln>
+        </p:spPr>
+      </p:pic>
+      <p:cxnSp>
+        <p:nvCxnSpPr>
+          <p:cNvPr id="147" name="직선 연결선 146"/>
+          <p:cNvCxnSpPr/>
+          <p:nvPr/>
+        </p:nvCxnSpPr>
+        <p:spPr>
+          <a:xfrm>
+            <a:off x="2140620" y="6122640"/>
+            <a:ext cx="6607844" cy="0"/>
+          </a:xfrm>
+          <a:prstGeom prst="line">
+            <a:avLst/>
+          </a:prstGeom>
+          <a:ln>
+            <a:solidFill>
+              <a:schemeClr val="accent4">
+                <a:lumMod val="20000"/>
+                <a:lumOff val="80000"/>
+              </a:schemeClr>
+            </a:solidFill>
+          </a:ln>
+        </p:spPr>
+        <p:style>
+          <a:lnRef idx="2">
+            <a:schemeClr val="accent4"/>
+          </a:lnRef>
+          <a:fillRef idx="0">
+            <a:schemeClr val="accent4"/>
+          </a:fillRef>
+          <a:effectRef idx="1">
+            <a:schemeClr val="accent4"/>
+          </a:effectRef>
+          <a:fontRef idx="minor">
+            <a:schemeClr val="tx1"/>
+          </a:fontRef>
+        </p:style>
+      </p:cxnSp>
+      <p:grpSp>
+        <p:nvGrpSpPr>
+          <p:cNvPr id="125" name="그룹 124"/>
+          <p:cNvGrpSpPr/>
+          <p:nvPr/>
+        </p:nvGrpSpPr>
+        <p:grpSpPr>
+          <a:xfrm>
+            <a:off x="370136" y="3395092"/>
+            <a:ext cx="8352928" cy="1398274"/>
+            <a:chOff x="251520" y="980728"/>
+            <a:chExt cx="8352928" cy="1398274"/>
+          </a:xfrm>
+        </p:grpSpPr>
+        <p:grpSp>
+          <p:nvGrpSpPr>
+            <p:cNvPr id="126" name="그룹 83"/>
+            <p:cNvGrpSpPr/>
+            <p:nvPr/>
+          </p:nvGrpSpPr>
+          <p:grpSpPr>
+            <a:xfrm>
+              <a:off x="251520" y="980728"/>
+              <a:ext cx="8352928" cy="360040"/>
+              <a:chOff x="323528" y="2204864"/>
+              <a:chExt cx="8352928" cy="360040"/>
+            </a:xfrm>
+          </p:grpSpPr>
+          <p:grpSp>
+            <p:nvGrpSpPr>
+              <p:cNvPr id="131" name="그룹 38"/>
+              <p:cNvGrpSpPr/>
+              <p:nvPr/>
+            </p:nvGrpSpPr>
+            <p:grpSpPr>
+              <a:xfrm>
+                <a:off x="323528" y="2204864"/>
+                <a:ext cx="8352928" cy="360040"/>
+                <a:chOff x="453688" y="1844824"/>
+                <a:chExt cx="11067633" cy="514343"/>
+              </a:xfrm>
+            </p:grpSpPr>
+            <p:grpSp>
+              <p:nvGrpSpPr>
+                <p:cNvPr id="133" name="그룹 30"/>
+                <p:cNvGrpSpPr/>
+                <p:nvPr/>
+              </p:nvGrpSpPr>
+              <p:grpSpPr>
+                <a:xfrm>
+                  <a:off x="453688" y="1844824"/>
+                  <a:ext cx="11067633" cy="514343"/>
+                  <a:chOff x="453688" y="1844824"/>
+                  <a:chExt cx="11067633" cy="514343"/>
+                </a:xfrm>
+              </p:grpSpPr>
+              <p:sp>
+                <p:nvSpPr>
+                  <p:cNvPr id="135" name="직사각형 134"/>
+                  <p:cNvSpPr/>
+                  <p:nvPr/>
+                </p:nvSpPr>
+                <p:spPr>
+                  <a:xfrm>
+                    <a:off x="1161069" y="1844824"/>
+                    <a:ext cx="10360252" cy="514343"/>
+                  </a:xfrm>
+                  <a:prstGeom prst="rect">
+                    <a:avLst/>
+                  </a:prstGeom>
+                  <a:solidFill>
+                    <a:schemeClr val="accent5">
+                      <a:lumMod val="20000"/>
+                      <a:lumOff val="80000"/>
+                    </a:schemeClr>
+                  </a:solidFill>
+                  <a:ln w="3175">
+                    <a:noFill/>
+                  </a:ln>
+                </p:spPr>
+                <p:style>
+                  <a:lnRef idx="2">
+                    <a:schemeClr val="accent1">
+                      <a:shade val="50000"/>
+                    </a:schemeClr>
+                  </a:lnRef>
+                  <a:fillRef idx="1">
+                    <a:schemeClr val="accent1"/>
+                  </a:fillRef>
+                  <a:effectRef idx="0">
+                    <a:schemeClr val="accent1"/>
+                  </a:effectRef>
+                  <a:fontRef idx="minor">
+                    <a:schemeClr val="lt1"/>
+                  </a:fontRef>
+                </p:style>
+                <p:txBody>
+                  <a:bodyPr rtlCol="0" anchor="ctr"/>
+                  <a:lstStyle/>
+                  <a:p>
+                    <a:pPr algn="ctr"/>
+                    <a:endParaRPr lang="ko-KR" altLang="en-US"/>
+                  </a:p>
+                </p:txBody>
+              </p:sp>
+              <p:pic>
+                <p:nvPicPr>
+                  <p:cNvPr id="136" name="Picture 3"/>
+                  <p:cNvPicPr>
+                    <a:picLocks noChangeAspect="1" noChangeArrowheads="1"/>
+                  </p:cNvPicPr>
+                  <p:nvPr/>
+                </p:nvPicPr>
+                <p:blipFill>
+                  <a:blip r:embed="rId5" cstate="print"/>
+                  <a:srcRect/>
+                  <a:stretch>
+                    <a:fillRect/>
+                  </a:stretch>
+                </p:blipFill>
+                <p:spPr bwMode="auto">
+                  <a:xfrm>
+                    <a:off x="453688" y="1844824"/>
+                    <a:ext cx="2368438" cy="514343"/>
+                  </a:xfrm>
+                  <a:prstGeom prst="rect">
+                    <a:avLst/>
+                  </a:prstGeom>
+                  <a:noFill/>
+                  <a:ln w="9525">
+                    <a:noFill/>
+                    <a:miter lim="800000"/>
+                    <a:headEnd/>
+                    <a:tailEnd/>
+                  </a:ln>
+                </p:spPr>
+              </p:pic>
+            </p:grpSp>
+            <p:sp>
+              <p:nvSpPr>
+                <p:cNvPr id="134" name="직사각형 133"/>
+                <p:cNvSpPr/>
+                <p:nvPr/>
+              </p:nvSpPr>
+              <p:spPr>
+                <a:xfrm>
+                  <a:off x="509889" y="1881110"/>
+                  <a:ext cx="2088232" cy="439682"/>
+                </a:xfrm>
+                <a:prstGeom prst="rect">
+                  <a:avLst/>
+                </a:prstGeom>
+              </p:spPr>
+              <p:txBody>
+                <a:bodyPr wrap="square">
+                  <a:spAutoFit/>
+                </a:bodyPr>
+                <a:lstStyle/>
+                <a:p>
+                  <a:r>
+                    <a:rPr lang="en-US" altLang="ko-KR" sz="1400" b="1" dirty="0" smtClean="0">
+                      <a:solidFill>
+                        <a:schemeClr val="bg1"/>
+                      </a:solidFill>
+                    </a:rPr>
+                    <a:t>3</a:t>
+                  </a:r>
+                  <a:r>
+                    <a:rPr lang="en-US" altLang="ko-KR" sz="1400" b="1" dirty="0" smtClean="0">
+                      <a:solidFill>
+                        <a:schemeClr val="bg1"/>
+                      </a:solidFill>
+                    </a:rPr>
+                    <a:t>. </a:t>
+                  </a:r>
+                  <a:r>
+                    <a:rPr lang="ko-KR" altLang="en-US" sz="1400" b="1" dirty="0" smtClean="0">
+                      <a:solidFill>
+                        <a:schemeClr val="bg1"/>
+                      </a:solidFill>
+                    </a:rPr>
+                    <a:t>마이페이지</a:t>
+                  </a:r>
+                  <a:endParaRPr lang="ko-KR" altLang="en-US" sz="1400" b="1" dirty="0">
+                    <a:solidFill>
+                      <a:schemeClr val="bg1"/>
+                    </a:solidFill>
+                  </a:endParaRPr>
+                </a:p>
+              </p:txBody>
+            </p:sp>
+          </p:grpSp>
+          <p:sp>
+            <p:nvSpPr>
+              <p:cNvPr id="132" name="직사각형 131"/>
+              <p:cNvSpPr/>
+              <p:nvPr/>
+            </p:nvSpPr>
+            <p:spPr>
+              <a:xfrm>
+                <a:off x="2149128" y="2276872"/>
+                <a:ext cx="2160240" cy="276999"/>
+              </a:xfrm>
+              <a:prstGeom prst="rect">
+                <a:avLst/>
+              </a:prstGeom>
+            </p:spPr>
+            <p:txBody>
+              <a:bodyPr wrap="square">
+                <a:spAutoFit/>
+              </a:bodyPr>
+              <a:lstStyle/>
+              <a:p>
+                <a:r>
+                  <a:rPr lang="en-US" altLang="ko-KR" sz="1200" b="1" dirty="0" smtClean="0"/>
+                  <a:t>URL : </a:t>
+                </a:r>
+                <a:endParaRPr lang="ko-KR" altLang="en-US" sz="1200" b="1" dirty="0"/>
+              </a:p>
+            </p:txBody>
+          </p:sp>
+        </p:grpSp>
+        <p:sp>
+          <p:nvSpPr>
+            <p:cNvPr id="127" name="직사각형 126"/>
+            <p:cNvSpPr/>
+            <p:nvPr/>
+          </p:nvSpPr>
+          <p:spPr>
+            <a:xfrm>
+              <a:off x="755576" y="1340767"/>
+              <a:ext cx="7848872" cy="1038235"/>
+            </a:xfrm>
+            <a:prstGeom prst="rect">
+              <a:avLst/>
+            </a:prstGeom>
+            <a:solidFill>
+              <a:schemeClr val="accent5">
+                <a:lumMod val="20000"/>
+                <a:lumOff val="80000"/>
+              </a:schemeClr>
+            </a:solidFill>
+            <a:ln w="3175">
+              <a:noFill/>
+            </a:ln>
+          </p:spPr>
+          <p:style>
+            <a:lnRef idx="2">
+              <a:schemeClr val="accent1">
+                <a:shade val="50000"/>
+              </a:schemeClr>
+            </a:lnRef>
+            <a:fillRef idx="1">
+              <a:schemeClr val="accent1"/>
+            </a:fillRef>
+            <a:effectRef idx="0">
+              <a:schemeClr val="accent1"/>
+            </a:effectRef>
+            <a:fontRef idx="minor">
+              <a:schemeClr val="lt1"/>
+            </a:fontRef>
+          </p:style>
+          <p:txBody>
+            <a:bodyPr rtlCol="0" anchor="ctr"/>
+            <a:lstStyle/>
+            <a:p>
+              <a:pPr algn="ctr"/>
+              <a:endParaRPr lang="ko-KR" altLang="en-US"/>
+            </a:p>
+          </p:txBody>
+        </p:sp>
+        <p:pic>
+          <p:nvPicPr>
+            <p:cNvPr id="128" name="Picture 3"/>
+            <p:cNvPicPr>
+              <a:picLocks noChangeAspect="1" noChangeArrowheads="1"/>
+            </p:cNvPicPr>
+            <p:nvPr/>
+          </p:nvPicPr>
+          <p:blipFill>
+            <a:blip r:embed="rId6" cstate="print"/>
+            <a:srcRect/>
+            <a:stretch>
+              <a:fillRect/>
+            </a:stretch>
+          </p:blipFill>
+          <p:spPr bwMode="auto">
+            <a:xfrm>
+              <a:off x="683567" y="1340768"/>
+              <a:ext cx="1355453" cy="360040"/>
+            </a:xfrm>
+            <a:prstGeom prst="rect">
+              <a:avLst/>
+            </a:prstGeom>
+            <a:noFill/>
+            <a:ln w="9525">
+              <a:noFill/>
+              <a:miter lim="800000"/>
+              <a:headEnd/>
+              <a:tailEnd/>
+            </a:ln>
+          </p:spPr>
+        </p:pic>
+        <p:sp>
+          <p:nvSpPr>
+            <p:cNvPr id="129" name="직사각형 128"/>
+            <p:cNvSpPr/>
+            <p:nvPr/>
+          </p:nvSpPr>
+          <p:spPr>
+            <a:xfrm>
+              <a:off x="755576" y="1367190"/>
+              <a:ext cx="1576024" cy="307777"/>
+            </a:xfrm>
+            <a:prstGeom prst="rect">
+              <a:avLst/>
+            </a:prstGeom>
+          </p:spPr>
+          <p:txBody>
+            <a:bodyPr wrap="square">
+              <a:spAutoFit/>
+            </a:bodyPr>
+            <a:lstStyle/>
+            <a:p>
+              <a:r>
+                <a:rPr lang="ko-KR" altLang="en-US" sz="1400" b="1" dirty="0" smtClean="0">
+                  <a:solidFill>
+                    <a:schemeClr val="bg1"/>
+                  </a:solidFill>
+                </a:rPr>
+                <a:t>핵심기</a:t>
+              </a:r>
+              <a:r>
+                <a:rPr lang="ko-KR" altLang="en-US" sz="1400" b="1" dirty="0" smtClean="0">
+                  <a:solidFill>
+                    <a:schemeClr val="bg1"/>
+                  </a:solidFill>
+                </a:rPr>
+                <a:t>능</a:t>
+              </a:r>
+              <a:endParaRPr lang="ko-KR" altLang="en-US" sz="1400" b="1" dirty="0">
+                <a:solidFill>
+                  <a:schemeClr val="bg1"/>
+                </a:solidFill>
+              </a:endParaRPr>
+            </a:p>
+          </p:txBody>
+        </p:sp>
+        <p:sp>
+          <p:nvSpPr>
+            <p:cNvPr id="130" name="직사각형 129"/>
+            <p:cNvSpPr/>
+            <p:nvPr/>
+          </p:nvSpPr>
+          <p:spPr>
+            <a:xfrm>
+              <a:off x="2339752" y="1340768"/>
+              <a:ext cx="5747940" cy="954107"/>
+            </a:xfrm>
+            <a:prstGeom prst="rect">
+              <a:avLst/>
+            </a:prstGeom>
+          </p:spPr>
+          <p:txBody>
+            <a:bodyPr wrap="square">
+              <a:spAutoFit/>
+            </a:bodyPr>
+            <a:lstStyle/>
+            <a:p>
+              <a:pPr>
+                <a:buFont typeface="Wingdings" pitchFamily="2" charset="2"/>
+                <a:buChar char="ü"/>
+              </a:pPr>
+              <a:r>
+                <a:rPr lang="ko-KR" altLang="en-US" sz="1400" b="1" dirty="0" smtClean="0"/>
+                <a:t> </a:t>
+              </a:r>
+              <a:r>
+                <a:rPr lang="ko-KR" altLang="en-US" sz="1400" dirty="0" smtClean="0"/>
+                <a:t>로그인 한 회원의 </a:t>
+              </a:r>
+              <a:r>
+                <a:rPr lang="ko-KR" altLang="en-US" sz="1400" b="1" u="sng" dirty="0" smtClean="0">
+                  <a:effectLst>
+                    <a:outerShdw blurRad="38100" dist="38100" dir="2700000" algn="tl">
+                      <a:srgbClr val="000000">
+                        <a:alpha val="43137"/>
+                      </a:srgbClr>
+                    </a:outerShdw>
+                  </a:effectLst>
+                </a:rPr>
+                <a:t>최근 열람 매물</a:t>
+              </a:r>
+              <a:r>
+                <a:rPr lang="ko-KR" altLang="en-US" sz="1400" dirty="0" smtClean="0"/>
+                <a:t> </a:t>
+              </a:r>
+              <a:r>
+                <a:rPr lang="en-US" altLang="ko-KR" sz="1400" dirty="0" smtClean="0"/>
+                <a:t>6</a:t>
+              </a:r>
+              <a:r>
+                <a:rPr lang="ko-KR" altLang="en-US" sz="1400" dirty="0" smtClean="0"/>
+                <a:t>개</a:t>
+              </a:r>
+              <a:endParaRPr lang="en-US" altLang="ko-KR" sz="1400" dirty="0" smtClean="0"/>
+            </a:p>
+            <a:p>
+              <a:pPr>
+                <a:buFont typeface="Wingdings" pitchFamily="2" charset="2"/>
+                <a:buChar char="ü"/>
+              </a:pPr>
+              <a:r>
+                <a:rPr lang="en-US" altLang="ko-KR" sz="1400" dirty="0" smtClean="0"/>
+                <a:t> </a:t>
+              </a:r>
+              <a:r>
+                <a:rPr lang="ko-KR" altLang="en-US" sz="1400" dirty="0" smtClean="0"/>
+                <a:t>로그인 한 회원의 </a:t>
+              </a:r>
+              <a:r>
+                <a:rPr lang="ko-KR" altLang="en-US" sz="1400" b="1" u="sng" dirty="0" smtClean="0">
+                  <a:effectLst>
+                    <a:outerShdw blurRad="38100" dist="38100" dir="2700000" algn="tl">
+                      <a:srgbClr val="000000">
+                        <a:alpha val="43137"/>
+                      </a:srgbClr>
+                    </a:outerShdw>
+                  </a:effectLst>
+                </a:rPr>
+                <a:t>문의사항 리스트</a:t>
+              </a:r>
+              <a:endParaRPr lang="en-US" altLang="ko-KR" sz="1400" b="1" u="sng" dirty="0" smtClean="0">
+                <a:effectLst>
+                  <a:outerShdw blurRad="38100" dist="38100" dir="2700000" algn="tl">
+                    <a:srgbClr val="000000">
+                      <a:alpha val="43137"/>
+                    </a:srgbClr>
+                  </a:outerShdw>
+                </a:effectLst>
+              </a:endParaRPr>
+            </a:p>
+            <a:p>
+              <a:pPr>
+                <a:buFont typeface="Wingdings" pitchFamily="2" charset="2"/>
+                <a:buChar char="ü"/>
+              </a:pPr>
+              <a:r>
+                <a:rPr lang="en-US" altLang="ko-KR" sz="1400" dirty="0" smtClean="0"/>
+                <a:t> </a:t>
+              </a:r>
+              <a:r>
+                <a:rPr lang="ko-KR" altLang="en-US" sz="1400" dirty="0" smtClean="0"/>
+                <a:t>로그인 한 회원의 </a:t>
+              </a:r>
+              <a:r>
+                <a:rPr lang="ko-KR" altLang="en-US" sz="1400" b="1" u="sng" dirty="0" smtClean="0">
+                  <a:effectLst>
+                    <a:outerShdw blurRad="38100" dist="38100" dir="2700000" algn="tl">
+                      <a:srgbClr val="000000">
+                        <a:alpha val="43137"/>
+                      </a:srgbClr>
+                    </a:outerShdw>
+                  </a:effectLst>
+                </a:rPr>
+                <a:t>매물 찜 리스트 </a:t>
+              </a:r>
+              <a:r>
+                <a:rPr lang="ko-KR" altLang="en-US" sz="1400" dirty="0" smtClean="0"/>
+                <a:t>최대 </a:t>
+              </a:r>
+              <a:r>
+                <a:rPr lang="en-US" altLang="ko-KR" sz="1400" dirty="0" smtClean="0"/>
+                <a:t>6</a:t>
+              </a:r>
+              <a:r>
+                <a:rPr lang="ko-KR" altLang="en-US" sz="1400" dirty="0" smtClean="0"/>
+                <a:t>개</a:t>
+              </a:r>
+              <a:endParaRPr lang="en-US" altLang="ko-KR" sz="1400" dirty="0" smtClean="0"/>
+            </a:p>
+            <a:p>
+              <a:pPr>
+                <a:buFont typeface="Wingdings" pitchFamily="2" charset="2"/>
+                <a:buChar char="ü"/>
+              </a:pPr>
+              <a:r>
+                <a:rPr lang="en-US" altLang="ko-KR" sz="1400" dirty="0" smtClean="0"/>
+                <a:t> </a:t>
+              </a:r>
+              <a:r>
+                <a:rPr lang="ko-KR" altLang="en-US" sz="1400" b="1" u="sng" dirty="0" smtClean="0">
+                  <a:effectLst>
+                    <a:outerShdw blurRad="38100" dist="38100" dir="2700000" algn="tl">
+                      <a:srgbClr val="000000">
+                        <a:alpha val="43137"/>
+                      </a:srgbClr>
+                    </a:outerShdw>
+                  </a:effectLst>
+                </a:rPr>
+                <a:t>인증번호 확인</a:t>
+              </a:r>
+              <a:r>
+                <a:rPr lang="ko-KR" altLang="en-US" sz="1400" dirty="0" smtClean="0"/>
+                <a:t> 후 회원 정보 수정 </a:t>
+              </a:r>
+              <a:r>
+                <a:rPr lang="en-US" altLang="ko-KR" sz="1400" dirty="0" smtClean="0"/>
+                <a:t>(</a:t>
+              </a:r>
+              <a:r>
+                <a:rPr lang="ko-KR" altLang="en-US" sz="1400" dirty="0" err="1" smtClean="0"/>
+                <a:t>구현중</a:t>
+              </a:r>
+              <a:r>
+                <a:rPr lang="en-US" altLang="ko-KR" sz="1400" dirty="0" smtClean="0"/>
+                <a:t>)</a:t>
+              </a:r>
+              <a:endParaRPr lang="ko-KR" altLang="en-US" sz="1400" dirty="0"/>
+            </a:p>
+          </p:txBody>
+        </p:sp>
+      </p:grpSp>
+      <p:pic>
+        <p:nvPicPr>
+          <p:cNvPr id="208" name="Picture 5"/>
+          <p:cNvPicPr>
+            <a:picLocks noChangeAspect="1" noChangeArrowheads="1"/>
+          </p:cNvPicPr>
+          <p:nvPr/>
+        </p:nvPicPr>
+        <p:blipFill>
+          <a:blip r:embed="rId7" cstate="print"/>
+          <a:srcRect/>
+          <a:stretch>
+            <a:fillRect/>
+          </a:stretch>
+        </p:blipFill>
+        <p:spPr bwMode="auto">
+          <a:xfrm>
+            <a:off x="649660" y="4115172"/>
+            <a:ext cx="1512168" cy="681980"/>
+          </a:xfrm>
+          <a:prstGeom prst="rect">
+            <a:avLst/>
+          </a:prstGeom>
+          <a:noFill/>
+          <a:ln w="9525">
+            <a:noFill/>
+            <a:miter lim="800000"/>
+            <a:headEnd/>
+            <a:tailEnd/>
+          </a:ln>
+        </p:spPr>
+      </p:pic>
+      <p:cxnSp>
+        <p:nvCxnSpPr>
+          <p:cNvPr id="142" name="직선 연결선 141"/>
+          <p:cNvCxnSpPr>
+            <a:stCxn id="204" idx="3"/>
+          </p:cNvCxnSpPr>
+          <p:nvPr/>
+        </p:nvCxnSpPr>
+        <p:spPr>
+          <a:xfrm flipV="1">
+            <a:off x="2140620" y="3352428"/>
+            <a:ext cx="6565428" cy="12700"/>
+          </a:xfrm>
+          <a:prstGeom prst="line">
+            <a:avLst/>
+          </a:prstGeom>
+          <a:ln>
+            <a:solidFill>
+              <a:schemeClr val="accent4">
+                <a:lumMod val="20000"/>
+                <a:lumOff val="80000"/>
+              </a:schemeClr>
+            </a:solidFill>
+          </a:ln>
+        </p:spPr>
+        <p:style>
+          <a:lnRef idx="2">
+            <a:schemeClr val="accent4"/>
+          </a:lnRef>
+          <a:fillRef idx="0">
+            <a:schemeClr val="accent4"/>
+          </a:fillRef>
+          <a:effectRef idx="1">
+            <a:schemeClr val="accent4"/>
+          </a:effectRef>
+          <a:fontRef idx="minor">
+            <a:schemeClr val="tx1"/>
+          </a:fontRef>
+        </p:style>
+      </p:cxnSp>
+      <p:cxnSp>
+        <p:nvCxnSpPr>
+          <p:cNvPr id="143" name="직선 연결선 142"/>
+          <p:cNvCxnSpPr/>
+          <p:nvPr/>
+        </p:nvCxnSpPr>
+        <p:spPr>
+          <a:xfrm flipV="1">
+            <a:off x="2140620" y="4771380"/>
+            <a:ext cx="6582816" cy="33908"/>
+          </a:xfrm>
+          <a:prstGeom prst="line">
+            <a:avLst/>
+          </a:prstGeom>
+          <a:ln>
+            <a:solidFill>
+              <a:schemeClr val="accent4">
+                <a:lumMod val="20000"/>
+                <a:lumOff val="80000"/>
+              </a:schemeClr>
+            </a:solidFill>
+          </a:ln>
+        </p:spPr>
+        <p:style>
+          <a:lnRef idx="2">
+            <a:schemeClr val="accent4"/>
+          </a:lnRef>
+          <a:fillRef idx="0">
+            <a:schemeClr val="accent4"/>
+          </a:fillRef>
+          <a:effectRef idx="1">
+            <a:schemeClr val="accent4"/>
+          </a:effectRef>
+          <a:fontRef idx="minor">
+            <a:schemeClr val="tx1"/>
+          </a:fontRef>
+        </p:style>
+      </p:cxnSp>
+      <p:sp>
+        <p:nvSpPr>
+          <p:cNvPr id="211" name="TextBox 210"/>
+          <p:cNvSpPr txBox="1"/>
+          <p:nvPr/>
+        </p:nvSpPr>
+        <p:spPr>
+          <a:xfrm>
+            <a:off x="251520" y="836712"/>
+            <a:ext cx="7704856" cy="646331"/>
+          </a:xfrm>
+          <a:prstGeom prst="rect">
+            <a:avLst/>
+          </a:prstGeom>
+          <a:noFill/>
+        </p:spPr>
+        <p:txBody>
+          <a:bodyPr wrap="square" rtlCol="0">
+            <a:spAutoFit/>
+          </a:bodyPr>
+          <a:lstStyle/>
+          <a:p>
+            <a:pPr marL="457200" indent="-457200">
+              <a:lnSpc>
+                <a:spcPct val="150000"/>
+              </a:lnSpc>
+            </a:pPr>
+            <a:r>
+              <a:rPr lang="ko-KR" altLang="en-US" sz="2400" b="1" dirty="0" smtClean="0"/>
+              <a:t>개발 내역에 따른 시연 동영상 </a:t>
+            </a:r>
+            <a:r>
+              <a:rPr lang="en-US" altLang="ko-KR" sz="2400" b="1" dirty="0" smtClean="0"/>
+              <a:t>(1/2)</a:t>
+            </a:r>
+            <a:endParaRPr lang="ko-KR" altLang="en-US" sz="2000" b="1" dirty="0">
+              <a:solidFill>
+                <a:schemeClr val="tx1">
+                  <a:lumMod val="50000"/>
+                  <a:lumOff val="50000"/>
+                </a:schemeClr>
+              </a:solidFill>
+            </a:endParaRPr>
+          </a:p>
+        </p:txBody>
+      </p:sp>
+      <p:sp>
+        <p:nvSpPr>
+          <p:cNvPr id="213" name="직사각형 212"/>
+          <p:cNvSpPr/>
+          <p:nvPr/>
+        </p:nvSpPr>
+        <p:spPr>
+          <a:xfrm>
+            <a:off x="323528" y="2420888"/>
+            <a:ext cx="8352928" cy="936104"/>
+          </a:xfrm>
+          <a:prstGeom prst="rect">
+            <a:avLst/>
+          </a:prstGeom>
+          <a:noFill/>
+          <a:ln w="76200">
+            <a:solidFill>
+              <a:srgbClr val="FF0000"/>
+            </a:solidFill>
+          </a:ln>
+        </p:spPr>
+        <p:style>
+          <a:lnRef idx="2">
+            <a:schemeClr val="accent1">
+              <a:shade val="50000"/>
+            </a:schemeClr>
+          </a:lnRef>
+          <a:fillRef idx="1">
+            <a:schemeClr val="accent1"/>
+          </a:fillRef>
+          <a:effectRef idx="0">
+            <a:schemeClr val="accent1"/>
+          </a:effectRef>
+          <a:fontRef idx="minor">
+            <a:schemeClr val="lt1"/>
+          </a:fontRef>
+        </p:style>
+        <p:txBody>
+          <a:bodyPr rtlCol="0" anchor="ctr"/>
+          <a:lstStyle/>
+          <a:p>
+            <a:pPr algn="ctr"/>
+            <a:endParaRPr lang="ko-KR" altLang="en-US"/>
+          </a:p>
+        </p:txBody>
+      </p:sp>
+    </p:spTree>
+  </p:cSld>
+  <p:clrMapOvr>
+    <a:masterClrMapping/>
+  </p:clrMapOvr>
+  <p:transition/>
+  <p:timing>
+    <p:tnLst>
+      <p:par>
+        <p:cTn id="1" dur="indefinite" restart="never" nodeType="tmRoot">
+          <p:childTnLst>
+            <p:seq concurrent="1" nextAc="seek">
+              <p:cTn id="2" dur="indefinite" nodeType="mainSeq">
+                <p:childTnLst>
+                  <p:par>
+                    <p:cTn id="3" fill="hold">
+                      <p:stCondLst>
+                        <p:cond delay="indefinite"/>
+                        <p:cond evt="onBegin" delay="0">
+                          <p:tn val="2"/>
+                        </p:cond>
+                      </p:stCondLst>
+                      <p:childTnLst>
+                        <p:par>
+                          <p:cTn id="4" fill="hold">
+                            <p:stCondLst>
+                              <p:cond delay="0"/>
+                            </p:stCondLst>
+                            <p:childTnLst>
+                              <p:par>
+                                <p:cTn id="5" presetID="22" presetClass="entr" presetSubtype="1" fill="hold" grpId="0" nodeType="withEffect">
+                                  <p:stCondLst>
+                                    <p:cond delay="0"/>
+                                  </p:stCondLst>
+                                  <p:childTnLst>
+                                    <p:set>
+                                      <p:cBhvr>
+                                        <p:cTn id="6" dur="1" fill="hold">
+                                          <p:stCondLst>
+                                            <p:cond delay="0"/>
+                                          </p:stCondLst>
+                                        </p:cTn>
+                                        <p:tgtEl>
+                                          <p:spTgt spid="213"/>
+                                        </p:tgtEl>
+                                        <p:attrNameLst>
+                                          <p:attrName>style.visibility</p:attrName>
+                                        </p:attrNameLst>
+                                      </p:cBhvr>
+                                      <p:to>
+                                        <p:strVal val="visible"/>
+                                      </p:to>
+                                    </p:set>
+                                    <p:animEffect transition="in" filter="wipe(up)">
+                                      <p:cBhvr>
+                                        <p:cTn id="7" dur="500"/>
+                                        <p:tgtEl>
+                                          <p:spTgt spid="213"/>
+                                        </p:tgtEl>
+                                      </p:cBhvr>
+                                    </p:animEffect>
+                                  </p:childTnLst>
+                                </p:cTn>
+                              </p:par>
+                            </p:childTnLst>
+                          </p:cTn>
+                        </p:par>
+                      </p:childTnLst>
+                    </p:cTn>
+                  </p:par>
+                </p:childTnLst>
+              </p:cTn>
+              <p:prevCondLst>
+                <p:cond evt="onPrev" delay="0">
+                  <p:tgtEl>
+                    <p:sldTgt/>
+                  </p:tgtEl>
+                </p:cond>
+              </p:prevCondLst>
+              <p:nextCondLst>
+                <p:cond evt="onNext" delay="0">
+                  <p:tgtEl>
+                    <p:sldTgt/>
+                  </p:tgtEl>
+                </p:cond>
+              </p:nextCondLst>
+            </p:seq>
+          </p:childTnLst>
+        </p:cTn>
+      </p:par>
+    </p:tnLst>
+    <p:bldLst>
+      <p:bldP spid="213" grpId="0" animBg="1"/>
+    </p:bldLst>
+  </p:timing>
+</p:sld>
+</file>
+
+<file path=ppt/slides/slide11.xml><?xml version="1.0" encoding="utf-8"?>
+<p:sld xmlns:a="http://schemas.openxmlformats.org/drawingml/2006/main" xmlns:r="http://schemas.openxmlformats.org/officeDocument/2006/relationships" xmlns:p="http://schemas.openxmlformats.org/presentationml/2006/main" show="0">
+  <p:cSld>
+    <p:spTree>
+      <p:nvGrpSpPr>
+        <p:cNvPr id="1" name=""/>
+        <p:cNvGrpSpPr/>
+        <p:nvPr/>
+      </p:nvGrpSpPr>
+      <p:grpSpPr>
+        <a:xfrm>
+          <a:off x="0" y="0"/>
+          <a:ext cx="0" cy="0"/>
+          <a:chOff x="0" y="0"/>
+          <a:chExt cx="0" cy="0"/>
+        </a:xfrm>
+      </p:grpSpPr>
+      <p:pic>
+        <p:nvPicPr>
+          <p:cNvPr id="1027" name="Picture 3"/>
+          <p:cNvPicPr>
+            <a:picLocks noChangeAspect="1" noChangeArrowheads="1"/>
+          </p:cNvPicPr>
+          <p:nvPr/>
+        </p:nvPicPr>
+        <p:blipFill>
+          <a:blip r:embed="rId2" cstate="print"/>
+          <a:srcRect/>
+          <a:stretch>
+            <a:fillRect/>
+          </a:stretch>
+        </p:blipFill>
+        <p:spPr bwMode="auto">
+          <a:xfrm>
+            <a:off x="0" y="0"/>
+            <a:ext cx="9144000" cy="685800"/>
+          </a:xfrm>
+          <a:prstGeom prst="rect">
+            <a:avLst/>
+          </a:prstGeom>
+          <a:noFill/>
+          <a:ln w="9525">
+            <a:noFill/>
+            <a:miter lim="800000"/>
+            <a:headEnd/>
+            <a:tailEnd/>
+          </a:ln>
+        </p:spPr>
+      </p:pic>
+      <p:pic>
+        <p:nvPicPr>
+          <p:cNvPr id="1028" name="Picture 4"/>
+          <p:cNvPicPr>
+            <a:picLocks noChangeAspect="1" noChangeArrowheads="1"/>
+          </p:cNvPicPr>
+          <p:nvPr/>
+        </p:nvPicPr>
+        <p:blipFill>
+          <a:blip r:embed="rId3" cstate="print"/>
+          <a:srcRect/>
+          <a:stretch>
+            <a:fillRect/>
+          </a:stretch>
+        </p:blipFill>
+        <p:spPr bwMode="auto">
+          <a:xfrm>
+            <a:off x="0" y="6351984"/>
+            <a:ext cx="9144000" cy="533400"/>
+          </a:xfrm>
+          <a:prstGeom prst="rect">
+            <a:avLst/>
+          </a:prstGeom>
+          <a:noFill/>
+          <a:ln w="9525">
+            <a:noFill/>
+            <a:miter lim="800000"/>
+            <a:headEnd/>
+            <a:tailEnd/>
+          </a:ln>
+        </p:spPr>
+      </p:pic>
+      <p:sp>
+        <p:nvSpPr>
+          <p:cNvPr id="6" name="직사각형 5"/>
+          <p:cNvSpPr/>
+          <p:nvPr/>
+        </p:nvSpPr>
+        <p:spPr>
+          <a:xfrm>
+            <a:off x="281963" y="260648"/>
+            <a:ext cx="1440160" cy="338554"/>
+          </a:xfrm>
+          <a:prstGeom prst="rect">
+            <a:avLst/>
+          </a:prstGeom>
+        </p:spPr>
+        <p:txBody>
+          <a:bodyPr wrap="square">
+            <a:spAutoFit/>
+          </a:bodyPr>
+          <a:lstStyle/>
+          <a:p>
+            <a:r>
+              <a:rPr lang="ko-KR" altLang="en-US" sz="1600" b="1" dirty="0" smtClean="0">
+                <a:solidFill>
+                  <a:schemeClr val="bg1"/>
+                </a:solidFill>
+                <a:latin typeface="나눔바른고딕" panose="020B0603020101020101" pitchFamily="50" charset="-127"/>
+                <a:ea typeface="나눔바른고딕" panose="020B0603020101020101" pitchFamily="50" charset="-127"/>
+              </a:rPr>
+              <a:t>주제 및 목적</a:t>
+            </a:r>
+            <a:endParaRPr lang="ko-KR" altLang="en-US" sz="1600" b="1" dirty="0">
+              <a:solidFill>
+                <a:schemeClr val="bg1"/>
+              </a:solidFill>
+            </a:endParaRPr>
+          </a:p>
+        </p:txBody>
+      </p:sp>
+      <p:sp>
+        <p:nvSpPr>
+          <p:cNvPr id="8" name="직사각형 7"/>
+          <p:cNvSpPr/>
+          <p:nvPr/>
+        </p:nvSpPr>
+        <p:spPr>
+          <a:xfrm>
+            <a:off x="1763688" y="260648"/>
+            <a:ext cx="1296144" cy="338554"/>
+          </a:xfrm>
+          <a:prstGeom prst="rect">
+            <a:avLst/>
+          </a:prstGeom>
+        </p:spPr>
+        <p:txBody>
+          <a:bodyPr wrap="square">
+            <a:spAutoFit/>
+          </a:bodyPr>
+          <a:lstStyle/>
+          <a:p>
+            <a:r>
+              <a:rPr lang="ko-KR" altLang="en-US" sz="1600" b="1" dirty="0" smtClean="0">
+                <a:solidFill>
+                  <a:schemeClr val="bg1"/>
+                </a:solidFill>
+                <a:latin typeface="나눔바른고딕" panose="020B0603020101020101" pitchFamily="50" charset="-127"/>
+                <a:ea typeface="나눔바른고딕" panose="020B0603020101020101" pitchFamily="50" charset="-127"/>
+              </a:rPr>
+              <a:t>개발환경</a:t>
+            </a:r>
+          </a:p>
+        </p:txBody>
+      </p:sp>
+      <p:sp>
+        <p:nvSpPr>
+          <p:cNvPr id="9" name="직사각형 8"/>
+          <p:cNvSpPr/>
+          <p:nvPr/>
+        </p:nvSpPr>
+        <p:spPr>
+          <a:xfrm>
+            <a:off x="2987824" y="260648"/>
+            <a:ext cx="1463862" cy="338554"/>
+          </a:xfrm>
+          <a:prstGeom prst="rect">
+            <a:avLst/>
+          </a:prstGeom>
+        </p:spPr>
+        <p:txBody>
+          <a:bodyPr wrap="none">
+            <a:spAutoFit/>
+          </a:bodyPr>
+          <a:lstStyle/>
+          <a:p>
+            <a:r>
+              <a:rPr lang="ko-KR" altLang="en-US" sz="1600" b="1" dirty="0" smtClean="0">
+                <a:solidFill>
+                  <a:schemeClr val="bg1"/>
+                </a:solidFill>
+                <a:latin typeface="나눔바른고딕" panose="020B0603020101020101" pitchFamily="50" charset="-127"/>
+                <a:ea typeface="나눔바른고딕" panose="020B0603020101020101" pitchFamily="50" charset="-127"/>
+              </a:rPr>
+              <a:t>요구사항 분석</a:t>
+            </a:r>
+            <a:endParaRPr lang="ko-KR" altLang="en-US" sz="1600" b="1" dirty="0">
+              <a:solidFill>
+                <a:schemeClr val="bg1"/>
+              </a:solidFill>
+            </a:endParaRPr>
+          </a:p>
+        </p:txBody>
+      </p:sp>
+      <p:sp>
+        <p:nvSpPr>
+          <p:cNvPr id="10" name="직사각형 9"/>
+          <p:cNvSpPr/>
+          <p:nvPr/>
+        </p:nvSpPr>
+        <p:spPr>
+          <a:xfrm>
+            <a:off x="4716016" y="260648"/>
+            <a:ext cx="992579" cy="338554"/>
+          </a:xfrm>
+          <a:prstGeom prst="rect">
+            <a:avLst/>
+          </a:prstGeom>
+        </p:spPr>
+        <p:txBody>
+          <a:bodyPr wrap="none">
+            <a:spAutoFit/>
+          </a:bodyPr>
+          <a:lstStyle/>
+          <a:p>
+            <a:r>
+              <a:rPr lang="ko-KR" altLang="en-US" sz="1600" b="1" dirty="0" smtClean="0">
+                <a:solidFill>
+                  <a:schemeClr val="bg1"/>
+                </a:solidFill>
+                <a:latin typeface="나눔바른고딕" panose="020B0603020101020101" pitchFamily="50" charset="-127"/>
+                <a:ea typeface="나눔바른고딕" panose="020B0603020101020101" pitchFamily="50" charset="-127"/>
+              </a:rPr>
+              <a:t>업무분담</a:t>
+            </a:r>
+            <a:endParaRPr lang="ko-KR" altLang="en-US" sz="1600" b="1" dirty="0">
+              <a:solidFill>
+                <a:schemeClr val="bg1"/>
+              </a:solidFill>
+            </a:endParaRPr>
+          </a:p>
+        </p:txBody>
+      </p:sp>
+      <p:sp>
+        <p:nvSpPr>
+          <p:cNvPr id="11" name="직사각형 10"/>
+          <p:cNvSpPr/>
+          <p:nvPr/>
+        </p:nvSpPr>
+        <p:spPr>
+          <a:xfrm>
+            <a:off x="6012160" y="260648"/>
+            <a:ext cx="1867819" cy="338554"/>
+          </a:xfrm>
+          <a:prstGeom prst="rect">
+            <a:avLst/>
+          </a:prstGeom>
+        </p:spPr>
+        <p:txBody>
+          <a:bodyPr wrap="none">
+            <a:spAutoFit/>
+          </a:bodyPr>
+          <a:lstStyle/>
+          <a:p>
+            <a:r>
+              <a:rPr lang="ko-KR" altLang="en-US" sz="1600" b="1" dirty="0" smtClean="0">
+                <a:solidFill>
+                  <a:schemeClr val="bg1"/>
+                </a:solidFill>
+                <a:latin typeface="나눔바른고딕" panose="020B0603020101020101" pitchFamily="50" charset="-127"/>
+                <a:ea typeface="나눔바른고딕" panose="020B0603020101020101" pitchFamily="50" charset="-127"/>
+              </a:rPr>
+              <a:t>프로젝트 일정계획</a:t>
+            </a:r>
+            <a:endParaRPr lang="ko-KR" altLang="en-US" sz="1600" b="1" dirty="0">
+              <a:solidFill>
+                <a:schemeClr val="bg1"/>
+              </a:solidFill>
+            </a:endParaRPr>
+          </a:p>
+        </p:txBody>
+      </p:sp>
+      <p:pic>
+        <p:nvPicPr>
+          <p:cNvPr id="19" name="Picture 2"/>
+          <p:cNvPicPr>
+            <a:picLocks noChangeAspect="1" noChangeArrowheads="1"/>
+          </p:cNvPicPr>
+          <p:nvPr/>
+        </p:nvPicPr>
+        <p:blipFill>
+          <a:blip r:embed="rId4" cstate="print"/>
+          <a:srcRect/>
+          <a:stretch>
+            <a:fillRect/>
+          </a:stretch>
+        </p:blipFill>
+        <p:spPr bwMode="auto">
+          <a:xfrm>
+            <a:off x="7969076" y="188640"/>
+            <a:ext cx="864096" cy="504825"/>
+          </a:xfrm>
+          <a:prstGeom prst="rect">
+            <a:avLst/>
+          </a:prstGeom>
+          <a:noFill/>
+          <a:ln w="9525">
+            <a:noFill/>
+            <a:miter lim="800000"/>
+            <a:headEnd/>
+            <a:tailEnd/>
+          </a:ln>
+        </p:spPr>
+      </p:pic>
+      <p:sp>
+        <p:nvSpPr>
+          <p:cNvPr id="12" name="직사각형 11"/>
+          <p:cNvSpPr/>
+          <p:nvPr/>
+        </p:nvSpPr>
+        <p:spPr>
+          <a:xfrm>
+            <a:off x="8100392" y="260648"/>
+            <a:ext cx="588623" cy="338554"/>
+          </a:xfrm>
+          <a:prstGeom prst="rect">
+            <a:avLst/>
+          </a:prstGeom>
+        </p:spPr>
+        <p:txBody>
+          <a:bodyPr wrap="none">
+            <a:spAutoFit/>
+          </a:bodyPr>
+          <a:lstStyle/>
+          <a:p>
+            <a:r>
+              <a:rPr lang="ko-KR" altLang="en-US" sz="1600" b="1" dirty="0" smtClean="0">
+                <a:latin typeface="나눔바른고딕" panose="020B0603020101020101" pitchFamily="50" charset="-127"/>
+                <a:ea typeface="나눔바른고딕" panose="020B0603020101020101" pitchFamily="50" charset="-127"/>
+              </a:rPr>
+              <a:t>시연</a:t>
+            </a:r>
+            <a:endParaRPr lang="ko-KR" altLang="en-US" sz="1600" b="1" dirty="0"/>
+          </a:p>
+        </p:txBody>
+      </p:sp>
+      <p:sp>
+        <p:nvSpPr>
+          <p:cNvPr id="97" name="TextBox 96"/>
+          <p:cNvSpPr txBox="1"/>
+          <p:nvPr/>
+        </p:nvSpPr>
+        <p:spPr>
+          <a:xfrm>
+            <a:off x="251520" y="836712"/>
+            <a:ext cx="7704856" cy="646331"/>
+          </a:xfrm>
+          <a:prstGeom prst="rect">
+            <a:avLst/>
+          </a:prstGeom>
+          <a:noFill/>
+        </p:spPr>
+        <p:txBody>
+          <a:bodyPr wrap="square" rtlCol="0">
+            <a:spAutoFit/>
+          </a:bodyPr>
+          <a:lstStyle/>
+          <a:p>
+            <a:pPr marL="457200" indent="-457200">
+              <a:lnSpc>
+                <a:spcPct val="150000"/>
+              </a:lnSpc>
+            </a:pPr>
+            <a:r>
+              <a:rPr lang="ko-KR" altLang="en-US" sz="2400" b="1" dirty="0" smtClean="0"/>
+              <a:t>개발 내역에 따른 시연 동영상 </a:t>
+            </a:r>
+            <a:r>
+              <a:rPr lang="en-US" altLang="ko-KR" sz="2400" b="1" dirty="0" smtClean="0"/>
+              <a:t>(2/2)</a:t>
+            </a:r>
+            <a:endParaRPr lang="ko-KR" altLang="en-US" sz="2000" b="1" dirty="0">
+              <a:solidFill>
+                <a:schemeClr val="tx1">
+                  <a:lumMod val="50000"/>
+                  <a:lumOff val="50000"/>
+                </a:schemeClr>
+              </a:solidFill>
+            </a:endParaRPr>
+          </a:p>
+        </p:txBody>
+      </p:sp>
+      <p:grpSp>
+        <p:nvGrpSpPr>
+          <p:cNvPr id="98" name="그룹 97"/>
+          <p:cNvGrpSpPr/>
+          <p:nvPr/>
+        </p:nvGrpSpPr>
+        <p:grpSpPr>
+          <a:xfrm>
+            <a:off x="340420" y="1708944"/>
+            <a:ext cx="8352928" cy="1648048"/>
+            <a:chOff x="251520" y="980728"/>
+            <a:chExt cx="8352928" cy="1648048"/>
+          </a:xfrm>
+        </p:grpSpPr>
+        <p:grpSp>
+          <p:nvGrpSpPr>
+            <p:cNvPr id="100" name="그룹 83"/>
+            <p:cNvGrpSpPr/>
+            <p:nvPr/>
+          </p:nvGrpSpPr>
+          <p:grpSpPr>
+            <a:xfrm>
+              <a:off x="251520" y="980728"/>
+              <a:ext cx="8352928" cy="360040"/>
+              <a:chOff x="323528" y="2204864"/>
+              <a:chExt cx="8352928" cy="360040"/>
+            </a:xfrm>
+          </p:grpSpPr>
+          <p:grpSp>
+            <p:nvGrpSpPr>
+              <p:cNvPr id="105" name="그룹 38"/>
+              <p:cNvGrpSpPr/>
+              <p:nvPr/>
+            </p:nvGrpSpPr>
+            <p:grpSpPr>
+              <a:xfrm>
+                <a:off x="323528" y="2204864"/>
+                <a:ext cx="8352928" cy="360040"/>
+                <a:chOff x="453688" y="1844824"/>
+                <a:chExt cx="11067633" cy="514343"/>
+              </a:xfrm>
+            </p:grpSpPr>
+            <p:grpSp>
+              <p:nvGrpSpPr>
+                <p:cNvPr id="107" name="그룹 30"/>
+                <p:cNvGrpSpPr/>
+                <p:nvPr/>
+              </p:nvGrpSpPr>
+              <p:grpSpPr>
+                <a:xfrm>
+                  <a:off x="453688" y="1844824"/>
+                  <a:ext cx="11067633" cy="514343"/>
+                  <a:chOff x="453688" y="1844824"/>
+                  <a:chExt cx="11067633" cy="514343"/>
+                </a:xfrm>
+              </p:grpSpPr>
+              <p:sp>
+                <p:nvSpPr>
+                  <p:cNvPr id="109" name="직사각형 108"/>
+                  <p:cNvSpPr/>
+                  <p:nvPr/>
+                </p:nvSpPr>
+                <p:spPr>
+                  <a:xfrm>
+                    <a:off x="1161069" y="1844824"/>
+                    <a:ext cx="10360252" cy="514343"/>
+                  </a:xfrm>
+                  <a:prstGeom prst="rect">
+                    <a:avLst/>
+                  </a:prstGeom>
+                  <a:solidFill>
+                    <a:schemeClr val="accent5">
+                      <a:lumMod val="20000"/>
+                      <a:lumOff val="80000"/>
+                    </a:schemeClr>
+                  </a:solidFill>
+                  <a:ln w="3175">
+                    <a:noFill/>
+                  </a:ln>
+                </p:spPr>
+                <p:style>
+                  <a:lnRef idx="2">
+                    <a:schemeClr val="accent1">
+                      <a:shade val="50000"/>
+                    </a:schemeClr>
+                  </a:lnRef>
+                  <a:fillRef idx="1">
+                    <a:schemeClr val="accent1"/>
+                  </a:fillRef>
+                  <a:effectRef idx="0">
+                    <a:schemeClr val="accent1"/>
+                  </a:effectRef>
+                  <a:fontRef idx="minor">
+                    <a:schemeClr val="lt1"/>
+                  </a:fontRef>
+                </p:style>
+                <p:txBody>
+                  <a:bodyPr rtlCol="0" anchor="ctr"/>
+                  <a:lstStyle/>
+                  <a:p>
+                    <a:pPr algn="ctr"/>
+                    <a:endParaRPr lang="ko-KR" altLang="en-US"/>
+                  </a:p>
+                </p:txBody>
+              </p:sp>
+              <p:pic>
+                <p:nvPicPr>
+                  <p:cNvPr id="110" name="Picture 3"/>
+                  <p:cNvPicPr>
+                    <a:picLocks noChangeAspect="1" noChangeArrowheads="1"/>
+                  </p:cNvPicPr>
+                  <p:nvPr/>
+                </p:nvPicPr>
+                <p:blipFill>
+                  <a:blip r:embed="rId5" cstate="print"/>
+                  <a:srcRect/>
+                  <a:stretch>
+                    <a:fillRect/>
+                  </a:stretch>
+                </p:blipFill>
+                <p:spPr bwMode="auto">
+                  <a:xfrm>
+                    <a:off x="453688" y="1844824"/>
+                    <a:ext cx="2385266" cy="514343"/>
+                  </a:xfrm>
+                  <a:prstGeom prst="rect">
+                    <a:avLst/>
+                  </a:prstGeom>
+                  <a:noFill/>
+                  <a:ln w="9525">
+                    <a:noFill/>
+                    <a:miter lim="800000"/>
+                    <a:headEnd/>
+                    <a:tailEnd/>
+                  </a:ln>
+                </p:spPr>
+              </p:pic>
+            </p:grpSp>
+            <p:sp>
+              <p:nvSpPr>
+                <p:cNvPr id="108" name="직사각형 107"/>
+                <p:cNvSpPr/>
+                <p:nvPr/>
+              </p:nvSpPr>
+              <p:spPr>
+                <a:xfrm>
+                  <a:off x="509889" y="1881110"/>
+                  <a:ext cx="2806118" cy="439682"/>
+                </a:xfrm>
+                <a:prstGeom prst="rect">
+                  <a:avLst/>
+                </a:prstGeom>
+              </p:spPr>
+              <p:txBody>
+                <a:bodyPr wrap="square">
+                  <a:spAutoFit/>
+                </a:bodyPr>
+                <a:lstStyle/>
+                <a:p>
+                  <a:r>
+                    <a:rPr lang="en-US" altLang="ko-KR" sz="1400" b="1" dirty="0" smtClean="0">
+                      <a:solidFill>
+                        <a:schemeClr val="bg1"/>
+                      </a:solidFill>
+                    </a:rPr>
+                    <a:t>5</a:t>
+                  </a:r>
+                  <a:r>
+                    <a:rPr lang="en-US" altLang="ko-KR" sz="1400" b="1" dirty="0" smtClean="0">
+                      <a:solidFill>
+                        <a:schemeClr val="bg1"/>
+                      </a:solidFill>
+                    </a:rPr>
+                    <a:t>. </a:t>
+                  </a:r>
+                  <a:r>
+                    <a:rPr lang="ko-KR" altLang="en-US" sz="1400" b="1" dirty="0" smtClean="0">
+                      <a:solidFill>
+                        <a:schemeClr val="bg1"/>
+                      </a:solidFill>
+                    </a:rPr>
+                    <a:t>매물 상세 페이지</a:t>
+                  </a:r>
+                  <a:endParaRPr lang="ko-KR" altLang="en-US" sz="1400" b="1" dirty="0">
+                    <a:solidFill>
+                      <a:schemeClr val="bg1"/>
+                    </a:solidFill>
+                  </a:endParaRPr>
+                </a:p>
+              </p:txBody>
+            </p:sp>
+          </p:grpSp>
+          <p:sp>
+            <p:nvSpPr>
+              <p:cNvPr id="106" name="직사각형 105"/>
+              <p:cNvSpPr/>
+              <p:nvPr/>
+            </p:nvSpPr>
+            <p:spPr>
+              <a:xfrm>
+                <a:off x="2195736" y="2257127"/>
+                <a:ext cx="2160240" cy="276999"/>
+              </a:xfrm>
+              <a:prstGeom prst="rect">
+                <a:avLst/>
+              </a:prstGeom>
+            </p:spPr>
+            <p:txBody>
+              <a:bodyPr wrap="square">
+                <a:spAutoFit/>
+              </a:bodyPr>
+              <a:lstStyle/>
+              <a:p>
+                <a:r>
+                  <a:rPr lang="en-US" altLang="ko-KR" sz="1200" b="1" dirty="0" smtClean="0"/>
+                  <a:t>URL : </a:t>
+                </a:r>
+                <a:endParaRPr lang="ko-KR" altLang="en-US" sz="1200" b="1" dirty="0"/>
+              </a:p>
+            </p:txBody>
+          </p:sp>
+        </p:grpSp>
+        <p:sp>
+          <p:nvSpPr>
+            <p:cNvPr id="101" name="직사각형 100"/>
+            <p:cNvSpPr/>
+            <p:nvPr/>
+          </p:nvSpPr>
+          <p:spPr>
+            <a:xfrm>
+              <a:off x="755576" y="1340768"/>
+              <a:ext cx="7848872" cy="1288008"/>
+            </a:xfrm>
+            <a:prstGeom prst="rect">
+              <a:avLst/>
+            </a:prstGeom>
+            <a:solidFill>
+              <a:schemeClr val="accent5">
+                <a:lumMod val="20000"/>
+                <a:lumOff val="80000"/>
+              </a:schemeClr>
+            </a:solidFill>
+            <a:ln w="3175">
+              <a:noFill/>
+            </a:ln>
+          </p:spPr>
+          <p:style>
+            <a:lnRef idx="2">
+              <a:schemeClr val="accent1">
+                <a:shade val="50000"/>
+              </a:schemeClr>
+            </a:lnRef>
+            <a:fillRef idx="1">
+              <a:schemeClr val="accent1"/>
+            </a:fillRef>
+            <a:effectRef idx="0">
+              <a:schemeClr val="accent1"/>
+            </a:effectRef>
+            <a:fontRef idx="minor">
+              <a:schemeClr val="lt1"/>
+            </a:fontRef>
+          </p:style>
+          <p:txBody>
+            <a:bodyPr rtlCol="0" anchor="ctr"/>
+            <a:lstStyle/>
+            <a:p>
+              <a:pPr algn="ctr"/>
+              <a:endParaRPr lang="ko-KR" altLang="en-US"/>
+            </a:p>
+          </p:txBody>
+        </p:sp>
+        <p:pic>
+          <p:nvPicPr>
+            <p:cNvPr id="102" name="Picture 3"/>
+            <p:cNvPicPr>
+              <a:picLocks noChangeAspect="1" noChangeArrowheads="1"/>
+            </p:cNvPicPr>
+            <p:nvPr/>
+          </p:nvPicPr>
+          <p:blipFill>
+            <a:blip r:embed="rId6" cstate="print"/>
+            <a:srcRect/>
+            <a:stretch>
+              <a:fillRect/>
+            </a:stretch>
+          </p:blipFill>
+          <p:spPr bwMode="auto">
+            <a:xfrm>
+              <a:off x="683567" y="1340768"/>
+              <a:ext cx="1368153" cy="360040"/>
+            </a:xfrm>
+            <a:prstGeom prst="rect">
+              <a:avLst/>
+            </a:prstGeom>
+            <a:noFill/>
+            <a:ln w="9525">
+              <a:noFill/>
+              <a:miter lim="800000"/>
+              <a:headEnd/>
+              <a:tailEnd/>
+            </a:ln>
+          </p:spPr>
+        </p:pic>
+        <p:sp>
+          <p:nvSpPr>
+            <p:cNvPr id="103" name="직사각형 102"/>
+            <p:cNvSpPr/>
+            <p:nvPr/>
+          </p:nvSpPr>
+          <p:spPr>
+            <a:xfrm>
+              <a:off x="755576" y="1367190"/>
+              <a:ext cx="1576024" cy="307777"/>
+            </a:xfrm>
+            <a:prstGeom prst="rect">
+              <a:avLst/>
+            </a:prstGeom>
+          </p:spPr>
+          <p:txBody>
+            <a:bodyPr wrap="square">
+              <a:spAutoFit/>
+            </a:bodyPr>
+            <a:lstStyle/>
+            <a:p>
+              <a:r>
+                <a:rPr lang="ko-KR" altLang="en-US" sz="1400" b="1" dirty="0" smtClean="0">
+                  <a:solidFill>
+                    <a:schemeClr val="bg1"/>
+                  </a:solidFill>
+                </a:rPr>
+                <a:t>핵심기</a:t>
+              </a:r>
+              <a:r>
+                <a:rPr lang="ko-KR" altLang="en-US" sz="1400" b="1" dirty="0" smtClean="0">
+                  <a:solidFill>
+                    <a:schemeClr val="bg1"/>
+                  </a:solidFill>
+                </a:rPr>
+                <a:t>능</a:t>
+              </a:r>
+              <a:endParaRPr lang="ko-KR" altLang="en-US" sz="1400" b="1" dirty="0">
+                <a:solidFill>
+                  <a:schemeClr val="bg1"/>
+                </a:solidFill>
+              </a:endParaRPr>
+            </a:p>
+          </p:txBody>
+        </p:sp>
+        <p:sp>
+          <p:nvSpPr>
+            <p:cNvPr id="104" name="직사각형 103"/>
+            <p:cNvSpPr/>
+            <p:nvPr/>
+          </p:nvSpPr>
+          <p:spPr>
+            <a:xfrm>
+              <a:off x="2267744" y="1340768"/>
+              <a:ext cx="3528392" cy="1169551"/>
+            </a:xfrm>
+            <a:prstGeom prst="rect">
+              <a:avLst/>
+            </a:prstGeom>
+          </p:spPr>
+          <p:txBody>
+            <a:bodyPr wrap="square">
+              <a:spAutoFit/>
+            </a:bodyPr>
+            <a:lstStyle/>
+            <a:p>
+              <a:pPr>
+                <a:buFont typeface="Wingdings" pitchFamily="2" charset="2"/>
+                <a:buChar char="ü"/>
+              </a:pPr>
+              <a:r>
+                <a:rPr lang="en-US" altLang="ko-KR" sz="1400" b="1" dirty="0" smtClean="0"/>
+                <a:t> </a:t>
+              </a:r>
+              <a:r>
+                <a:rPr lang="ko-KR" altLang="en-US" sz="1400" dirty="0" smtClean="0"/>
+                <a:t>에이전트에게 </a:t>
+              </a:r>
+              <a:r>
+                <a:rPr lang="ko-KR" altLang="en-US" sz="1400" b="1" u="sng" dirty="0" smtClean="0">
+                  <a:effectLst>
+                    <a:outerShdw blurRad="38100" dist="38100" dir="2700000" algn="tl">
+                      <a:srgbClr val="000000">
+                        <a:alpha val="43137"/>
+                      </a:srgbClr>
+                    </a:outerShdw>
+                  </a:effectLst>
+                </a:rPr>
+                <a:t>메일 보내기</a:t>
+              </a:r>
+              <a:r>
+                <a:rPr lang="ko-KR" altLang="en-US" sz="1400" dirty="0" smtClean="0"/>
+                <a:t> </a:t>
+              </a:r>
+              <a:r>
+                <a:rPr lang="en-US" altLang="ko-KR" sz="1400" dirty="0" smtClean="0"/>
+                <a:t>(</a:t>
+              </a:r>
+              <a:r>
+                <a:rPr lang="ko-KR" altLang="en-US" sz="1400" dirty="0" err="1" smtClean="0"/>
+                <a:t>구현중</a:t>
+              </a:r>
+              <a:r>
+                <a:rPr lang="en-US" altLang="ko-KR" sz="1400" dirty="0" smtClean="0"/>
+                <a:t>)</a:t>
+              </a:r>
+            </a:p>
+            <a:p>
+              <a:pPr>
+                <a:buFont typeface="Wingdings" pitchFamily="2" charset="2"/>
+                <a:buChar char="ü"/>
+              </a:pPr>
+              <a:r>
+                <a:rPr lang="en-US" altLang="ko-KR" sz="1400" dirty="0" smtClean="0"/>
+                <a:t> </a:t>
+              </a:r>
+              <a:r>
+                <a:rPr lang="ko-KR" altLang="en-US" sz="1400" dirty="0" smtClean="0"/>
+                <a:t>해당 매물 관련 </a:t>
+              </a:r>
+              <a:r>
+                <a:rPr lang="ko-KR" altLang="en-US" sz="1400" b="1" u="sng" dirty="0" smtClean="0">
+                  <a:effectLst>
+                    <a:outerShdw blurRad="38100" dist="38100" dir="2700000" algn="tl">
+                      <a:srgbClr val="000000">
+                        <a:alpha val="43137"/>
+                      </a:srgbClr>
+                    </a:outerShdw>
+                  </a:effectLst>
+                </a:rPr>
+                <a:t>문의사항 조회</a:t>
+              </a:r>
+              <a:r>
+                <a:rPr lang="en-US" altLang="ko-KR" sz="1400" b="1" u="sng" dirty="0" smtClean="0">
+                  <a:effectLst>
+                    <a:outerShdw blurRad="38100" dist="38100" dir="2700000" algn="tl">
+                      <a:srgbClr val="000000">
+                        <a:alpha val="43137"/>
+                      </a:srgbClr>
+                    </a:outerShdw>
+                  </a:effectLst>
+                </a:rPr>
+                <a:t>/</a:t>
+              </a:r>
+              <a:r>
+                <a:rPr lang="ko-KR" altLang="en-US" sz="1400" b="1" u="sng" dirty="0" smtClean="0">
+                  <a:effectLst>
+                    <a:outerShdw blurRad="38100" dist="38100" dir="2700000" algn="tl">
+                      <a:srgbClr val="000000">
+                        <a:alpha val="43137"/>
+                      </a:srgbClr>
+                    </a:outerShdw>
+                  </a:effectLst>
+                </a:rPr>
+                <a:t>수정</a:t>
+              </a:r>
+              <a:endParaRPr lang="en-US" altLang="ko-KR" sz="1400" b="1" u="sng" dirty="0" smtClean="0">
+                <a:effectLst>
+                  <a:outerShdw blurRad="38100" dist="38100" dir="2700000" algn="tl">
+                    <a:srgbClr val="000000">
+                      <a:alpha val="43137"/>
+                    </a:srgbClr>
+                  </a:outerShdw>
+                </a:effectLst>
+              </a:endParaRPr>
+            </a:p>
+            <a:p>
+              <a:pPr>
+                <a:buFont typeface="Wingdings" pitchFamily="2" charset="2"/>
+                <a:buChar char="ü"/>
+              </a:pPr>
+              <a:r>
+                <a:rPr lang="en-US" altLang="ko-KR" sz="1400" dirty="0" smtClean="0"/>
+                <a:t> </a:t>
+              </a:r>
+              <a:r>
+                <a:rPr lang="ko-KR" altLang="en-US" sz="1400" b="1" u="sng" dirty="0" smtClean="0">
+                  <a:effectLst>
+                    <a:outerShdw blurRad="38100" dist="38100" dir="2700000" algn="tl">
+                      <a:srgbClr val="000000">
+                        <a:alpha val="43137"/>
+                      </a:srgbClr>
+                    </a:outerShdw>
+                  </a:effectLst>
+                </a:rPr>
+                <a:t>기상청 날씨 </a:t>
+              </a:r>
+              <a:r>
+                <a:rPr lang="en-US" altLang="ko-KR" sz="1400" b="1" u="sng" dirty="0" smtClean="0">
+                  <a:effectLst>
+                    <a:outerShdw blurRad="38100" dist="38100" dir="2700000" algn="tl">
+                      <a:srgbClr val="000000">
+                        <a:alpha val="43137"/>
+                      </a:srgbClr>
+                    </a:outerShdw>
+                  </a:effectLst>
+                </a:rPr>
+                <a:t>API</a:t>
+              </a:r>
+              <a:r>
+                <a:rPr lang="en-US" altLang="ko-KR" sz="1400" b="1" dirty="0" smtClean="0"/>
+                <a:t>  </a:t>
+              </a:r>
+              <a:r>
+                <a:rPr lang="ko-KR" altLang="en-US" sz="1400" dirty="0" smtClean="0"/>
+                <a:t>강수량</a:t>
+              </a:r>
+              <a:r>
+                <a:rPr lang="en-US" altLang="ko-KR" sz="1400" dirty="0" smtClean="0"/>
+                <a:t>/</a:t>
+              </a:r>
+              <a:r>
+                <a:rPr lang="ko-KR" altLang="en-US" sz="1400" dirty="0" err="1" smtClean="0"/>
+                <a:t>낮최고기온</a:t>
+              </a:r>
+              <a:r>
+                <a:rPr lang="ko-KR" altLang="en-US" sz="1400" dirty="0" smtClean="0"/>
+                <a:t> 기준으로 메시지 출력</a:t>
+              </a:r>
+              <a:endParaRPr lang="en-US" altLang="ko-KR" sz="1400" dirty="0" smtClean="0"/>
+            </a:p>
+            <a:p>
+              <a:pPr>
+                <a:buFont typeface="Wingdings" pitchFamily="2" charset="2"/>
+                <a:buChar char="ü"/>
+              </a:pPr>
+              <a:r>
+                <a:rPr lang="en-US" altLang="ko-KR" sz="1400" dirty="0" smtClean="0"/>
+                <a:t> </a:t>
+              </a:r>
+              <a:r>
+                <a:rPr lang="en-US" altLang="ko-KR" sz="1400" b="1" u="sng" dirty="0" smtClean="0">
+                  <a:effectLst>
+                    <a:outerShdw blurRad="38100" dist="38100" dir="2700000" algn="tl">
+                      <a:srgbClr val="000000">
+                        <a:alpha val="43137"/>
+                      </a:srgbClr>
+                    </a:outerShdw>
+                  </a:effectLst>
+                </a:rPr>
+                <a:t>NAVER </a:t>
+              </a:r>
+              <a:r>
+                <a:rPr lang="ko-KR" altLang="en-US" sz="1400" b="1" u="sng" dirty="0" smtClean="0">
+                  <a:effectLst>
+                    <a:outerShdw blurRad="38100" dist="38100" dir="2700000" algn="tl">
+                      <a:srgbClr val="000000">
+                        <a:alpha val="43137"/>
+                      </a:srgbClr>
+                    </a:outerShdw>
+                  </a:effectLst>
+                </a:rPr>
+                <a:t>카페 공유 </a:t>
+              </a:r>
+              <a:r>
+                <a:rPr lang="en-US" altLang="ko-KR" sz="1400" b="1" u="sng" dirty="0" smtClean="0">
+                  <a:effectLst>
+                    <a:outerShdw blurRad="38100" dist="38100" dir="2700000" algn="tl">
+                      <a:srgbClr val="000000">
+                        <a:alpha val="43137"/>
+                      </a:srgbClr>
+                    </a:outerShdw>
+                  </a:effectLst>
+                </a:rPr>
+                <a:t>API</a:t>
+              </a:r>
+              <a:endParaRPr lang="ko-KR" altLang="en-US" sz="1400" b="1" u="sng" dirty="0">
+                <a:effectLst>
+                  <a:outerShdw blurRad="38100" dist="38100" dir="2700000" algn="tl">
+                    <a:srgbClr val="000000">
+                      <a:alpha val="43137"/>
+                    </a:srgbClr>
+                  </a:outerShdw>
+                </a:effectLst>
+              </a:endParaRPr>
+            </a:p>
+          </p:txBody>
+        </p:sp>
+      </p:grpSp>
+      <p:pic>
+        <p:nvPicPr>
+          <p:cNvPr id="82" name="Picture 5"/>
+          <p:cNvPicPr>
+            <a:picLocks noChangeAspect="1" noChangeArrowheads="1"/>
+          </p:cNvPicPr>
+          <p:nvPr/>
+        </p:nvPicPr>
+        <p:blipFill>
+          <a:blip r:embed="rId7" cstate="print"/>
+          <a:srcRect/>
+          <a:stretch>
+            <a:fillRect/>
+          </a:stretch>
+        </p:blipFill>
+        <p:spPr bwMode="auto">
+          <a:xfrm>
+            <a:off x="730176" y="2420888"/>
+            <a:ext cx="1410364" cy="1008112"/>
+          </a:xfrm>
+          <a:prstGeom prst="rect">
+            <a:avLst/>
+          </a:prstGeom>
+          <a:noFill/>
+          <a:ln w="9525">
+            <a:noFill/>
+            <a:miter lim="800000"/>
+            <a:headEnd/>
+            <a:tailEnd/>
+          </a:ln>
+        </p:spPr>
+      </p:pic>
+      <p:grpSp>
+        <p:nvGrpSpPr>
+          <p:cNvPr id="111" name="그룹 110"/>
+          <p:cNvGrpSpPr/>
+          <p:nvPr/>
+        </p:nvGrpSpPr>
+        <p:grpSpPr>
+          <a:xfrm>
+            <a:off x="357436" y="3390900"/>
+            <a:ext cx="8352928" cy="936104"/>
+            <a:chOff x="251520" y="980729"/>
+            <a:chExt cx="8352928" cy="936104"/>
+          </a:xfrm>
+        </p:grpSpPr>
+        <p:grpSp>
+          <p:nvGrpSpPr>
+            <p:cNvPr id="112" name="그룹 83"/>
+            <p:cNvGrpSpPr/>
+            <p:nvPr/>
+          </p:nvGrpSpPr>
+          <p:grpSpPr>
+            <a:xfrm>
+              <a:off x="251520" y="980729"/>
+              <a:ext cx="8352928" cy="360041"/>
+              <a:chOff x="323528" y="2204865"/>
+              <a:chExt cx="8352928" cy="360041"/>
+            </a:xfrm>
+          </p:grpSpPr>
+          <p:grpSp>
+            <p:nvGrpSpPr>
+              <p:cNvPr id="125" name="그룹 38"/>
+              <p:cNvGrpSpPr/>
+              <p:nvPr/>
+            </p:nvGrpSpPr>
+            <p:grpSpPr>
+              <a:xfrm>
+                <a:off x="323528" y="2204865"/>
+                <a:ext cx="8352928" cy="360041"/>
+                <a:chOff x="453688" y="1844823"/>
+                <a:chExt cx="11067633" cy="514344"/>
+              </a:xfrm>
+            </p:grpSpPr>
+            <p:grpSp>
+              <p:nvGrpSpPr>
+                <p:cNvPr id="131" name="그룹 30"/>
+                <p:cNvGrpSpPr/>
+                <p:nvPr/>
+              </p:nvGrpSpPr>
+              <p:grpSpPr>
+                <a:xfrm>
+                  <a:off x="453688" y="1844823"/>
+                  <a:ext cx="11067633" cy="514344"/>
+                  <a:chOff x="453688" y="1844823"/>
+                  <a:chExt cx="11067633" cy="514344"/>
+                </a:xfrm>
+              </p:grpSpPr>
+              <p:sp>
+                <p:nvSpPr>
+                  <p:cNvPr id="137" name="직사각형 136"/>
+                  <p:cNvSpPr/>
+                  <p:nvPr/>
+                </p:nvSpPr>
+                <p:spPr>
+                  <a:xfrm>
+                    <a:off x="1161069" y="1844823"/>
+                    <a:ext cx="10360252" cy="514343"/>
+                  </a:xfrm>
+                  <a:prstGeom prst="rect">
+                    <a:avLst/>
+                  </a:prstGeom>
+                  <a:solidFill>
+                    <a:schemeClr val="accent5">
+                      <a:lumMod val="20000"/>
+                      <a:lumOff val="80000"/>
+                    </a:schemeClr>
+                  </a:solidFill>
+                  <a:ln w="3175">
+                    <a:noFill/>
+                  </a:ln>
+                </p:spPr>
+                <p:style>
+                  <a:lnRef idx="2">
+                    <a:schemeClr val="accent1">
+                      <a:shade val="50000"/>
+                    </a:schemeClr>
+                  </a:lnRef>
+                  <a:fillRef idx="1">
+                    <a:schemeClr val="accent1"/>
+                  </a:fillRef>
+                  <a:effectRef idx="0">
+                    <a:schemeClr val="accent1"/>
+                  </a:effectRef>
+                  <a:fontRef idx="minor">
+                    <a:schemeClr val="lt1"/>
+                  </a:fontRef>
+                </p:style>
+                <p:txBody>
+                  <a:bodyPr rtlCol="0" anchor="ctr"/>
+                  <a:lstStyle/>
+                  <a:p>
+                    <a:pPr algn="ctr"/>
+                    <a:endParaRPr lang="ko-KR" altLang="en-US"/>
+                  </a:p>
+                </p:txBody>
+              </p:sp>
+              <p:pic>
+                <p:nvPicPr>
+                  <p:cNvPr id="138" name="Picture 3"/>
+                  <p:cNvPicPr>
+                    <a:picLocks noChangeAspect="1" noChangeArrowheads="1"/>
+                  </p:cNvPicPr>
+                  <p:nvPr/>
+                </p:nvPicPr>
+                <p:blipFill>
+                  <a:blip r:embed="rId5" cstate="print"/>
+                  <a:srcRect/>
+                  <a:stretch>
+                    <a:fillRect/>
+                  </a:stretch>
+                </p:blipFill>
+                <p:spPr bwMode="auto">
+                  <a:xfrm>
+                    <a:off x="453688" y="1844824"/>
+                    <a:ext cx="2362720" cy="514343"/>
+                  </a:xfrm>
+                  <a:prstGeom prst="rect">
+                    <a:avLst/>
+                  </a:prstGeom>
+                  <a:noFill/>
+                  <a:ln w="9525">
+                    <a:noFill/>
+                    <a:miter lim="800000"/>
+                    <a:headEnd/>
+                    <a:tailEnd/>
+                  </a:ln>
+                </p:spPr>
+              </p:pic>
+            </p:grpSp>
+            <p:sp>
+              <p:nvSpPr>
+                <p:cNvPr id="133" name="직사각형 132"/>
+                <p:cNvSpPr/>
+                <p:nvPr/>
+              </p:nvSpPr>
+              <p:spPr>
+                <a:xfrm>
+                  <a:off x="509889" y="1881110"/>
+                  <a:ext cx="2615296" cy="439682"/>
+                </a:xfrm>
+                <a:prstGeom prst="rect">
+                  <a:avLst/>
+                </a:prstGeom>
+              </p:spPr>
+              <p:txBody>
+                <a:bodyPr wrap="square">
+                  <a:spAutoFit/>
+                </a:bodyPr>
+                <a:lstStyle/>
+                <a:p>
+                  <a:r>
+                    <a:rPr lang="en-US" altLang="ko-KR" sz="1400" b="1" dirty="0" smtClean="0">
+                      <a:solidFill>
+                        <a:schemeClr val="bg1"/>
+                      </a:solidFill>
+                    </a:rPr>
+                    <a:t>6</a:t>
+                  </a:r>
+                  <a:r>
+                    <a:rPr lang="en-US" altLang="ko-KR" sz="1400" b="1" dirty="0" smtClean="0">
+                      <a:solidFill>
+                        <a:schemeClr val="bg1"/>
+                      </a:solidFill>
+                    </a:rPr>
+                    <a:t>. </a:t>
+                  </a:r>
+                  <a:r>
+                    <a:rPr lang="ko-KR" altLang="en-US" sz="1400" b="1" dirty="0" smtClean="0">
+                      <a:solidFill>
+                        <a:schemeClr val="bg1"/>
+                      </a:solidFill>
+                    </a:rPr>
+                    <a:t>관리자 페이지</a:t>
+                  </a:r>
+                  <a:endParaRPr lang="ko-KR" altLang="en-US" sz="1400" b="1" dirty="0">
+                    <a:solidFill>
+                      <a:schemeClr val="bg1"/>
+                    </a:solidFill>
+                  </a:endParaRPr>
+                </a:p>
+              </p:txBody>
+            </p:sp>
+          </p:grpSp>
+          <p:sp>
+            <p:nvSpPr>
+              <p:cNvPr id="126" name="직사각형 125"/>
+              <p:cNvSpPr/>
+              <p:nvPr/>
+            </p:nvSpPr>
+            <p:spPr>
+              <a:xfrm>
+                <a:off x="2178720" y="2264173"/>
+                <a:ext cx="2160240" cy="276999"/>
+              </a:xfrm>
+              <a:prstGeom prst="rect">
+                <a:avLst/>
+              </a:prstGeom>
+            </p:spPr>
+            <p:txBody>
+              <a:bodyPr wrap="square">
+                <a:spAutoFit/>
+              </a:bodyPr>
+              <a:lstStyle/>
+              <a:p>
+                <a:r>
+                  <a:rPr lang="en-US" altLang="ko-KR" sz="1200" b="1" dirty="0" smtClean="0"/>
+                  <a:t>URL : </a:t>
+                </a:r>
+                <a:endParaRPr lang="ko-KR" altLang="en-US" sz="1200" b="1" dirty="0"/>
+              </a:p>
+            </p:txBody>
+          </p:sp>
+        </p:grpSp>
+        <p:sp>
+          <p:nvSpPr>
+            <p:cNvPr id="113" name="직사각형 112"/>
+            <p:cNvSpPr/>
+            <p:nvPr/>
+          </p:nvSpPr>
+          <p:spPr>
+            <a:xfrm>
+              <a:off x="755576" y="1340767"/>
+              <a:ext cx="7848872" cy="576066"/>
+            </a:xfrm>
+            <a:prstGeom prst="rect">
+              <a:avLst/>
+            </a:prstGeom>
+            <a:solidFill>
+              <a:schemeClr val="accent5">
+                <a:lumMod val="20000"/>
+                <a:lumOff val="80000"/>
+              </a:schemeClr>
+            </a:solidFill>
+            <a:ln w="3175">
+              <a:noFill/>
+            </a:ln>
+          </p:spPr>
+          <p:style>
+            <a:lnRef idx="2">
+              <a:schemeClr val="accent1">
+                <a:shade val="50000"/>
+              </a:schemeClr>
+            </a:lnRef>
+            <a:fillRef idx="1">
+              <a:schemeClr val="accent1"/>
+            </a:fillRef>
+            <a:effectRef idx="0">
+              <a:schemeClr val="accent1"/>
+            </a:effectRef>
+            <a:fontRef idx="minor">
+              <a:schemeClr val="lt1"/>
+            </a:fontRef>
+          </p:style>
+          <p:txBody>
+            <a:bodyPr rtlCol="0" anchor="ctr"/>
+            <a:lstStyle/>
+            <a:p>
+              <a:pPr algn="ctr"/>
+              <a:endParaRPr lang="ko-KR" altLang="en-US"/>
+            </a:p>
+          </p:txBody>
+        </p:sp>
+        <p:pic>
+          <p:nvPicPr>
+            <p:cNvPr id="114" name="Picture 3"/>
+            <p:cNvPicPr>
+              <a:picLocks noChangeAspect="1" noChangeArrowheads="1"/>
+            </p:cNvPicPr>
+            <p:nvPr/>
+          </p:nvPicPr>
+          <p:blipFill>
+            <a:blip r:embed="rId6" cstate="print"/>
+            <a:srcRect/>
+            <a:stretch>
+              <a:fillRect/>
+            </a:stretch>
+          </p:blipFill>
+          <p:spPr bwMode="auto">
+            <a:xfrm>
+              <a:off x="683567" y="1340768"/>
+              <a:ext cx="1351137" cy="360040"/>
+            </a:xfrm>
+            <a:prstGeom prst="rect">
+              <a:avLst/>
+            </a:prstGeom>
+            <a:noFill/>
+            <a:ln w="9525">
+              <a:noFill/>
+              <a:miter lim="800000"/>
+              <a:headEnd/>
+              <a:tailEnd/>
+            </a:ln>
+          </p:spPr>
+        </p:pic>
+        <p:sp>
+          <p:nvSpPr>
+            <p:cNvPr id="119" name="직사각형 118"/>
+            <p:cNvSpPr/>
+            <p:nvPr/>
+          </p:nvSpPr>
+          <p:spPr>
+            <a:xfrm>
+              <a:off x="755576" y="1367190"/>
+              <a:ext cx="1576024" cy="307777"/>
+            </a:xfrm>
+            <a:prstGeom prst="rect">
+              <a:avLst/>
+            </a:prstGeom>
+          </p:spPr>
+          <p:txBody>
+            <a:bodyPr wrap="square">
+              <a:spAutoFit/>
+            </a:bodyPr>
+            <a:lstStyle/>
+            <a:p>
+              <a:r>
+                <a:rPr lang="ko-KR" altLang="en-US" sz="1400" b="1" dirty="0" smtClean="0">
+                  <a:solidFill>
+                    <a:schemeClr val="bg1"/>
+                  </a:solidFill>
+                </a:rPr>
+                <a:t>핵심기</a:t>
+              </a:r>
+              <a:r>
+                <a:rPr lang="ko-KR" altLang="en-US" sz="1400" b="1" dirty="0" smtClean="0">
+                  <a:solidFill>
+                    <a:schemeClr val="bg1"/>
+                  </a:solidFill>
+                </a:rPr>
+                <a:t>능</a:t>
+              </a:r>
+              <a:endParaRPr lang="ko-KR" altLang="en-US" sz="1400" b="1" dirty="0">
+                <a:solidFill>
+                  <a:schemeClr val="bg1"/>
+                </a:solidFill>
+              </a:endParaRPr>
+            </a:p>
+          </p:txBody>
+        </p:sp>
+        <p:sp>
+          <p:nvSpPr>
+            <p:cNvPr id="121" name="직사각형 120"/>
+            <p:cNvSpPr/>
+            <p:nvPr/>
+          </p:nvSpPr>
+          <p:spPr>
+            <a:xfrm>
+              <a:off x="2339752" y="1328068"/>
+              <a:ext cx="5654724" cy="523220"/>
+            </a:xfrm>
+            <a:prstGeom prst="rect">
+              <a:avLst/>
+            </a:prstGeom>
+          </p:spPr>
+          <p:txBody>
+            <a:bodyPr wrap="square">
+              <a:spAutoFit/>
+            </a:bodyPr>
+            <a:lstStyle/>
+            <a:p>
+              <a:pPr>
+                <a:buFont typeface="Wingdings" pitchFamily="2" charset="2"/>
+                <a:buChar char="ü"/>
+              </a:pPr>
+              <a:r>
+                <a:rPr lang="ko-KR" altLang="en-US" sz="1400" b="1" dirty="0" smtClean="0"/>
+                <a:t> 로그인한 중개인이 등록한 매물 조회</a:t>
+              </a:r>
+              <a:r>
+                <a:rPr lang="en-US" altLang="ko-KR" sz="1400" b="1" dirty="0" smtClean="0"/>
+                <a:t>/</a:t>
+              </a:r>
+              <a:r>
+                <a:rPr lang="ko-KR" altLang="en-US" sz="1400" b="1" dirty="0" smtClean="0"/>
+                <a:t>수정</a:t>
+              </a:r>
+              <a:r>
+                <a:rPr lang="en-US" altLang="ko-KR" sz="1400" b="1" dirty="0" smtClean="0"/>
+                <a:t>/</a:t>
+              </a:r>
+              <a:r>
+                <a:rPr lang="ko-KR" altLang="en-US" sz="1400" b="1" dirty="0" smtClean="0"/>
+                <a:t>삭제</a:t>
+              </a:r>
+              <a:r>
+                <a:rPr lang="en-US" altLang="ko-KR" sz="1400" b="1" dirty="0" smtClean="0"/>
+                <a:t>/</a:t>
+              </a:r>
+              <a:r>
+                <a:rPr lang="ko-KR" altLang="en-US" sz="1400" b="1" dirty="0" smtClean="0"/>
+                <a:t>등록</a:t>
+              </a:r>
+              <a:endParaRPr lang="en-US" altLang="ko-KR" sz="1400" dirty="0" smtClean="0"/>
+            </a:p>
+            <a:p>
+              <a:pPr>
+                <a:buFont typeface="Wingdings" pitchFamily="2" charset="2"/>
+                <a:buChar char="ü"/>
+              </a:pPr>
+              <a:r>
+                <a:rPr lang="ko-KR" altLang="en-US" sz="1400" dirty="0" smtClean="0"/>
+                <a:t> </a:t>
+              </a:r>
+              <a:r>
+                <a:rPr lang="en-US" altLang="ko-KR" sz="1400" dirty="0" smtClean="0"/>
+                <a:t>Google Chart API</a:t>
+              </a:r>
+              <a:r>
+                <a:rPr lang="ko-KR" altLang="en-US" sz="1400" dirty="0" smtClean="0"/>
+                <a:t>를 활용한 실적 차트</a:t>
+              </a:r>
+              <a:endParaRPr lang="ko-KR" altLang="en-US" sz="1400" b="1" u="sng" dirty="0">
+                <a:effectLst>
+                  <a:outerShdw blurRad="38100" dist="38100" dir="2700000" algn="tl">
+                    <a:srgbClr val="000000">
+                      <a:alpha val="43137"/>
+                    </a:srgbClr>
+                  </a:outerShdw>
+                </a:effectLst>
+              </a:endParaRPr>
+            </a:p>
+          </p:txBody>
+        </p:sp>
+      </p:grpSp>
+      <p:cxnSp>
+        <p:nvCxnSpPr>
+          <p:cNvPr id="141" name="직선 연결선 140"/>
+          <p:cNvCxnSpPr/>
+          <p:nvPr/>
+        </p:nvCxnSpPr>
+        <p:spPr>
+          <a:xfrm flipV="1">
+            <a:off x="2140620" y="3352428"/>
+            <a:ext cx="6565428" cy="12700"/>
+          </a:xfrm>
+          <a:prstGeom prst="line">
+            <a:avLst/>
+          </a:prstGeom>
+          <a:ln>
+            <a:solidFill>
+              <a:schemeClr val="accent4">
+                <a:lumMod val="20000"/>
+                <a:lumOff val="80000"/>
+              </a:schemeClr>
+            </a:solidFill>
+          </a:ln>
+        </p:spPr>
+        <p:style>
+          <a:lnRef idx="2">
+            <a:schemeClr val="accent4"/>
+          </a:lnRef>
+          <a:fillRef idx="0">
+            <a:schemeClr val="accent4"/>
+          </a:fillRef>
+          <a:effectRef idx="1">
+            <a:schemeClr val="accent4"/>
+          </a:effectRef>
+          <a:fontRef idx="minor">
+            <a:schemeClr val="tx1"/>
+          </a:fontRef>
+        </p:style>
+      </p:cxnSp>
+      <p:pic>
+        <p:nvPicPr>
+          <p:cNvPr id="144" name="Picture 5"/>
+          <p:cNvPicPr>
+            <a:picLocks noChangeAspect="1" noChangeArrowheads="1"/>
+          </p:cNvPicPr>
+          <p:nvPr/>
+        </p:nvPicPr>
+        <p:blipFill>
+          <a:blip r:embed="rId7" cstate="print"/>
+          <a:srcRect/>
+          <a:stretch>
+            <a:fillRect/>
+          </a:stretch>
+        </p:blipFill>
+        <p:spPr bwMode="auto">
+          <a:xfrm>
+            <a:off x="742876" y="4123680"/>
+            <a:ext cx="1410364" cy="313432"/>
+          </a:xfrm>
+          <a:prstGeom prst="rect">
+            <a:avLst/>
+          </a:prstGeom>
+          <a:noFill/>
+          <a:ln w="9525">
+            <a:noFill/>
+            <a:miter lim="800000"/>
+            <a:headEnd/>
+            <a:tailEnd/>
+          </a:ln>
+        </p:spPr>
+      </p:pic>
+      <p:cxnSp>
+        <p:nvCxnSpPr>
+          <p:cNvPr id="145" name="직선 연결선 144"/>
+          <p:cNvCxnSpPr/>
+          <p:nvPr/>
+        </p:nvCxnSpPr>
+        <p:spPr>
+          <a:xfrm flipV="1">
+            <a:off x="2170336" y="4267696"/>
+            <a:ext cx="6565428" cy="12700"/>
+          </a:xfrm>
+          <a:prstGeom prst="line">
+            <a:avLst/>
+          </a:prstGeom>
+          <a:ln>
+            <a:solidFill>
+              <a:schemeClr val="accent4">
+                <a:lumMod val="20000"/>
+                <a:lumOff val="80000"/>
+              </a:schemeClr>
+            </a:solidFill>
+          </a:ln>
+        </p:spPr>
+        <p:style>
+          <a:lnRef idx="2">
+            <a:schemeClr val="accent4"/>
+          </a:lnRef>
+          <a:fillRef idx="0">
+            <a:schemeClr val="accent4"/>
+          </a:fillRef>
+          <a:effectRef idx="1">
+            <a:schemeClr val="accent4"/>
+          </a:effectRef>
+          <a:fontRef idx="minor">
+            <a:schemeClr val="tx1"/>
+          </a:fontRef>
+        </p:style>
+      </p:cxnSp>
+    </p:spTree>
+  </p:cSld>
+  <p:clrMapOvr>
+    <a:masterClrMapping/>
+  </p:clrMapOvr>
+  <p:transition/>
+  <p:timing>
+    <p:tnLst>
+      <p:par>
+        <p:cTn id="1" dur="indefinite" restart="never" nodeType="tmRoot"/>
+      </p:par>
+    </p:tnLst>
+  </p:timing>
+</p:sld>
+</file>
+
+<file path=ppt/slides/slide12.xml><?xml version="1.0" encoding="utf-8"?>
 <p:sld xmlns:a="http://schemas.openxmlformats.org/drawingml/2006/main" xmlns:r="http://schemas.openxmlformats.org/officeDocument/2006/relationships" xmlns:p="http://schemas.openxmlformats.org/presentationml/2006/main">
   <p:cSld>
     <p:spTree>
@@ -3281,7 +7723,7 @@
         </p:blipFill>
         <p:spPr>
           <a:xfrm>
-            <a:off x="0" y="711318"/>
+            <a:off x="1" y="711318"/>
             <a:ext cx="9143999" cy="6146682"/>
           </a:xfrm>
           <a:prstGeom prst="rect">
@@ -3289,15 +7731,232 @@
           </a:prstGeom>
         </p:spPr>
       </p:pic>
+      <p:sp>
+        <p:nvSpPr>
+          <p:cNvPr id="8" name="직사각형 7"/>
+          <p:cNvSpPr/>
+          <p:nvPr/>
+        </p:nvSpPr>
+        <p:spPr>
+          <a:xfrm>
+            <a:off x="395536" y="2492896"/>
+            <a:ext cx="2376264" cy="2016224"/>
+          </a:xfrm>
+          <a:prstGeom prst="rect">
+            <a:avLst/>
+          </a:prstGeom>
+          <a:noFill/>
+          <a:ln w="38100">
+            <a:solidFill>
+              <a:srgbClr val="FF0000"/>
+            </a:solidFill>
+          </a:ln>
+        </p:spPr>
+        <p:style>
+          <a:lnRef idx="2">
+            <a:schemeClr val="accent1">
+              <a:shade val="50000"/>
+            </a:schemeClr>
+          </a:lnRef>
+          <a:fillRef idx="1">
+            <a:schemeClr val="accent1"/>
+          </a:fillRef>
+          <a:effectRef idx="0">
+            <a:schemeClr val="accent1"/>
+          </a:effectRef>
+          <a:fontRef idx="minor">
+            <a:schemeClr val="lt1"/>
+          </a:fontRef>
+        </p:style>
+        <p:txBody>
+          <a:bodyPr rtlCol="0" anchor="ctr"/>
+          <a:lstStyle/>
+          <a:p>
+            <a:pPr algn="ctr"/>
+            <a:endParaRPr lang="ko-KR" altLang="en-US"/>
+          </a:p>
+        </p:txBody>
+      </p:sp>
+      <p:sp>
+        <p:nvSpPr>
+          <p:cNvPr id="16" name="직사각형 15"/>
+          <p:cNvSpPr/>
+          <p:nvPr/>
+        </p:nvSpPr>
+        <p:spPr>
+          <a:xfrm>
+            <a:off x="395536" y="1412776"/>
+            <a:ext cx="2160240" cy="720080"/>
+          </a:xfrm>
+          <a:prstGeom prst="rect">
+            <a:avLst/>
+          </a:prstGeom>
+          <a:noFill/>
+          <a:ln w="38100">
+            <a:solidFill>
+              <a:srgbClr val="FF0000"/>
+            </a:solidFill>
+          </a:ln>
+        </p:spPr>
+        <p:style>
+          <a:lnRef idx="2">
+            <a:schemeClr val="accent1">
+              <a:shade val="50000"/>
+            </a:schemeClr>
+          </a:lnRef>
+          <a:fillRef idx="1">
+            <a:schemeClr val="accent1"/>
+          </a:fillRef>
+          <a:effectRef idx="0">
+            <a:schemeClr val="accent1"/>
+          </a:effectRef>
+          <a:fontRef idx="minor">
+            <a:schemeClr val="lt1"/>
+          </a:fontRef>
+        </p:style>
+        <p:txBody>
+          <a:bodyPr rtlCol="0" anchor="ctr"/>
+          <a:lstStyle/>
+          <a:p>
+            <a:pPr algn="ctr"/>
+            <a:endParaRPr lang="ko-KR" altLang="en-US"/>
+          </a:p>
+        </p:txBody>
+      </p:sp>
     </p:spTree>
   </p:cSld>
   <p:clrMapOvr>
     <a:masterClrMapping/>
   </p:clrMapOvr>
+  <p:timing>
+    <p:tnLst>
+      <p:par>
+        <p:cTn id="1" dur="indefinite" restart="never" nodeType="tmRoot">
+          <p:childTnLst>
+            <p:seq concurrent="1" nextAc="seek">
+              <p:cTn id="2" dur="indefinite" nodeType="mainSeq">
+                <p:childTnLst>
+                  <p:par>
+                    <p:cTn id="3" fill="hold">
+                      <p:stCondLst>
+                        <p:cond delay="indefinite"/>
+                        <p:cond evt="onBegin" delay="0">
+                          <p:tn val="2"/>
+                        </p:cond>
+                      </p:stCondLst>
+                      <p:childTnLst>
+                        <p:par>
+                          <p:cTn id="4" fill="hold">
+                            <p:stCondLst>
+                              <p:cond delay="0"/>
+                            </p:stCondLst>
+                            <p:childTnLst>
+                              <p:par>
+                                <p:cTn id="5" presetID="22" presetClass="entr" presetSubtype="1" fill="hold" grpId="0" nodeType="withEffect">
+                                  <p:stCondLst>
+                                    <p:cond delay="0"/>
+                                  </p:stCondLst>
+                                  <p:childTnLst>
+                                    <p:set>
+                                      <p:cBhvr>
+                                        <p:cTn id="6" dur="1" fill="hold">
+                                          <p:stCondLst>
+                                            <p:cond delay="0"/>
+                                          </p:stCondLst>
+                                        </p:cTn>
+                                        <p:tgtEl>
+                                          <p:spTgt spid="8"/>
+                                        </p:tgtEl>
+                                        <p:attrNameLst>
+                                          <p:attrName>style.visibility</p:attrName>
+                                        </p:attrNameLst>
+                                      </p:cBhvr>
+                                      <p:to>
+                                        <p:strVal val="visible"/>
+                                      </p:to>
+                                    </p:set>
+                                    <p:animEffect transition="in" filter="wipe(up)">
+                                      <p:cBhvr>
+                                        <p:cTn id="7" dur="500"/>
+                                        <p:tgtEl>
+                                          <p:spTgt spid="8"/>
+                                        </p:tgtEl>
+                                      </p:cBhvr>
+                                    </p:animEffect>
+                                  </p:childTnLst>
+                                </p:cTn>
+                              </p:par>
+                              <p:par>
+                                <p:cTn id="8" presetID="22" presetClass="entr" presetSubtype="1" fill="hold" grpId="0" nodeType="withEffect">
+                                  <p:stCondLst>
+                                    <p:cond delay="0"/>
+                                  </p:stCondLst>
+                                  <p:childTnLst>
+                                    <p:set>
+                                      <p:cBhvr>
+                                        <p:cTn id="9" dur="1" fill="hold">
+                                          <p:stCondLst>
+                                            <p:cond delay="0"/>
+                                          </p:stCondLst>
+                                        </p:cTn>
+                                        <p:tgtEl>
+                                          <p:spTgt spid="16"/>
+                                        </p:tgtEl>
+                                        <p:attrNameLst>
+                                          <p:attrName>style.visibility</p:attrName>
+                                        </p:attrNameLst>
+                                      </p:cBhvr>
+                                      <p:to>
+                                        <p:strVal val="visible"/>
+                                      </p:to>
+                                    </p:set>
+                                    <p:animEffect transition="in" filter="wipe(up)">
+                                      <p:cBhvr>
+                                        <p:cTn id="10" dur="500"/>
+                                        <p:tgtEl>
+                                          <p:spTgt spid="16"/>
+                                        </p:tgtEl>
+                                      </p:cBhvr>
+                                    </p:animEffect>
+                                  </p:childTnLst>
+                                </p:cTn>
+                              </p:par>
+                            </p:childTnLst>
+                          </p:cTn>
+                        </p:par>
+                      </p:childTnLst>
+                    </p:cTn>
+                  </p:par>
+                </p:childTnLst>
+              </p:cTn>
+              <p:prevCondLst>
+                <p:cond evt="onPrev" delay="0">
+                  <p:tgtEl>
+                    <p:sldTgt/>
+                  </p:tgtEl>
+                </p:cond>
+              </p:prevCondLst>
+              <p:nextCondLst>
+                <p:cond evt="onNext" delay="0">
+                  <p:tgtEl>
+                    <p:sldTgt/>
+                  </p:tgtEl>
+                </p:cond>
+              </p:nextCondLst>
+            </p:seq>
+          </p:childTnLst>
+        </p:cTn>
+      </p:par>
+    </p:tnLst>
+    <p:bldLst>
+      <p:bldP spid="8" grpId="0" animBg="1"/>
+      <p:bldP spid="16" grpId="0" animBg="1"/>
+    </p:bldLst>
+  </p:timing>
 </p:sld>
 </file>
 
-<file path=ppt/slides/slide11.xml><?xml version="1.0" encoding="utf-8"?>
+<file path=ppt/slides/slide13.xml><?xml version="1.0" encoding="utf-8"?>
 <p:sld xmlns:a="http://schemas.openxmlformats.org/drawingml/2006/main" xmlns:r="http://schemas.openxmlformats.org/officeDocument/2006/relationships" xmlns:p="http://schemas.openxmlformats.org/presentationml/2006/main">
   <p:cSld>
     <p:spTree>
@@ -3338,16 +7997,56 @@
           </a:prstGeom>
         </p:spPr>
       </p:pic>
+      <p:pic>
+        <p:nvPicPr>
+          <p:cNvPr id="2050" name="Picture 2"/>
+          <p:cNvPicPr>
+            <a:picLocks noChangeAspect="1" noChangeArrowheads="1"/>
+          </p:cNvPicPr>
+          <p:nvPr/>
+        </p:nvPicPr>
+        <p:blipFill>
+          <a:blip r:embed="rId3" cstate="print"/>
+          <a:srcRect/>
+          <a:stretch>
+            <a:fillRect/>
+          </a:stretch>
+        </p:blipFill>
+        <p:spPr bwMode="auto">
+          <a:xfrm>
+            <a:off x="2411760" y="5733256"/>
+            <a:ext cx="4171278" cy="1124744"/>
+          </a:xfrm>
+          <a:prstGeom prst="rect">
+            <a:avLst/>
+          </a:prstGeom>
+          <a:noFill/>
+          <a:ln w="9525">
+            <a:noFill/>
+            <a:miter lim="800000"/>
+            <a:headEnd/>
+            <a:tailEnd/>
+          </a:ln>
+        </p:spPr>
+      </p:pic>
     </p:spTree>
   </p:cSld>
   <p:clrMapOvr>
     <a:masterClrMapping/>
   </p:clrMapOvr>
+  <p:transition spd="slow"/>
+  <p:timing>
+    <p:tnLst>
+      <p:par>
+        <p:cTn id="1" dur="indefinite" restart="never" nodeType="tmRoot"/>
+      </p:par>
+    </p:tnLst>
+  </p:timing>
 </p:sld>
 </file>
 
 <file path=ppt/slides/slide2.xml><?xml version="1.0" encoding="utf-8"?>
-<p:sld xmlns:a="http://schemas.openxmlformats.org/drawingml/2006/main" xmlns:r="http://schemas.openxmlformats.org/officeDocument/2006/relationships" xmlns:p="http://schemas.openxmlformats.org/presentationml/2006/main">
+<p:sld xmlns:a="http://schemas.openxmlformats.org/drawingml/2006/main" xmlns:r="http://schemas.openxmlformats.org/officeDocument/2006/relationships" xmlns:p="http://schemas.openxmlformats.org/presentationml/2006/main" show="0">
   <p:cSld>
     <p:spTree>
       <p:nvGrpSpPr>
@@ -3720,6 +8419,7 @@
   <p:clrMapOvr>
     <a:masterClrMapping/>
   </p:clrMapOvr>
+  <p:transition/>
   <p:timing>
     <p:tnLst>
       <p:par>
@@ -3731,7 +8431,7 @@
 </file>
 
 <file path=ppt/slides/slide3.xml><?xml version="1.0" encoding="utf-8"?>
-<p:sld xmlns:a="http://schemas.openxmlformats.org/drawingml/2006/main" xmlns:r="http://schemas.openxmlformats.org/officeDocument/2006/relationships" xmlns:p="http://schemas.openxmlformats.org/presentationml/2006/main">
+<p:sld xmlns:a="http://schemas.openxmlformats.org/drawingml/2006/main" xmlns:r="http://schemas.openxmlformats.org/officeDocument/2006/relationships" xmlns:p="http://schemas.openxmlformats.org/presentationml/2006/main" show="0">
   <p:cSld>
     <p:spTree>
       <p:nvGrpSpPr>
@@ -4152,11 +8852,7 @@
             </a:r>
             <a:r>
               <a:rPr lang="ko-KR" altLang="en-US" sz="2400" b="1" dirty="0" smtClean="0"/>
-              <a:t>공부하는 것도 힘든데 </a:t>
-            </a:r>
-            <a:r>
-              <a:rPr lang="ko-KR" altLang="en-US" sz="2400" b="1" dirty="0" smtClean="0"/>
-              <a:t>방 </a:t>
+              <a:t>공부하는 것도 힘든데 방 </a:t>
             </a:r>
             <a:r>
               <a:rPr lang="ko-KR" altLang="en-US" sz="2400" b="1" dirty="0" err="1" smtClean="0"/>
@@ -4164,11 +8860,7 @@
             </a:r>
             <a:r>
               <a:rPr lang="ko-KR" altLang="en-US" sz="2400" b="1" dirty="0" smtClean="0"/>
-              <a:t> </a:t>
-            </a:r>
-            <a:r>
-              <a:rPr lang="ko-KR" altLang="en-US" sz="2400" b="1" dirty="0" smtClean="0"/>
-              <a:t>더 힘들어</a:t>
+              <a:t> 더 힘들어</a:t>
             </a:r>
             <a:endParaRPr lang="en-US" altLang="ko-KR" sz="2400" b="1" dirty="0" smtClean="0"/>
           </a:p>
@@ -4238,11 +8930,7 @@
             </a:r>
             <a:r>
               <a:rPr lang="ko-KR" altLang="en-US" sz="2400" b="1" dirty="0" smtClean="0"/>
-              <a:t>로고</a:t>
-            </a:r>
-            <a:r>
-              <a:rPr lang="ko-KR" altLang="en-US" sz="2400" b="1" dirty="0" smtClean="0"/>
-              <a:t> </a:t>
+              <a:t>로고 </a:t>
             </a:r>
             <a:endParaRPr lang="ko-KR" altLang="en-US" sz="2400" b="1" dirty="0"/>
           </a:p>
@@ -4285,11 +8973,19 @@
   <p:clrMapOvr>
     <a:masterClrMapping/>
   </p:clrMapOvr>
+  <p:transition/>
+  <p:timing>
+    <p:tnLst>
+      <p:par>
+        <p:cTn id="1" dur="indefinite" restart="never" nodeType="tmRoot"/>
+      </p:par>
+    </p:tnLst>
+  </p:timing>
 </p:sld>
 </file>
 
 <file path=ppt/slides/slide4.xml><?xml version="1.0" encoding="utf-8"?>
-<p:sld xmlns:a="http://schemas.openxmlformats.org/drawingml/2006/main" xmlns:r="http://schemas.openxmlformats.org/officeDocument/2006/relationships" xmlns:p="http://schemas.openxmlformats.org/presentationml/2006/main">
+<p:sld xmlns:a="http://schemas.openxmlformats.org/drawingml/2006/main" xmlns:r="http://schemas.openxmlformats.org/officeDocument/2006/relationships" xmlns:p="http://schemas.openxmlformats.org/presentationml/2006/main" show="0">
   <p:cSld>
     <p:spTree>
       <p:nvGrpSpPr>
@@ -5208,15 +9904,7 @@
                     <a:schemeClr val="bg1"/>
                   </a:solidFill>
                 </a:rPr>
-                <a:t>언</a:t>
-              </a:r>
-              <a:r>
-                <a:rPr lang="ko-KR" altLang="en-US" sz="2000" b="1" smtClean="0">
-                  <a:solidFill>
-                    <a:schemeClr val="bg1"/>
-                  </a:solidFill>
-                </a:rPr>
-                <a:t>어</a:t>
+                <a:t>언어</a:t>
               </a:r>
               <a:endParaRPr lang="ko-KR" altLang="en-US" sz="2000" b="1" dirty="0">
                 <a:solidFill>
@@ -5337,11 +10025,7 @@
           <a:p>
             <a:r>
               <a:rPr lang="en-US" altLang="ko-KR" sz="2000" b="1" dirty="0" smtClean="0"/>
-              <a:t>HTML, CSS, JavaScript, jQuery</a:t>
-            </a:r>
-            <a:r>
-              <a:rPr lang="en-US" altLang="ko-KR" sz="2000" b="1" dirty="0" smtClean="0"/>
-              <a:t>, JSP, Java, Spring </a:t>
+              <a:t>HTML, CSS, JavaScript, jQuery, JSP, Java, Spring </a:t>
             </a:r>
             <a:endParaRPr lang="ko-KR" altLang="en-US" sz="2000" b="1" dirty="0"/>
           </a:p>
@@ -5529,6 +10213,14 @@
   <p:clrMapOvr>
     <a:masterClrMapping/>
   </p:clrMapOvr>
+  <p:transition/>
+  <p:timing>
+    <p:tnLst>
+      <p:par>
+        <p:cTn id="1" dur="indefinite" restart="never" nodeType="tmRoot"/>
+      </p:par>
+    </p:tnLst>
+  </p:timing>
 </p:sld>
 </file>
 
@@ -6172,7 +10864,7 @@
         <p:spPr>
           <a:xfrm>
             <a:off x="1259632" y="1801161"/>
-            <a:ext cx="2448272" cy="4436151"/>
+            <a:ext cx="2448272" cy="4524315"/>
           </a:xfrm>
           <a:prstGeom prst="rect">
             <a:avLst/>
@@ -6198,6 +10890,18 @@
               <a:rPr lang="ko-KR" altLang="en-US" b="1" dirty="0" smtClean="0"/>
               <a:t>회원가입</a:t>
             </a:r>
+            <a:r>
+              <a:rPr lang="en-US" altLang="ko-KR" b="1" dirty="0" smtClean="0"/>
+              <a:t>/</a:t>
+            </a:r>
+            <a:r>
+              <a:rPr lang="ko-KR" altLang="en-US" b="1" dirty="0" smtClean="0"/>
+              <a:t>회원탈</a:t>
+            </a:r>
+            <a:r>
+              <a:rPr lang="ko-KR" altLang="en-US" b="1" dirty="0" smtClean="0"/>
+              <a:t>퇴</a:t>
+            </a:r>
             <a:endParaRPr lang="en-US" altLang="ko-KR" b="1" dirty="0" smtClean="0"/>
           </a:p>
           <a:p>
@@ -6208,7 +10912,19 @@
             </a:pPr>
             <a:r>
               <a:rPr lang="ko-KR" altLang="en-US" b="1" dirty="0" smtClean="0"/>
-              <a:t> 로그인</a:t>
+              <a:t> </a:t>
+            </a:r>
+            <a:r>
+              <a:rPr lang="ko-KR" altLang="en-US" b="1" dirty="0" smtClean="0"/>
+              <a:t>로그인</a:t>
+            </a:r>
+            <a:r>
+              <a:rPr lang="en-US" altLang="ko-KR" b="1" dirty="0" smtClean="0"/>
+              <a:t>/</a:t>
+            </a:r>
+            <a:r>
+              <a:rPr lang="ko-KR" altLang="en-US" b="1" dirty="0" smtClean="0"/>
+              <a:t>로그아웃</a:t>
             </a:r>
             <a:endParaRPr lang="en-US" altLang="ko-KR" b="1" dirty="0" smtClean="0"/>
           </a:p>
@@ -6240,7 +10956,19 @@
             </a:r>
             <a:r>
               <a:rPr lang="ko-KR" altLang="en-US" b="1" dirty="0" smtClean="0"/>
-              <a:t>매물 상세 보기</a:t>
+              <a:t>매물 </a:t>
+            </a:r>
+            <a:r>
+              <a:rPr lang="ko-KR" altLang="en-US" b="1" dirty="0" smtClean="0"/>
+              <a:t>상세</a:t>
+            </a:r>
+            <a:r>
+              <a:rPr lang="en-US" altLang="ko-KR" b="1" dirty="0" smtClean="0"/>
+              <a:t>/</a:t>
+            </a:r>
+            <a:r>
+              <a:rPr lang="ko-KR" altLang="en-US" b="1" dirty="0" smtClean="0"/>
+              <a:t>검색</a:t>
             </a:r>
             <a:endParaRPr lang="en-US" altLang="ko-KR" b="1" dirty="0" smtClean="0"/>
           </a:p>
@@ -6256,7 +10984,19 @@
             </a:r>
             <a:r>
               <a:rPr lang="ko-KR" altLang="en-US" b="1" dirty="0" smtClean="0"/>
-              <a:t>문의 사항 등록</a:t>
+              <a:t>문의 사항 </a:t>
+            </a:r>
+            <a:r>
+              <a:rPr lang="ko-KR" altLang="en-US" b="1" dirty="0" smtClean="0"/>
+              <a:t>조회</a:t>
+            </a:r>
+            <a:r>
+              <a:rPr lang="en-US" altLang="ko-KR" b="1" dirty="0" smtClean="0"/>
+              <a:t>/</a:t>
+            </a:r>
+            <a:r>
+              <a:rPr lang="ko-KR" altLang="en-US" b="1" dirty="0" smtClean="0"/>
+              <a:t>등록</a:t>
             </a:r>
             <a:endParaRPr lang="en-US" altLang="ko-KR" b="1" dirty="0" smtClean="0"/>
           </a:p>
@@ -6345,6 +11085,14 @@
               <a:rPr lang="ko-KR" altLang="en-US" b="1" dirty="0" smtClean="0"/>
               <a:t>회원가입</a:t>
             </a:r>
+            <a:r>
+              <a:rPr lang="en-US" altLang="ko-KR" b="1" dirty="0" smtClean="0"/>
+              <a:t>/</a:t>
+            </a:r>
+            <a:r>
+              <a:rPr lang="ko-KR" altLang="en-US" b="1" dirty="0" smtClean="0"/>
+              <a:t>회원탈퇴</a:t>
+            </a:r>
             <a:endParaRPr lang="en-US" altLang="ko-KR" b="1" dirty="0" smtClean="0"/>
           </a:p>
           <a:p>
@@ -6355,7 +11103,19 @@
             </a:pPr>
             <a:r>
               <a:rPr lang="ko-KR" altLang="en-US" b="1" dirty="0" smtClean="0"/>
+              <a:t> </a:t>
+            </a:r>
+            <a:r>
+              <a:rPr lang="ko-KR" altLang="en-US" b="1" dirty="0" smtClean="0"/>
               <a:t> 로그인</a:t>
+            </a:r>
+            <a:r>
+              <a:rPr lang="en-US" altLang="ko-KR" b="1" dirty="0" smtClean="0"/>
+              <a:t>/</a:t>
+            </a:r>
+            <a:r>
+              <a:rPr lang="ko-KR" altLang="en-US" b="1" dirty="0" smtClean="0"/>
+              <a:t>로그아웃</a:t>
             </a:r>
             <a:endParaRPr lang="en-US" altLang="ko-KR" b="1" dirty="0" smtClean="0"/>
           </a:p>
@@ -6430,6 +11190,52 @@
               <a:t>나의 인기 매물 차트</a:t>
             </a:r>
             <a:endParaRPr lang="en-US" altLang="ko-KR" b="1" dirty="0" smtClean="0"/>
+          </a:p>
+        </p:txBody>
+      </p:sp>
+      <p:sp>
+        <p:nvSpPr>
+          <p:cNvPr id="42" name="직사각형 41"/>
+          <p:cNvSpPr/>
+          <p:nvPr/>
+        </p:nvSpPr>
+        <p:spPr>
+          <a:xfrm>
+            <a:off x="971600" y="1844824"/>
+            <a:ext cx="6912768" cy="648072"/>
+          </a:xfrm>
+          <a:prstGeom prst="rect">
+            <a:avLst/>
+          </a:prstGeom>
+          <a:noFill/>
+          <a:ln w="76200">
+            <a:solidFill>
+              <a:srgbClr val="FF0000"/>
+            </a:solidFill>
+          </a:ln>
+        </p:spPr>
+        <p:style>
+          <a:lnRef idx="2">
+            <a:schemeClr val="accent1">
+              <a:shade val="50000"/>
+            </a:schemeClr>
+          </a:lnRef>
+          <a:fillRef idx="1">
+            <a:schemeClr val="accent1"/>
+          </a:fillRef>
+          <a:effectRef idx="0">
+            <a:schemeClr val="accent1"/>
+          </a:effectRef>
+          <a:fontRef idx="minor">
+            <a:schemeClr val="lt1"/>
+          </a:fontRef>
+        </p:style>
+        <p:txBody>
+          <a:bodyPr rtlCol="0" anchor="ctr"/>
+          <a:lstStyle/>
+          <a:p>
+            <a:pPr algn="ctr"/>
+            <a:endParaRPr lang="ko-KR" altLang="en-US"/>
           </a:p>
         </p:txBody>
       </p:sp>
@@ -6438,11 +11244,98 @@
   <p:clrMapOvr>
     <a:masterClrMapping/>
   </p:clrMapOvr>
+  <p:transition/>
+  <p:timing>
+    <p:tnLst>
+      <p:par>
+        <p:cTn id="1" dur="indefinite" restart="never" nodeType="tmRoot">
+          <p:childTnLst>
+            <p:seq concurrent="1" nextAc="seek">
+              <p:cTn id="2" dur="indefinite" nodeType="mainSeq">
+                <p:childTnLst>
+                  <p:par>
+                    <p:cTn id="3" fill="hold">
+                      <p:stCondLst>
+                        <p:cond delay="indefinite"/>
+                      </p:stCondLst>
+                      <p:childTnLst>
+                        <p:par>
+                          <p:cTn id="4" fill="hold">
+                            <p:stCondLst>
+                              <p:cond delay="0"/>
+                            </p:stCondLst>
+                            <p:childTnLst>
+                              <p:par>
+                                <p:cTn id="5" presetID="22" presetClass="entr" presetSubtype="1" fill="hold" grpId="0" nodeType="clickEffect">
+                                  <p:stCondLst>
+                                    <p:cond delay="0"/>
+                                  </p:stCondLst>
+                                  <p:childTnLst>
+                                    <p:set>
+                                      <p:cBhvr>
+                                        <p:cTn id="6" dur="1" fill="hold">
+                                          <p:stCondLst>
+                                            <p:cond delay="0"/>
+                                          </p:stCondLst>
+                                        </p:cTn>
+                                        <p:tgtEl>
+                                          <p:spTgt spid="42"/>
+                                        </p:tgtEl>
+                                        <p:attrNameLst>
+                                          <p:attrName>style.visibility</p:attrName>
+                                        </p:attrNameLst>
+                                      </p:cBhvr>
+                                      <p:to>
+                                        <p:strVal val="visible"/>
+                                      </p:to>
+                                    </p:set>
+                                    <p:animEffect transition="in" filter="wipe(up)">
+                                      <p:cBhvr>
+                                        <p:cTn id="7" dur="500"/>
+                                        <p:tgtEl>
+                                          <p:spTgt spid="42"/>
+                                        </p:tgtEl>
+                                      </p:cBhvr>
+                                    </p:animEffect>
+                                  </p:childTnLst>
+                                </p:cTn>
+                              </p:par>
+                            </p:childTnLst>
+                          </p:cTn>
+                        </p:par>
+                      </p:childTnLst>
+                    </p:cTn>
+                  </p:par>
+                </p:childTnLst>
+              </p:cTn>
+              <p:prevCondLst>
+                <p:cond evt="onPrev" delay="0">
+                  <p:tgtEl>
+                    <p:sldTgt/>
+                  </p:tgtEl>
+                </p:cond>
+              </p:prevCondLst>
+              <p:nextCondLst>
+                <p:cond evt="onNext" delay="0">
+                  <p:tgtEl>
+                    <p:sldTgt/>
+                  </p:tgtEl>
+                </p:cond>
+              </p:nextCondLst>
+            </p:seq>
+          </p:childTnLst>
+        </p:cTn>
+      </p:par>
+    </p:tnLst>
+    <p:bldLst>
+      <p:bldP spid="42" grpId="0" animBg="1"/>
+    </p:bldLst>
+  </p:timing>
 </p:sld>
 </file>
 
 <file path=ppt/slides/slide6.xml><?xml version="1.0" encoding="utf-8"?>
-<p:sld xmlns:a="http://schemas.openxmlformats.org/drawingml/2006/main" xmlns:r="http://schemas.openxmlformats.org/officeDocument/2006/relationships" xmlns:p="http://schemas.openxmlformats.org/presentationml/2006/main">
+<p:sld xmlns:a="http://schemas.openxmlformats.org/drawingml/2006/main" xmlns:r="http://schemas.openxmlformats.org/officeDocument/2006/relationships" xmlns:p="http://schemas.openxmlformats.org/presentationml/2006/main" show="0">
   <p:cSld>
     <p:spTree>
       <p:nvGrpSpPr>
@@ -7351,7 +12244,7 @@
 </file>
 
 <file path=ppt/slides/slide7.xml><?xml version="1.0" encoding="utf-8"?>
-<p:sld xmlns:a="http://schemas.openxmlformats.org/drawingml/2006/main" xmlns:r="http://schemas.openxmlformats.org/officeDocument/2006/relationships" xmlns:p="http://schemas.openxmlformats.org/presentationml/2006/main">
+<p:sld xmlns:a="http://schemas.openxmlformats.org/drawingml/2006/main" xmlns:r="http://schemas.openxmlformats.org/officeDocument/2006/relationships" xmlns:p="http://schemas.openxmlformats.org/presentationml/2006/main" show="0">
   <p:cSld>
     <p:spTree>
       <p:nvGrpSpPr>
@@ -8983,6 +13876,7 @@
   <p:clrMapOvr>
     <a:masterClrMapping/>
   </p:clrMapOvr>
+  <p:transition/>
   <p:timing>
     <p:tnLst>
       <p:par>
@@ -20014,16 +24908,151 @@
           </a:p>
         </p:txBody>
       </p:sp>
+      <p:sp>
+        <p:nvSpPr>
+          <p:cNvPr id="49" name="직사각형 48"/>
+          <p:cNvSpPr/>
+          <p:nvPr/>
+        </p:nvSpPr>
+        <p:spPr>
+          <a:xfrm>
+            <a:off x="251520" y="3212976"/>
+            <a:ext cx="1800200" cy="360040"/>
+          </a:xfrm>
+          <a:prstGeom prst="rect">
+            <a:avLst/>
+          </a:prstGeom>
+          <a:noFill/>
+          <a:ln w="76200">
+            <a:solidFill>
+              <a:srgbClr val="FF0000"/>
+            </a:solidFill>
+          </a:ln>
+        </p:spPr>
+        <p:style>
+          <a:lnRef idx="2">
+            <a:schemeClr val="accent1">
+              <a:shade val="50000"/>
+            </a:schemeClr>
+          </a:lnRef>
+          <a:fillRef idx="1">
+            <a:schemeClr val="accent1"/>
+          </a:fillRef>
+          <a:effectRef idx="0">
+            <a:schemeClr val="accent1"/>
+          </a:effectRef>
+          <a:fontRef idx="minor">
+            <a:schemeClr val="lt1"/>
+          </a:fontRef>
+        </p:style>
+        <p:txBody>
+          <a:bodyPr rtlCol="0" anchor="ctr"/>
+          <a:lstStyle/>
+          <a:p>
+            <a:pPr algn="ctr"/>
+            <a:endParaRPr lang="ko-KR" altLang="en-US"/>
+          </a:p>
+        </p:txBody>
+      </p:sp>
     </p:spTree>
   </p:cSld>
   <p:clrMapOvr>
     <a:masterClrMapping/>
   </p:clrMapOvr>
+  <p:timing>
+    <p:tnLst>
+      <p:par>
+        <p:cTn id="1" dur="indefinite" restart="never" nodeType="tmRoot">
+          <p:childTnLst>
+            <p:seq concurrent="1" nextAc="seek">
+              <p:cTn id="2" dur="indefinite" nodeType="mainSeq">
+                <p:childTnLst>
+                  <p:par>
+                    <p:cTn id="3" fill="hold">
+                      <p:stCondLst>
+                        <p:cond delay="indefinite"/>
+                        <p:cond evt="onBegin" delay="0">
+                          <p:tn val="2"/>
+                        </p:cond>
+                      </p:stCondLst>
+                      <p:childTnLst>
+                        <p:par>
+                          <p:cTn id="4" fill="hold">
+                            <p:stCondLst>
+                              <p:cond delay="0"/>
+                            </p:stCondLst>
+                            <p:childTnLst>
+                              <p:par>
+                                <p:cTn id="5" presetID="22" presetClass="entr" presetSubtype="1" fill="hold" grpId="0" nodeType="withEffect">
+                                  <p:stCondLst>
+                                    <p:cond delay="0"/>
+                                  </p:stCondLst>
+                                  <p:childTnLst>
+                                    <p:set>
+                                      <p:cBhvr>
+                                        <p:cTn id="6" dur="1" fill="hold">
+                                          <p:stCondLst>
+                                            <p:cond delay="0"/>
+                                          </p:stCondLst>
+                                        </p:cTn>
+                                        <p:tgtEl>
+                                          <p:spTgt spid="49"/>
+                                        </p:tgtEl>
+                                        <p:attrNameLst>
+                                          <p:attrName>style.visibility</p:attrName>
+                                        </p:attrNameLst>
+                                      </p:cBhvr>
+                                      <p:to>
+                                        <p:strVal val="visible"/>
+                                      </p:to>
+                                    </p:set>
+                                    <p:animEffect transition="in" filter="wipe(up)">
+                                      <p:cBhvr>
+                                        <p:cTn id="7" dur="500"/>
+                                        <p:tgtEl>
+                                          <p:spTgt spid="49"/>
+                                        </p:tgtEl>
+                                      </p:cBhvr>
+                                    </p:animEffect>
+                                  </p:childTnLst>
+                                </p:cTn>
+                              </p:par>
+                            </p:childTnLst>
+                          </p:cTn>
+                        </p:par>
+                      </p:childTnLst>
+                    </p:cTn>
+                  </p:par>
+                </p:childTnLst>
+              </p:cTn>
+              <p:prevCondLst>
+                <p:cond evt="onPrev" delay="0">
+                  <p:tgtEl>
+                    <p:sldTgt/>
+                  </p:tgtEl>
+                </p:cond>
+              </p:prevCondLst>
+              <p:nextCondLst>
+                <p:cond evt="onNext" delay="0">
+                  <p:tgtEl>
+                    <p:sldTgt/>
+                  </p:tgtEl>
+                </p:cond>
+              </p:nextCondLst>
+            </p:seq>
+          </p:childTnLst>
+        </p:cTn>
+      </p:par>
+    </p:tnLst>
+    <p:bldLst>
+      <p:bldP spid="49" grpId="0" animBg="1"/>
+    </p:bldLst>
+  </p:timing>
 </p:sld>
 </file>
 
 <file path=ppt/slides/slide9.xml><?xml version="1.0" encoding="utf-8"?>
-<p:sld xmlns:a="http://schemas.openxmlformats.org/drawingml/2006/main" xmlns:r="http://schemas.openxmlformats.org/officeDocument/2006/relationships" xmlns:p="http://schemas.openxmlformats.org/presentationml/2006/main">
+<p:sld xmlns:a="http://schemas.openxmlformats.org/drawingml/2006/main" xmlns:r="http://schemas.openxmlformats.org/officeDocument/2006/relationships" xmlns:p="http://schemas.openxmlformats.org/presentationml/2006/main" show="0">
   <p:cSld>
     <p:spTree>
       <p:nvGrpSpPr>
@@ -20560,7 +25589,7 @@
         <p:spPr>
           <a:xfrm>
             <a:off x="683568" y="2204864"/>
-            <a:ext cx="5760640" cy="3785652"/>
+            <a:ext cx="7272808" cy="3856440"/>
           </a:xfrm>
           <a:prstGeom prst="rect">
             <a:avLst/>
@@ -20581,22 +25610,22 @@
               <a:buChar char="v"/>
             </a:pPr>
             <a:r>
-              <a:rPr lang="en-US" altLang="ko-KR" sz="1600" b="1" dirty="0" smtClean="0"/>
+              <a:rPr lang="en-US" altLang="ko-KR" sz="1500" b="1" dirty="0" smtClean="0"/>
               <a:t> </a:t>
             </a:r>
             <a:r>
-              <a:rPr lang="en-US" altLang="ko-KR" sz="1600" b="1" dirty="0" err="1" smtClean="0"/>
+              <a:rPr lang="en-US" altLang="ko-KR" sz="1500" b="1" dirty="0" err="1" smtClean="0"/>
               <a:t>Daum</a:t>
             </a:r>
             <a:r>
-              <a:rPr lang="en-US" altLang="ko-KR" sz="1600" b="1" dirty="0" smtClean="0"/>
+              <a:rPr lang="en-US" altLang="ko-KR" sz="1500" b="1" dirty="0" smtClean="0"/>
               <a:t> </a:t>
             </a:r>
             <a:r>
-              <a:rPr lang="ko-KR" altLang="en-US" sz="1600" b="1" dirty="0" smtClean="0"/>
+              <a:rPr lang="ko-KR" altLang="en-US" sz="1500" b="1" dirty="0" smtClean="0"/>
               <a:t>지도 비동기 처리</a:t>
             </a:r>
-            <a:endParaRPr lang="en-US" altLang="ko-KR" sz="1600" b="1" dirty="0" smtClean="0"/>
+            <a:endParaRPr lang="en-US" altLang="ko-KR" sz="1500" b="1" dirty="0" smtClean="0"/>
           </a:p>
           <a:p>
             <a:pPr>
@@ -20607,22 +25636,30 @@
               <a:buChar char="v"/>
             </a:pPr>
             <a:r>
-              <a:rPr lang="en-US" altLang="ko-KR" sz="1600" b="1" dirty="0" smtClean="0"/>
+              <a:rPr lang="en-US" altLang="ko-KR" sz="1500" b="1" dirty="0" smtClean="0"/>
               <a:t> </a:t>
             </a:r>
             <a:r>
-              <a:rPr lang="ko-KR" altLang="en-US" sz="1600" b="1" dirty="0" smtClean="0"/>
-              <a:t>관리자 매물 페이지 </a:t>
-            </a:r>
-            <a:r>
-              <a:rPr lang="ko-KR" altLang="en-US" sz="1600" b="1" dirty="0" err="1" smtClean="0"/>
+              <a:rPr lang="ko-KR" altLang="en-US" sz="1500" b="1" dirty="0" smtClean="0"/>
+              <a:t>관리자 페이지 </a:t>
+            </a:r>
+            <a:r>
+              <a:rPr lang="en-US" altLang="ko-KR" sz="1500" b="1" dirty="0" smtClean="0"/>
+              <a:t>– </a:t>
+            </a:r>
+            <a:r>
+              <a:rPr lang="ko-KR" altLang="en-US" sz="1500" b="1" dirty="0" smtClean="0"/>
+              <a:t>매물 클릭 시 </a:t>
+            </a:r>
+            <a:r>
+              <a:rPr lang="ko-KR" altLang="en-US" sz="1500" b="1" dirty="0" err="1" smtClean="0"/>
               <a:t>비동기</a:t>
             </a:r>
             <a:r>
-              <a:rPr lang="ko-KR" altLang="en-US" sz="1600" b="1" dirty="0" smtClean="0"/>
+              <a:rPr lang="ko-KR" altLang="en-US" sz="1500" b="1" dirty="0" smtClean="0"/>
               <a:t> 처리</a:t>
             </a:r>
-            <a:endParaRPr lang="en-US" altLang="ko-KR" sz="1600" b="1" dirty="0" smtClean="0"/>
+            <a:endParaRPr lang="en-US" altLang="ko-KR" sz="1500" b="1" dirty="0" smtClean="0"/>
           </a:p>
           <a:p>
             <a:pPr>
@@ -20633,26 +25670,22 @@
               <a:buChar char="v"/>
             </a:pPr>
             <a:r>
-              <a:rPr lang="en-US" altLang="ko-KR" sz="1600" b="1" dirty="0" smtClean="0"/>
+              <a:rPr lang="en-US" altLang="ko-KR" sz="1500" b="1" dirty="0" smtClean="0"/>
               <a:t> </a:t>
             </a:r>
             <a:r>
-              <a:rPr lang="ko-KR" altLang="en-US" sz="1600" b="1" dirty="0" err="1" smtClean="0"/>
-              <a:t>마이페이지</a:t>
-            </a:r>
-            <a:r>
-              <a:rPr lang="ko-KR" altLang="en-US" sz="1600" b="1" dirty="0" smtClean="0"/>
-              <a:t> </a:t>
-            </a:r>
-            <a:r>
-              <a:rPr lang="ko-KR" altLang="en-US" sz="1600" b="1" dirty="0" err="1" smtClean="0"/>
-              <a:t>모바일</a:t>
-            </a:r>
-            <a:r>
-              <a:rPr lang="ko-KR" altLang="en-US" sz="1600" b="1" dirty="0" smtClean="0"/>
-              <a:t> 회원 인증</a:t>
-            </a:r>
-            <a:endParaRPr lang="en-US" altLang="ko-KR" sz="1600" b="1" dirty="0" smtClean="0"/>
+              <a:rPr lang="ko-KR" altLang="en-US" sz="1500" b="1" dirty="0" smtClean="0"/>
+              <a:t>관리자 페이지 </a:t>
+            </a:r>
+            <a:r>
+              <a:rPr lang="en-US" altLang="ko-KR" sz="1500" b="1" dirty="0" smtClean="0"/>
+              <a:t>– </a:t>
+            </a:r>
+            <a:r>
+              <a:rPr lang="ko-KR" altLang="en-US" sz="1500" b="1" dirty="0" smtClean="0"/>
+              <a:t>중개 중인 매물에서 중개 완료 매물로 옮기는 기능</a:t>
+            </a:r>
+            <a:endParaRPr lang="en-US" altLang="ko-KR" sz="1500" b="1" dirty="0" smtClean="0"/>
           </a:p>
           <a:p>
             <a:pPr>
@@ -20663,22 +25696,22 @@
               <a:buChar char="v"/>
             </a:pPr>
             <a:r>
-              <a:rPr lang="en-US" altLang="ko-KR" sz="1600" b="1" dirty="0" smtClean="0"/>
+              <a:rPr lang="en-US" altLang="ko-KR" sz="1500" b="1" dirty="0" smtClean="0"/>
               <a:t> </a:t>
             </a:r>
             <a:r>
-              <a:rPr lang="ko-KR" altLang="en-US" sz="1600" b="1" dirty="0" smtClean="0"/>
-              <a:t>매물 상세 페이지 </a:t>
-            </a:r>
-            <a:r>
-              <a:rPr lang="en-US" altLang="ko-KR" sz="1600" b="1" dirty="0" smtClean="0"/>
-              <a:t>– </a:t>
-            </a:r>
-            <a:r>
-              <a:rPr lang="ko-KR" altLang="en-US" sz="1600" b="1" dirty="0" smtClean="0"/>
-              <a:t>에이전트에게 메일 보내기</a:t>
-            </a:r>
-            <a:endParaRPr lang="en-US" altLang="ko-KR" sz="1600" b="1" dirty="0" smtClean="0"/>
+              <a:rPr lang="ko-KR" altLang="en-US" sz="1500" b="1" dirty="0" smtClean="0"/>
+              <a:t>마이페이지 </a:t>
+            </a:r>
+            <a:r>
+              <a:rPr lang="ko-KR" altLang="en-US" sz="1500" b="1" dirty="0" err="1" smtClean="0"/>
+              <a:t>모바일</a:t>
+            </a:r>
+            <a:r>
+              <a:rPr lang="ko-KR" altLang="en-US" sz="1500" b="1" dirty="0" smtClean="0"/>
+              <a:t> 회원 인증</a:t>
+            </a:r>
+            <a:endParaRPr lang="en-US" altLang="ko-KR" sz="1500" b="1" dirty="0" smtClean="0"/>
           </a:p>
           <a:p>
             <a:pPr>
@@ -20689,22 +25722,22 @@
               <a:buChar char="v"/>
             </a:pPr>
             <a:r>
-              <a:rPr lang="en-US" altLang="ko-KR" sz="1600" b="1" dirty="0" smtClean="0"/>
+              <a:rPr lang="en-US" altLang="ko-KR" sz="1500" b="1" dirty="0" smtClean="0"/>
               <a:t> </a:t>
             </a:r>
             <a:r>
-              <a:rPr lang="ko-KR" altLang="en-US" sz="1600" b="1" dirty="0" err="1" smtClean="0"/>
-              <a:t>반응형</a:t>
-            </a:r>
-            <a:r>
-              <a:rPr lang="ko-KR" altLang="en-US" sz="1600" b="1" dirty="0" smtClean="0"/>
-              <a:t> </a:t>
-            </a:r>
-            <a:r>
-              <a:rPr lang="ko-KR" altLang="en-US" sz="1600" b="1" dirty="0" err="1" smtClean="0"/>
-              <a:t>웹페이지</a:t>
-            </a:r>
-            <a:endParaRPr lang="en-US" altLang="ko-KR" sz="1600" b="1" dirty="0" smtClean="0"/>
+              <a:rPr lang="ko-KR" altLang="en-US" sz="1500" b="1" dirty="0" smtClean="0"/>
+              <a:t>매물 상세 페이지 </a:t>
+            </a:r>
+            <a:r>
+              <a:rPr lang="en-US" altLang="ko-KR" sz="1500" b="1" dirty="0" smtClean="0"/>
+              <a:t>– </a:t>
+            </a:r>
+            <a:r>
+              <a:rPr lang="ko-KR" altLang="en-US" sz="1500" b="1" dirty="0" smtClean="0"/>
+              <a:t>에이전트에게 메일 보내기</a:t>
+            </a:r>
+            <a:endParaRPr lang="en-US" altLang="ko-KR" sz="1500" b="1" dirty="0" smtClean="0"/>
           </a:p>
           <a:p>
             <a:pPr>
@@ -20715,14 +25748,22 @@
               <a:buChar char="v"/>
             </a:pPr>
             <a:r>
-              <a:rPr lang="en-US" altLang="ko-KR" sz="1600" b="1" dirty="0" smtClean="0"/>
+              <a:rPr lang="en-US" altLang="ko-KR" sz="1500" b="1" dirty="0" smtClean="0"/>
               <a:t> </a:t>
             </a:r>
             <a:r>
-              <a:rPr lang="ko-KR" altLang="en-US" sz="1600" b="1" dirty="0" smtClean="0"/>
-              <a:t>검색 자동 완성</a:t>
-            </a:r>
-            <a:endParaRPr lang="en-US" altLang="ko-KR" sz="1600" b="1" dirty="0" smtClean="0"/>
+              <a:rPr lang="ko-KR" altLang="en-US" sz="1500" b="1" dirty="0" err="1" smtClean="0"/>
+              <a:t>반응형</a:t>
+            </a:r>
+            <a:r>
+              <a:rPr lang="ko-KR" altLang="en-US" sz="1500" b="1" dirty="0" smtClean="0"/>
+              <a:t> </a:t>
+            </a:r>
+            <a:r>
+              <a:rPr lang="ko-KR" altLang="en-US" sz="1500" b="1" dirty="0" err="1" smtClean="0"/>
+              <a:t>웹페이지</a:t>
+            </a:r>
+            <a:endParaRPr lang="en-US" altLang="ko-KR" sz="1500" b="1" dirty="0" smtClean="0"/>
           </a:p>
           <a:p>
             <a:pPr>
@@ -20733,22 +25774,14 @@
               <a:buChar char="v"/>
             </a:pPr>
             <a:r>
-              <a:rPr lang="en-US" altLang="ko-KR" sz="1600" b="1" dirty="0" smtClean="0"/>
+              <a:rPr lang="en-US" altLang="ko-KR" sz="1500" b="1" dirty="0" smtClean="0"/>
               <a:t> </a:t>
             </a:r>
             <a:r>
-              <a:rPr lang="ko-KR" altLang="en-US" sz="1600" b="1" dirty="0" smtClean="0"/>
-              <a:t>아이디</a:t>
-            </a:r>
-            <a:r>
-              <a:rPr lang="en-US" altLang="ko-KR" sz="1600" b="1" dirty="0" smtClean="0"/>
-              <a:t>/</a:t>
-            </a:r>
-            <a:r>
-              <a:rPr lang="ko-KR" altLang="en-US" sz="1600" b="1" dirty="0" smtClean="0"/>
-              <a:t>비밀번호 찾기</a:t>
-            </a:r>
-            <a:endParaRPr lang="en-US" altLang="ko-KR" sz="1600" b="1" dirty="0" smtClean="0"/>
+              <a:rPr lang="ko-KR" altLang="en-US" sz="1500" b="1" dirty="0" smtClean="0"/>
+              <a:t>검색 자동 완성</a:t>
+            </a:r>
+            <a:endParaRPr lang="en-US" altLang="ko-KR" sz="1500" b="1" dirty="0" smtClean="0"/>
           </a:p>
           <a:p>
             <a:pPr>
@@ -20759,14 +25792,22 @@
               <a:buChar char="v"/>
             </a:pPr>
             <a:r>
-              <a:rPr lang="en-US" altLang="ko-KR" sz="1600" b="1" dirty="0" smtClean="0"/>
+              <a:rPr lang="en-US" altLang="ko-KR" sz="1500" b="1" dirty="0" smtClean="0"/>
               <a:t> </a:t>
             </a:r>
             <a:r>
-              <a:rPr lang="ko-KR" altLang="en-US" sz="1600" b="1" dirty="0" smtClean="0"/>
-              <a:t>회원 별 연락한 부동산 리스트</a:t>
-            </a:r>
-            <a:endParaRPr lang="en-US" altLang="ko-KR" sz="1600" b="1" dirty="0" smtClean="0"/>
+              <a:rPr lang="ko-KR" altLang="en-US" sz="1500" b="1" dirty="0" smtClean="0"/>
+              <a:t>아이디</a:t>
+            </a:r>
+            <a:r>
+              <a:rPr lang="en-US" altLang="ko-KR" sz="1500" b="1" dirty="0" smtClean="0"/>
+              <a:t>/</a:t>
+            </a:r>
+            <a:r>
+              <a:rPr lang="ko-KR" altLang="en-US" sz="1500" b="1" dirty="0" smtClean="0"/>
+              <a:t>비밀번호 찾기</a:t>
+            </a:r>
+            <a:endParaRPr lang="en-US" altLang="ko-KR" sz="1500" b="1" dirty="0" smtClean="0"/>
           </a:p>
           <a:p>
             <a:pPr>
@@ -20777,14 +25818,14 @@
               <a:buChar char="v"/>
             </a:pPr>
             <a:r>
-              <a:rPr lang="en-US" altLang="ko-KR" sz="1600" b="1" dirty="0" smtClean="0"/>
+              <a:rPr lang="en-US" altLang="ko-KR" sz="1500" b="1" dirty="0" smtClean="0"/>
               <a:t> </a:t>
             </a:r>
             <a:r>
-              <a:rPr lang="ko-KR" altLang="en-US" sz="1600" b="1" dirty="0" smtClean="0"/>
-              <a:t>관리자 페이지 차트 년도 별로 데이터 뽑아오는 기능</a:t>
-            </a:r>
-            <a:endParaRPr lang="en-US" altLang="ko-KR" sz="1600" b="1" dirty="0" smtClean="0"/>
+              <a:rPr lang="ko-KR" altLang="en-US" sz="1500" b="1" dirty="0" smtClean="0"/>
+              <a:t>회원 별 연락한 부동산 리스트</a:t>
+            </a:r>
+            <a:endParaRPr lang="en-US" altLang="ko-KR" sz="1500" b="1" dirty="0" smtClean="0"/>
           </a:p>
           <a:p>
             <a:pPr>
@@ -20795,22 +25836,35 @@
               <a:buChar char="v"/>
             </a:pPr>
             <a:r>
-              <a:rPr lang="en-US" altLang="ko-KR" sz="1600" b="1" dirty="0" smtClean="0"/>
+              <a:rPr lang="en-US" altLang="ko-KR" sz="1500" b="1" dirty="0" smtClean="0"/>
               <a:t> </a:t>
             </a:r>
             <a:r>
-              <a:rPr lang="ko-KR" altLang="en-US" sz="1600" b="1" dirty="0" smtClean="0"/>
+              <a:rPr lang="ko-KR" altLang="en-US" sz="1500" b="1" dirty="0" smtClean="0"/>
+              <a:t>관리자 페이지 차트 년도 별로 데이터 뽑아오는 기능</a:t>
+            </a:r>
+            <a:endParaRPr lang="en-US" altLang="ko-KR" sz="1500" b="1" dirty="0" smtClean="0"/>
+          </a:p>
+          <a:p>
+            <a:pPr>
+              <a:lnSpc>
+                <a:spcPct val="150000"/>
+              </a:lnSpc>
+              <a:buFont typeface="Wingdings" pitchFamily="2" charset="2"/>
+              <a:buChar char="v"/>
+            </a:pPr>
+            <a:r>
+              <a:rPr lang="en-US" altLang="ko-KR" sz="1500" b="1" dirty="0" smtClean="0"/>
+              <a:t> </a:t>
+            </a:r>
+            <a:r>
+              <a:rPr lang="ko-KR" altLang="en-US" sz="1500" b="1" dirty="0" smtClean="0"/>
               <a:t>국제화 </a:t>
             </a:r>
             <a:r>
-              <a:rPr lang="en-US" altLang="ko-KR" sz="1600" b="1" dirty="0" smtClean="0"/>
-              <a:t>(Spring i18n</a:t>
-            </a:r>
-            <a:r>
-              <a:rPr lang="en-US" altLang="ko-KR" sz="1600" b="1" dirty="0" smtClean="0"/>
-              <a:t>)</a:t>
-            </a:r>
-            <a:endParaRPr lang="en-US" altLang="ko-KR" sz="1600" b="1" dirty="0" smtClean="0"/>
+              <a:rPr lang="en-US" altLang="ko-KR" sz="1500" b="1" dirty="0" smtClean="0"/>
+              <a:t>(Spring i18n)</a:t>
+            </a:r>
           </a:p>
         </p:txBody>
       </p:sp>
@@ -20819,6 +25873,14 @@
   <p:clrMapOvr>
     <a:masterClrMapping/>
   </p:clrMapOvr>
+  <p:transition/>
+  <p:timing>
+    <p:tnLst>
+      <p:par>
+        <p:cTn id="1" dur="indefinite" restart="never" nodeType="tmRoot"/>
+      </p:par>
+    </p:tnLst>
+  </p:timing>
 </p:sld>
 </file>
 
